--- a/Scada_Jobs_SRS/scada-flow.pptx
+++ b/Scada_Jobs_SRS/scada-flow.pptx
@@ -1,26 +1,26 @@
 
 <file path=ppt/presentation.xml><?xml version="1.0" encoding="utf-8"?>
-<p:presentation xmlns:a="http://schemas.openxmlformats.org/drawingml/2006/main" xmlns:r="http://schemas.openxmlformats.org/officeDocument/2006/relationships" xmlns:mc="http://schemas.openxmlformats.org/markup-compatibility/2006" xmlns:mv="urn:schemas-microsoft-com:mac:vml" xmlns:p="http://schemas.openxmlformats.org/presentationml/2006/main" xmlns:c="http://schemas.openxmlformats.org/drawingml/2006/chart" xmlns:dgm="http://schemas.openxmlformats.org/drawingml/2006/diagram" xmlns:o="urn:schemas-microsoft-com:office:office" xmlns:v="urn:schemas-microsoft-com:vml" xmlns:pvml="urn:schemas-microsoft-com:office:powerpoint" xmlns:com="http://schemas.openxmlformats.org/drawingml/2006/compatibility" xmlns:p14="http://schemas.microsoft.com/office/powerpoint/2010/main" xmlns:p15="http://schemas.microsoft.com/office/powerpoint/2012/main" xmlns:ahyp="http://schemas.microsoft.com/office/drawing/2018/hyperlinkcolor" autoCompressPictures="0" strictFirstAndLastChars="0" saveSubsetFonts="1">
+<p:presentation xmlns:a="http://schemas.openxmlformats.org/drawingml/2006/main" xmlns:r="http://schemas.openxmlformats.org/officeDocument/2006/relationships" xmlns:p="http://schemas.openxmlformats.org/presentationml/2006/main" strictFirstAndLastChars="0" saveSubsetFonts="1" autoCompressPictures="0">
   <p:sldMasterIdLst>
-    <p:sldMasterId id="2147483659" r:id="rId4"/>
+    <p:sldMasterId id="2147483659" r:id="rId1"/>
   </p:sldMasterIdLst>
   <p:notesMasterIdLst>
-    <p:notesMasterId r:id="rId5"/>
+    <p:notesMasterId r:id="rId10"/>
   </p:notesMasterIdLst>
   <p:sldIdLst>
-    <p:sldId id="256" r:id="rId6"/>
-    <p:sldId id="257" r:id="rId7"/>
-    <p:sldId id="258" r:id="rId8"/>
-    <p:sldId id="259" r:id="rId9"/>
-    <p:sldId id="260" r:id="rId10"/>
-    <p:sldId id="261" r:id="rId11"/>
-    <p:sldId id="262" r:id="rId12"/>
-    <p:sldId id="263" r:id="rId13"/>
+    <p:sldId id="256" r:id="rId2"/>
+    <p:sldId id="257" r:id="rId3"/>
+    <p:sldId id="258" r:id="rId4"/>
+    <p:sldId id="259" r:id="rId5"/>
+    <p:sldId id="260" r:id="rId6"/>
+    <p:sldId id="261" r:id="rId7"/>
+    <p:sldId id="262" r:id="rId8"/>
+    <p:sldId id="263" r:id="rId9"/>
   </p:sldIdLst>
-  <p:sldSz cy="5143500" cx="9144000"/>
+  <p:sldSz cx="9144000" cy="5143500" type="screen16x9"/>
   <p:notesSz cx="6858000" cy="9144000"/>
   <p:defaultTextStyle>
-    <a:defPPr lvl="0" marR="0" rtl="0" algn="l">
+    <a:defPPr marR="0" lvl="0" algn="l" rtl="0">
       <a:lnSpc>
         <a:spcPct val="100000"/>
       </a:lnSpc>
@@ -31,7 +31,7 @@
         <a:spcPts val="0"/>
       </a:spcAft>
     </a:defPPr>
-    <a:lvl1pPr lvl="0" marR="0" rtl="0" algn="l">
+    <a:lvl1pPr marR="0" lvl="0" algn="l" rtl="0">
       <a:lnSpc>
         <a:spcPct val="100000"/>
       </a:lnSpc>
@@ -45,7 +45,7 @@
         <a:srgbClr val="000000"/>
       </a:buClr>
       <a:buFont typeface="Arial"/>
-      <a:defRPr b="0" i="0" sz="1400" u="none" cap="none" strike="noStrike">
+      <a:defRPr sz="1400" b="0" i="0" u="none" strike="noStrike" cap="none">
         <a:solidFill>
           <a:srgbClr val="000000"/>
         </a:solidFill>
@@ -55,7 +55,7 @@
         <a:sym typeface="Arial"/>
       </a:defRPr>
     </a:lvl1pPr>
-    <a:lvl2pPr lvl="1" marR="0" rtl="0" algn="l">
+    <a:lvl2pPr marR="0" lvl="1" algn="l" rtl="0">
       <a:lnSpc>
         <a:spcPct val="100000"/>
       </a:lnSpc>
@@ -69,7 +69,7 @@
         <a:srgbClr val="000000"/>
       </a:buClr>
       <a:buFont typeface="Arial"/>
-      <a:defRPr b="0" i="0" sz="1400" u="none" cap="none" strike="noStrike">
+      <a:defRPr sz="1400" b="0" i="0" u="none" strike="noStrike" cap="none">
         <a:solidFill>
           <a:srgbClr val="000000"/>
         </a:solidFill>
@@ -79,7 +79,7 @@
         <a:sym typeface="Arial"/>
       </a:defRPr>
     </a:lvl2pPr>
-    <a:lvl3pPr lvl="2" marR="0" rtl="0" algn="l">
+    <a:lvl3pPr marR="0" lvl="2" algn="l" rtl="0">
       <a:lnSpc>
         <a:spcPct val="100000"/>
       </a:lnSpc>
@@ -93,7 +93,7 @@
         <a:srgbClr val="000000"/>
       </a:buClr>
       <a:buFont typeface="Arial"/>
-      <a:defRPr b="0" i="0" sz="1400" u="none" cap="none" strike="noStrike">
+      <a:defRPr sz="1400" b="0" i="0" u="none" strike="noStrike" cap="none">
         <a:solidFill>
           <a:srgbClr val="000000"/>
         </a:solidFill>
@@ -103,7 +103,7 @@
         <a:sym typeface="Arial"/>
       </a:defRPr>
     </a:lvl3pPr>
-    <a:lvl4pPr lvl="3" marR="0" rtl="0" algn="l">
+    <a:lvl4pPr marR="0" lvl="3" algn="l" rtl="0">
       <a:lnSpc>
         <a:spcPct val="100000"/>
       </a:lnSpc>
@@ -117,7 +117,7 @@
         <a:srgbClr val="000000"/>
       </a:buClr>
       <a:buFont typeface="Arial"/>
-      <a:defRPr b="0" i="0" sz="1400" u="none" cap="none" strike="noStrike">
+      <a:defRPr sz="1400" b="0" i="0" u="none" strike="noStrike" cap="none">
         <a:solidFill>
           <a:srgbClr val="000000"/>
         </a:solidFill>
@@ -127,7 +127,7 @@
         <a:sym typeface="Arial"/>
       </a:defRPr>
     </a:lvl4pPr>
-    <a:lvl5pPr lvl="4" marR="0" rtl="0" algn="l">
+    <a:lvl5pPr marR="0" lvl="4" algn="l" rtl="0">
       <a:lnSpc>
         <a:spcPct val="100000"/>
       </a:lnSpc>
@@ -141,7 +141,7 @@
         <a:srgbClr val="000000"/>
       </a:buClr>
       <a:buFont typeface="Arial"/>
-      <a:defRPr b="0" i="0" sz="1400" u="none" cap="none" strike="noStrike">
+      <a:defRPr sz="1400" b="0" i="0" u="none" strike="noStrike" cap="none">
         <a:solidFill>
           <a:srgbClr val="000000"/>
         </a:solidFill>
@@ -151,7 +151,7 @@
         <a:sym typeface="Arial"/>
       </a:defRPr>
     </a:lvl5pPr>
-    <a:lvl6pPr lvl="5" marR="0" rtl="0" algn="l">
+    <a:lvl6pPr marR="0" lvl="5" algn="l" rtl="0">
       <a:lnSpc>
         <a:spcPct val="100000"/>
       </a:lnSpc>
@@ -165,7 +165,7 @@
         <a:srgbClr val="000000"/>
       </a:buClr>
       <a:buFont typeface="Arial"/>
-      <a:defRPr b="0" i="0" sz="1400" u="none" cap="none" strike="noStrike">
+      <a:defRPr sz="1400" b="0" i="0" u="none" strike="noStrike" cap="none">
         <a:solidFill>
           <a:srgbClr val="000000"/>
         </a:solidFill>
@@ -175,7 +175,7 @@
         <a:sym typeface="Arial"/>
       </a:defRPr>
     </a:lvl6pPr>
-    <a:lvl7pPr lvl="6" marR="0" rtl="0" algn="l">
+    <a:lvl7pPr marR="0" lvl="6" algn="l" rtl="0">
       <a:lnSpc>
         <a:spcPct val="100000"/>
       </a:lnSpc>
@@ -189,7 +189,7 @@
         <a:srgbClr val="000000"/>
       </a:buClr>
       <a:buFont typeface="Arial"/>
-      <a:defRPr b="0" i="0" sz="1400" u="none" cap="none" strike="noStrike">
+      <a:defRPr sz="1400" b="0" i="0" u="none" strike="noStrike" cap="none">
         <a:solidFill>
           <a:srgbClr val="000000"/>
         </a:solidFill>
@@ -199,7 +199,7 @@
         <a:sym typeface="Arial"/>
       </a:defRPr>
     </a:lvl7pPr>
-    <a:lvl8pPr lvl="7" marR="0" rtl="0" algn="l">
+    <a:lvl8pPr marR="0" lvl="7" algn="l" rtl="0">
       <a:lnSpc>
         <a:spcPct val="100000"/>
       </a:lnSpc>
@@ -213,7 +213,7 @@
         <a:srgbClr val="000000"/>
       </a:buClr>
       <a:buFont typeface="Arial"/>
-      <a:defRPr b="0" i="0" sz="1400" u="none" cap="none" strike="noStrike">
+      <a:defRPr sz="1400" b="0" i="0" u="none" strike="noStrike" cap="none">
         <a:solidFill>
           <a:srgbClr val="000000"/>
         </a:solidFill>
@@ -223,7 +223,7 @@
         <a:sym typeface="Arial"/>
       </a:defRPr>
     </a:lvl8pPr>
-    <a:lvl9pPr lvl="8" marR="0" rtl="0" algn="l">
+    <a:lvl9pPr marR="0" lvl="8" algn="l" rtl="0">
       <a:lnSpc>
         <a:spcPct val="100000"/>
       </a:lnSpc>
@@ -237,7 +237,7 @@
         <a:srgbClr val="000000"/>
       </a:buClr>
       <a:buFont typeface="Arial"/>
-      <a:defRPr b="0" i="0" sz="1400" u="none" cap="none" strike="noStrike">
+      <a:defRPr sz="1400" b="0" i="0" u="none" strike="noStrike" cap="none">
         <a:solidFill>
           <a:srgbClr val="000000"/>
         </a:solidFill>
@@ -250,7 +250,7 @@
   </p:defaultTextStyle>
   <p:extLst>
     <p:ext uri="{EFAFB233-063F-42B5-8137-9DF3F51BA10A}">
-      <p15:sldGuideLst>
+      <p15:sldGuideLst xmlns:ahyp="http://schemas.microsoft.com/office/drawing/2018/hyperlinkcolor" xmlns:p15="http://schemas.microsoft.com/office/powerpoint/2012/main" xmlns:p14="http://schemas.microsoft.com/office/powerpoint/2010/main" xmlns:com="http://schemas.openxmlformats.org/drawingml/2006/compatibility" xmlns:pvml="urn:schemas-microsoft-com:office:powerpoint" xmlns:v="urn:schemas-microsoft-com:vml" xmlns:o="urn:schemas-microsoft-com:office:office" xmlns:dgm="http://schemas.openxmlformats.org/drawingml/2006/diagram" xmlns:c="http://schemas.openxmlformats.org/drawingml/2006/chart" xmlns:mv="urn:schemas-microsoft-com:mac:vml" xmlns:mc="http://schemas.openxmlformats.org/markup-compatibility/2006" xmlns="">
         <p15:guide id="1" orient="horz" pos="1620">
           <p15:clr>
             <a:srgbClr val="A4A3A4"/>
@@ -268,11 +268,16 @@
 </file>
 
 <file path=ppt/notesMasters/notesMaster1.xml><?xml version="1.0" encoding="utf-8"?>
-<p:notesMaster xmlns:a="http://schemas.openxmlformats.org/drawingml/2006/main" xmlns:r="http://schemas.openxmlformats.org/officeDocument/2006/relationships" xmlns:mc="http://schemas.openxmlformats.org/markup-compatibility/2006" xmlns:mv="urn:schemas-microsoft-com:mac:vml" xmlns:p="http://schemas.openxmlformats.org/presentationml/2006/main" xmlns:c="http://schemas.openxmlformats.org/drawingml/2006/chart" xmlns:dgm="http://schemas.openxmlformats.org/drawingml/2006/diagram" xmlns:o="urn:schemas-microsoft-com:office:office" xmlns:v="urn:schemas-microsoft-com:vml" xmlns:pvml="urn:schemas-microsoft-com:office:powerpoint" xmlns:com="http://schemas.openxmlformats.org/drawingml/2006/compatibility" xmlns:p14="http://schemas.microsoft.com/office/powerpoint/2010/main" xmlns:p15="http://schemas.microsoft.com/office/powerpoint/2012/main" xmlns:ahyp="http://schemas.microsoft.com/office/drawing/2018/hyperlinkcolor">
+<p:notesMaster xmlns:a="http://schemas.openxmlformats.org/drawingml/2006/main" xmlns:r="http://schemas.openxmlformats.org/officeDocument/2006/relationships" xmlns:p="http://schemas.openxmlformats.org/presentationml/2006/main">
   <p:cSld>
+    <p:bg>
+      <p:bgRef idx="1001">
+        <a:schemeClr val="bg1"/>
+      </p:bgRef>
+    </p:bg>
     <p:spTree>
       <p:nvGrpSpPr>
-        <p:cNvPr id="2" name="Shape 2"/>
+        <p:cNvPr id="1" name="Shape 2"/>
         <p:cNvGrpSpPr/>
         <p:nvPr/>
       </p:nvGrpSpPr>
@@ -287,9 +292,11 @@
       <p:sp>
         <p:nvSpPr>
           <p:cNvPr id="3" name="Google Shape;3;n"/>
-          <p:cNvSpPr/>
+          <p:cNvSpPr>
+            <a:spLocks noGrp="1" noRot="1" noChangeAspect="1"/>
+          </p:cNvSpPr>
           <p:nvPr>
-            <p:ph idx="2" type="sldImg"/>
+            <p:ph type="sldImg" idx="2"/>
           </p:nvPr>
         </p:nvSpPr>
         <p:spPr>
@@ -298,9 +305,13 @@
             <a:ext cx="6096075" cy="3429000"/>
           </a:xfrm>
           <a:custGeom>
-            <a:rect b="b" l="l" r="r" t="t"/>
+            <a:avLst/>
+            <a:gdLst/>
+            <a:ahLst/>
+            <a:cxnLst/>
+            <a:rect l="l" t="t" r="r" b="b"/>
             <a:pathLst>
-              <a:path extrusionOk="0" h="120000" w="120000">
+              <a:path w="120000" h="120000" extrusionOk="0">
                 <a:moveTo>
                   <a:pt x="0" y="0"/>
                 </a:moveTo>
@@ -318,23 +329,25 @@
             </a:pathLst>
           </a:custGeom>
           <a:noFill/>
-          <a:ln cap="flat" cmpd="sng" w="9525">
+          <a:ln w="9525" cap="flat" cmpd="sng">
             <a:solidFill>
               <a:srgbClr val="000000"/>
             </a:solidFill>
             <a:prstDash val="solid"/>
             <a:round/>
-            <a:headEnd len="sm" w="sm" type="none"/>
-            <a:tailEnd len="sm" w="sm" type="none"/>
+            <a:headEnd type="none" w="sm" len="sm"/>
+            <a:tailEnd type="none" w="sm" len="sm"/>
           </a:ln>
         </p:spPr>
       </p:sp>
       <p:sp>
         <p:nvSpPr>
           <p:cNvPr id="4" name="Google Shape;4;n"/>
-          <p:cNvSpPr txBox="1"/>
+          <p:cNvSpPr txBox="1">
+            <a:spLocks noGrp="1"/>
+          </p:cNvSpPr>
           <p:nvPr>
-            <p:ph idx="1" type="body"/>
+            <p:ph type="body" idx="1"/>
           </p:nvPr>
         </p:nvSpPr>
         <p:spPr>
@@ -351,11 +364,11 @@
           </a:ln>
         </p:spPr>
         <p:txBody>
-          <a:bodyPr anchorCtr="0" anchor="t" bIns="91425" lIns="91425" spcFirstLastPara="1" rIns="91425" wrap="square" tIns="91425">
+          <a:bodyPr spcFirstLastPara="1" wrap="square" lIns="91425" tIns="91425" rIns="91425" bIns="91425" anchor="t" anchorCtr="0">
             <a:noAutofit/>
           </a:bodyPr>
           <a:lstStyle>
-            <a:lvl1pPr indent="-298450" lvl="0" marL="457200" marR="0" rtl="0" algn="l">
+            <a:lvl1pPr marL="457200" marR="0" lvl="0" indent="-298450" algn="l" rtl="0">
               <a:lnSpc>
                 <a:spcPct val="100000"/>
               </a:lnSpc>
@@ -371,7 +384,7 @@
               <a:buSzPts val="1100"/>
               <a:buFont typeface="Arial"/>
               <a:buChar char="●"/>
-              <a:defRPr b="0" i="0" sz="1100" u="none" cap="none" strike="noStrike">
+              <a:defRPr sz="1100" b="0" i="0" u="none" strike="noStrike" cap="none">
                 <a:solidFill>
                   <a:srgbClr val="000000"/>
                 </a:solidFill>
@@ -381,7 +394,7 @@
                 <a:sym typeface="Arial"/>
               </a:defRPr>
             </a:lvl1pPr>
-            <a:lvl2pPr indent="-298450" lvl="1" marL="914400" marR="0" rtl="0" algn="l">
+            <a:lvl2pPr marL="914400" marR="0" lvl="1" indent="-298450" algn="l" rtl="0">
               <a:lnSpc>
                 <a:spcPct val="100000"/>
               </a:lnSpc>
@@ -397,7 +410,7 @@
               <a:buSzPts val="1100"/>
               <a:buFont typeface="Arial"/>
               <a:buChar char="○"/>
-              <a:defRPr b="0" i="0" sz="1100" u="none" cap="none" strike="noStrike">
+              <a:defRPr sz="1100" b="0" i="0" u="none" strike="noStrike" cap="none">
                 <a:solidFill>
                   <a:srgbClr val="000000"/>
                 </a:solidFill>
@@ -407,7 +420,7 @@
                 <a:sym typeface="Arial"/>
               </a:defRPr>
             </a:lvl2pPr>
-            <a:lvl3pPr indent="-298450" lvl="2" marL="1371600" marR="0" rtl="0" algn="l">
+            <a:lvl3pPr marL="1371600" marR="0" lvl="2" indent="-298450" algn="l" rtl="0">
               <a:lnSpc>
                 <a:spcPct val="100000"/>
               </a:lnSpc>
@@ -423,7 +436,7 @@
               <a:buSzPts val="1100"/>
               <a:buFont typeface="Arial"/>
               <a:buChar char="■"/>
-              <a:defRPr b="0" i="0" sz="1100" u="none" cap="none" strike="noStrike">
+              <a:defRPr sz="1100" b="0" i="0" u="none" strike="noStrike" cap="none">
                 <a:solidFill>
                   <a:srgbClr val="000000"/>
                 </a:solidFill>
@@ -433,7 +446,7 @@
                 <a:sym typeface="Arial"/>
               </a:defRPr>
             </a:lvl3pPr>
-            <a:lvl4pPr indent="-298450" lvl="3" marL="1828800" marR="0" rtl="0" algn="l">
+            <a:lvl4pPr marL="1828800" marR="0" lvl="3" indent="-298450" algn="l" rtl="0">
               <a:lnSpc>
                 <a:spcPct val="100000"/>
               </a:lnSpc>
@@ -449,7 +462,7 @@
               <a:buSzPts val="1100"/>
               <a:buFont typeface="Arial"/>
               <a:buChar char="●"/>
-              <a:defRPr b="0" i="0" sz="1100" u="none" cap="none" strike="noStrike">
+              <a:defRPr sz="1100" b="0" i="0" u="none" strike="noStrike" cap="none">
                 <a:solidFill>
                   <a:srgbClr val="000000"/>
                 </a:solidFill>
@@ -459,7 +472,7 @@
                 <a:sym typeface="Arial"/>
               </a:defRPr>
             </a:lvl4pPr>
-            <a:lvl5pPr indent="-298450" lvl="4" marL="2286000" marR="0" rtl="0" algn="l">
+            <a:lvl5pPr marL="2286000" marR="0" lvl="4" indent="-298450" algn="l" rtl="0">
               <a:lnSpc>
                 <a:spcPct val="100000"/>
               </a:lnSpc>
@@ -475,7 +488,7 @@
               <a:buSzPts val="1100"/>
               <a:buFont typeface="Arial"/>
               <a:buChar char="○"/>
-              <a:defRPr b="0" i="0" sz="1100" u="none" cap="none" strike="noStrike">
+              <a:defRPr sz="1100" b="0" i="0" u="none" strike="noStrike" cap="none">
                 <a:solidFill>
                   <a:srgbClr val="000000"/>
                 </a:solidFill>
@@ -485,7 +498,7 @@
                 <a:sym typeface="Arial"/>
               </a:defRPr>
             </a:lvl5pPr>
-            <a:lvl6pPr indent="-298450" lvl="5" marL="2743200" marR="0" rtl="0" algn="l">
+            <a:lvl6pPr marL="2743200" marR="0" lvl="5" indent="-298450" algn="l" rtl="0">
               <a:lnSpc>
                 <a:spcPct val="100000"/>
               </a:lnSpc>
@@ -501,7 +514,7 @@
               <a:buSzPts val="1100"/>
               <a:buFont typeface="Arial"/>
               <a:buChar char="■"/>
-              <a:defRPr b="0" i="0" sz="1100" u="none" cap="none" strike="noStrike">
+              <a:defRPr sz="1100" b="0" i="0" u="none" strike="noStrike" cap="none">
                 <a:solidFill>
                   <a:srgbClr val="000000"/>
                 </a:solidFill>
@@ -511,7 +524,7 @@
                 <a:sym typeface="Arial"/>
               </a:defRPr>
             </a:lvl6pPr>
-            <a:lvl7pPr indent="-298450" lvl="6" marL="3200400" marR="0" rtl="0" algn="l">
+            <a:lvl7pPr marL="3200400" marR="0" lvl="6" indent="-298450" algn="l" rtl="0">
               <a:lnSpc>
                 <a:spcPct val="100000"/>
               </a:lnSpc>
@@ -527,7 +540,7 @@
               <a:buSzPts val="1100"/>
               <a:buFont typeface="Arial"/>
               <a:buChar char="●"/>
-              <a:defRPr b="0" i="0" sz="1100" u="none" cap="none" strike="noStrike">
+              <a:defRPr sz="1100" b="0" i="0" u="none" strike="noStrike" cap="none">
                 <a:solidFill>
                   <a:srgbClr val="000000"/>
                 </a:solidFill>
@@ -537,7 +550,7 @@
                 <a:sym typeface="Arial"/>
               </a:defRPr>
             </a:lvl7pPr>
-            <a:lvl8pPr indent="-298450" lvl="7" marL="3657600" marR="0" rtl="0" algn="l">
+            <a:lvl8pPr marL="3657600" marR="0" lvl="7" indent="-298450" algn="l" rtl="0">
               <a:lnSpc>
                 <a:spcPct val="100000"/>
               </a:lnSpc>
@@ -553,7 +566,7 @@
               <a:buSzPts val="1100"/>
               <a:buFont typeface="Arial"/>
               <a:buChar char="○"/>
-              <a:defRPr b="0" i="0" sz="1100" u="none" cap="none" strike="noStrike">
+              <a:defRPr sz="1100" b="0" i="0" u="none" strike="noStrike" cap="none">
                 <a:solidFill>
                   <a:srgbClr val="000000"/>
                 </a:solidFill>
@@ -563,7 +576,7 @@
                 <a:sym typeface="Arial"/>
               </a:defRPr>
             </a:lvl8pPr>
-            <a:lvl9pPr indent="-298450" lvl="8" marL="4114800" marR="0" rtl="0" algn="l">
+            <a:lvl9pPr marL="4114800" marR="0" lvl="8" indent="-298450" algn="l" rtl="0">
               <a:lnSpc>
                 <a:spcPct val="100000"/>
               </a:lnSpc>
@@ -579,7 +592,7 @@
               <a:buSzPts val="1100"/>
               <a:buFont typeface="Arial"/>
               <a:buChar char="■"/>
-              <a:defRPr b="0" i="0" sz="1100" u="none" cap="none" strike="noStrike">
+              <a:defRPr sz="1100" b="0" i="0" u="none" strike="noStrike" cap="none">
                 <a:solidFill>
                   <a:srgbClr val="000000"/>
                 </a:solidFill>
@@ -590,14 +603,16 @@
               </a:defRPr>
             </a:lvl9pPr>
           </a:lstStyle>
-          <a:p/>
+          <a:p>
+            <a:endParaRPr/>
+          </a:p>
         </p:txBody>
       </p:sp>
     </p:spTree>
   </p:cSld>
-  <p:clrMap accent1="accent1" accent2="accent2" accent3="accent3" accent4="accent4" accent5="accent5" accent6="accent6" bg1="lt1" bg2="dk2" tx1="dk1" tx2="lt2" folHlink="folHlink" hlink="hlink"/>
+  <p:clrMap bg1="lt1" tx1="dk1" bg2="dk2" tx2="lt2" accent1="accent1" accent2="accent2" accent3="accent3" accent4="accent4" accent5="accent5" accent6="accent6" hlink="hlink" folHlink="folHlink"/>
   <p:notesStyle>
-    <a:defPPr lvl="0" marR="0" rtl="0" algn="l">
+    <a:defPPr marR="0" lvl="0" algn="l" rtl="0">
       <a:lnSpc>
         <a:spcPct val="100000"/>
       </a:lnSpc>
@@ -608,7 +623,7 @@
         <a:spcPts val="0"/>
       </a:spcAft>
     </a:defPPr>
-    <a:lvl1pPr lvl="0" marR="0" rtl="0" algn="l">
+    <a:lvl1pPr marR="0" lvl="0" algn="l" rtl="0">
       <a:lnSpc>
         <a:spcPct val="100000"/>
       </a:lnSpc>
@@ -622,7 +637,7 @@
         <a:srgbClr val="000000"/>
       </a:buClr>
       <a:buFont typeface="Arial"/>
-      <a:defRPr b="0" i="0" sz="1400" u="none" cap="none" strike="noStrike">
+      <a:defRPr sz="1400" b="0" i="0" u="none" strike="noStrike" cap="none">
         <a:solidFill>
           <a:srgbClr val="000000"/>
         </a:solidFill>
@@ -632,7 +647,7 @@
         <a:sym typeface="Arial"/>
       </a:defRPr>
     </a:lvl1pPr>
-    <a:lvl2pPr lvl="1" marR="0" rtl="0" algn="l">
+    <a:lvl2pPr marR="0" lvl="1" algn="l" rtl="0">
       <a:lnSpc>
         <a:spcPct val="100000"/>
       </a:lnSpc>
@@ -646,7 +661,7 @@
         <a:srgbClr val="000000"/>
       </a:buClr>
       <a:buFont typeface="Arial"/>
-      <a:defRPr b="0" i="0" sz="1400" u="none" cap="none" strike="noStrike">
+      <a:defRPr sz="1400" b="0" i="0" u="none" strike="noStrike" cap="none">
         <a:solidFill>
           <a:srgbClr val="000000"/>
         </a:solidFill>
@@ -656,7 +671,7 @@
         <a:sym typeface="Arial"/>
       </a:defRPr>
     </a:lvl2pPr>
-    <a:lvl3pPr lvl="2" marR="0" rtl="0" algn="l">
+    <a:lvl3pPr marR="0" lvl="2" algn="l" rtl="0">
       <a:lnSpc>
         <a:spcPct val="100000"/>
       </a:lnSpc>
@@ -670,7 +685,7 @@
         <a:srgbClr val="000000"/>
       </a:buClr>
       <a:buFont typeface="Arial"/>
-      <a:defRPr b="0" i="0" sz="1400" u="none" cap="none" strike="noStrike">
+      <a:defRPr sz="1400" b="0" i="0" u="none" strike="noStrike" cap="none">
         <a:solidFill>
           <a:srgbClr val="000000"/>
         </a:solidFill>
@@ -680,7 +695,7 @@
         <a:sym typeface="Arial"/>
       </a:defRPr>
     </a:lvl3pPr>
-    <a:lvl4pPr lvl="3" marR="0" rtl="0" algn="l">
+    <a:lvl4pPr marR="0" lvl="3" algn="l" rtl="0">
       <a:lnSpc>
         <a:spcPct val="100000"/>
       </a:lnSpc>
@@ -694,7 +709,7 @@
         <a:srgbClr val="000000"/>
       </a:buClr>
       <a:buFont typeface="Arial"/>
-      <a:defRPr b="0" i="0" sz="1400" u="none" cap="none" strike="noStrike">
+      <a:defRPr sz="1400" b="0" i="0" u="none" strike="noStrike" cap="none">
         <a:solidFill>
           <a:srgbClr val="000000"/>
         </a:solidFill>
@@ -704,7 +719,7 @@
         <a:sym typeface="Arial"/>
       </a:defRPr>
     </a:lvl4pPr>
-    <a:lvl5pPr lvl="4" marR="0" rtl="0" algn="l">
+    <a:lvl5pPr marR="0" lvl="4" algn="l" rtl="0">
       <a:lnSpc>
         <a:spcPct val="100000"/>
       </a:lnSpc>
@@ -718,7 +733,7 @@
         <a:srgbClr val="000000"/>
       </a:buClr>
       <a:buFont typeface="Arial"/>
-      <a:defRPr b="0" i="0" sz="1400" u="none" cap="none" strike="noStrike">
+      <a:defRPr sz="1400" b="0" i="0" u="none" strike="noStrike" cap="none">
         <a:solidFill>
           <a:srgbClr val="000000"/>
         </a:solidFill>
@@ -728,7 +743,7 @@
         <a:sym typeface="Arial"/>
       </a:defRPr>
     </a:lvl5pPr>
-    <a:lvl6pPr lvl="5" marR="0" rtl="0" algn="l">
+    <a:lvl6pPr marR="0" lvl="5" algn="l" rtl="0">
       <a:lnSpc>
         <a:spcPct val="100000"/>
       </a:lnSpc>
@@ -742,7 +757,7 @@
         <a:srgbClr val="000000"/>
       </a:buClr>
       <a:buFont typeface="Arial"/>
-      <a:defRPr b="0" i="0" sz="1400" u="none" cap="none" strike="noStrike">
+      <a:defRPr sz="1400" b="0" i="0" u="none" strike="noStrike" cap="none">
         <a:solidFill>
           <a:srgbClr val="000000"/>
         </a:solidFill>
@@ -752,7 +767,7 @@
         <a:sym typeface="Arial"/>
       </a:defRPr>
     </a:lvl6pPr>
-    <a:lvl7pPr lvl="6" marR="0" rtl="0" algn="l">
+    <a:lvl7pPr marR="0" lvl="6" algn="l" rtl="0">
       <a:lnSpc>
         <a:spcPct val="100000"/>
       </a:lnSpc>
@@ -766,7 +781,7 @@
         <a:srgbClr val="000000"/>
       </a:buClr>
       <a:buFont typeface="Arial"/>
-      <a:defRPr b="0" i="0" sz="1400" u="none" cap="none" strike="noStrike">
+      <a:defRPr sz="1400" b="0" i="0" u="none" strike="noStrike" cap="none">
         <a:solidFill>
           <a:srgbClr val="000000"/>
         </a:solidFill>
@@ -776,7 +791,7 @@
         <a:sym typeface="Arial"/>
       </a:defRPr>
     </a:lvl7pPr>
-    <a:lvl8pPr lvl="7" marR="0" rtl="0" algn="l">
+    <a:lvl8pPr marR="0" lvl="7" algn="l" rtl="0">
       <a:lnSpc>
         <a:spcPct val="100000"/>
       </a:lnSpc>
@@ -790,7 +805,7 @@
         <a:srgbClr val="000000"/>
       </a:buClr>
       <a:buFont typeface="Arial"/>
-      <a:defRPr b="0" i="0" sz="1400" u="none" cap="none" strike="noStrike">
+      <a:defRPr sz="1400" b="0" i="0" u="none" strike="noStrike" cap="none">
         <a:solidFill>
           <a:srgbClr val="000000"/>
         </a:solidFill>
@@ -800,7 +815,7 @@
         <a:sym typeface="Arial"/>
       </a:defRPr>
     </a:lvl8pPr>
-    <a:lvl9pPr lvl="8" marR="0" rtl="0" algn="l">
+    <a:lvl9pPr marR="0" lvl="8" algn="l" rtl="0">
       <a:lnSpc>
         <a:spcPct val="100000"/>
       </a:lnSpc>
@@ -814,7 +829,7 @@
         <a:srgbClr val="000000"/>
       </a:buClr>
       <a:buFont typeface="Arial"/>
-      <a:defRPr b="0" i="0" sz="1400" u="none" cap="none" strike="noStrike">
+      <a:defRPr sz="1400" b="0" i="0" u="none" strike="noStrike" cap="none">
         <a:solidFill>
           <a:srgbClr val="000000"/>
         </a:solidFill>
@@ -829,11 +844,11 @@
 </file>
 
 <file path=ppt/notesSlides/notesSlide1.xml><?xml version="1.0" encoding="utf-8"?>
-<p:notes xmlns:a="http://schemas.openxmlformats.org/drawingml/2006/main" xmlns:r="http://schemas.openxmlformats.org/officeDocument/2006/relationships" xmlns:mc="http://schemas.openxmlformats.org/markup-compatibility/2006" xmlns:mv="urn:schemas-microsoft-com:mac:vml" xmlns:p="http://schemas.openxmlformats.org/presentationml/2006/main" xmlns:c="http://schemas.openxmlformats.org/drawingml/2006/chart" xmlns:dgm="http://schemas.openxmlformats.org/drawingml/2006/diagram" xmlns:o="urn:schemas-microsoft-com:office:office" xmlns:v="urn:schemas-microsoft-com:vml" xmlns:pvml="urn:schemas-microsoft-com:office:powerpoint" xmlns:com="http://schemas.openxmlformats.org/drawingml/2006/compatibility" xmlns:p14="http://schemas.microsoft.com/office/powerpoint/2010/main" xmlns:p15="http://schemas.microsoft.com/office/powerpoint/2012/main" xmlns:ahyp="http://schemas.microsoft.com/office/drawing/2018/hyperlinkcolor" showMasterPhAnim="0" showMasterSp="0">
+<p:notes xmlns:a="http://schemas.openxmlformats.org/drawingml/2006/main" xmlns:r="http://schemas.openxmlformats.org/officeDocument/2006/relationships" xmlns:p="http://schemas.openxmlformats.org/presentationml/2006/main" showMasterSp="0" showMasterPhAnim="0">
   <p:cSld>
     <p:spTree>
       <p:nvGrpSpPr>
-        <p:cNvPr id="50" name="Shape 50"/>
+        <p:cNvPr id="1" name="Shape 50"/>
         <p:cNvGrpSpPr/>
         <p:nvPr/>
       </p:nvGrpSpPr>
@@ -848,9 +863,11 @@
       <p:sp>
         <p:nvSpPr>
           <p:cNvPr id="51" name="Google Shape;51;p1:notes"/>
-          <p:cNvSpPr/>
+          <p:cNvSpPr>
+            <a:spLocks noGrp="1" noRot="1" noChangeAspect="1"/>
+          </p:cNvSpPr>
           <p:nvPr>
-            <p:ph idx="2" type="sldImg"/>
+            <p:ph type="sldImg" idx="2"/>
           </p:nvPr>
         </p:nvSpPr>
         <p:spPr>
@@ -859,9 +876,13 @@
             <a:ext cx="6096075" cy="3429000"/>
           </a:xfrm>
           <a:custGeom>
-            <a:rect b="b" l="l" r="r" t="t"/>
+            <a:avLst/>
+            <a:gdLst/>
+            <a:ahLst/>
+            <a:cxnLst/>
+            <a:rect l="l" t="t" r="r" b="b"/>
             <a:pathLst>
-              <a:path extrusionOk="0" h="120000" w="120000">
+              <a:path w="120000" h="120000" extrusionOk="0">
                 <a:moveTo>
                   <a:pt x="0" y="0"/>
                 </a:moveTo>
@@ -879,23 +900,25 @@
             </a:pathLst>
           </a:custGeom>
           <a:noFill/>
-          <a:ln cap="flat" cmpd="sng" w="9525">
+          <a:ln w="9525" cap="flat" cmpd="sng">
             <a:solidFill>
               <a:srgbClr val="000000"/>
             </a:solidFill>
             <a:prstDash val="solid"/>
             <a:round/>
-            <a:headEnd len="sm" w="sm" type="none"/>
-            <a:tailEnd len="sm" w="sm" type="none"/>
+            <a:headEnd type="none" w="sm" len="sm"/>
+            <a:tailEnd type="none" w="sm" len="sm"/>
           </a:ln>
         </p:spPr>
       </p:sp>
       <p:sp>
         <p:nvSpPr>
           <p:cNvPr id="52" name="Google Shape;52;p1:notes"/>
-          <p:cNvSpPr txBox="1"/>
+          <p:cNvSpPr txBox="1">
+            <a:spLocks noGrp="1"/>
+          </p:cNvSpPr>
           <p:nvPr>
-            <p:ph idx="1" type="body"/>
+            <p:ph type="body" idx="1"/>
           </p:nvPr>
         </p:nvSpPr>
         <p:spPr>
@@ -912,12 +935,12 @@
           </a:ln>
         </p:spPr>
         <p:txBody>
-          <a:bodyPr anchorCtr="0" anchor="t" bIns="91425" lIns="91425" spcFirstLastPara="1" rIns="91425" wrap="square" tIns="91425">
+          <a:bodyPr spcFirstLastPara="1" wrap="square" lIns="91425" tIns="91425" rIns="91425" bIns="91425" anchor="t" anchorCtr="0">
             <a:noAutofit/>
           </a:bodyPr>
           <a:lstStyle/>
           <a:p>
-            <a:pPr indent="0" lvl="0" marL="0" rtl="0" algn="l">
+            <a:pPr marL="0" lvl="0" indent="0" algn="l" rtl="0">
               <a:lnSpc>
                 <a:spcPct val="100000"/>
               </a:lnSpc>
@@ -930,9 +953,6 @@
               <a:buSzPts val="1100"/>
               <a:buNone/>
             </a:pPr>
-            <a:r>
-              <a:t/>
-            </a:r>
             <a:endParaRPr/>
           </a:p>
         </p:txBody>
@@ -946,11 +966,11 @@
 </file>
 
 <file path=ppt/notesSlides/notesSlide2.xml><?xml version="1.0" encoding="utf-8"?>
-<p:notes xmlns:a="http://schemas.openxmlformats.org/drawingml/2006/main" xmlns:r="http://schemas.openxmlformats.org/officeDocument/2006/relationships" xmlns:mc="http://schemas.openxmlformats.org/markup-compatibility/2006" xmlns:mv="urn:schemas-microsoft-com:mac:vml" xmlns:p="http://schemas.openxmlformats.org/presentationml/2006/main" xmlns:c="http://schemas.openxmlformats.org/drawingml/2006/chart" xmlns:dgm="http://schemas.openxmlformats.org/drawingml/2006/diagram" xmlns:o="urn:schemas-microsoft-com:office:office" xmlns:v="urn:schemas-microsoft-com:vml" xmlns:pvml="urn:schemas-microsoft-com:office:powerpoint" xmlns:com="http://schemas.openxmlformats.org/drawingml/2006/compatibility" xmlns:p14="http://schemas.microsoft.com/office/powerpoint/2010/main" xmlns:p15="http://schemas.microsoft.com/office/powerpoint/2012/main" xmlns:ahyp="http://schemas.microsoft.com/office/drawing/2018/hyperlinkcolor" showMasterPhAnim="0" showMasterSp="0">
+<p:notes xmlns:a="http://schemas.openxmlformats.org/drawingml/2006/main" xmlns:r="http://schemas.openxmlformats.org/officeDocument/2006/relationships" xmlns:p="http://schemas.openxmlformats.org/presentationml/2006/main" showMasterSp="0" showMasterPhAnim="0">
   <p:cSld>
     <p:spTree>
       <p:nvGrpSpPr>
-        <p:cNvPr id="55" name="Shape 55"/>
+        <p:cNvPr id="1" name="Shape 55"/>
         <p:cNvGrpSpPr/>
         <p:nvPr/>
       </p:nvGrpSpPr>
@@ -965,20 +985,26 @@
       <p:sp>
         <p:nvSpPr>
           <p:cNvPr id="56" name="Google Shape;56;p2:notes"/>
-          <p:cNvSpPr/>
+          <p:cNvSpPr>
+            <a:spLocks noGrp="1" noRot="1" noChangeAspect="1"/>
+          </p:cNvSpPr>
           <p:nvPr>
-            <p:ph idx="2" type="sldImg"/>
+            <p:ph type="sldImg" idx="2"/>
           </p:nvPr>
         </p:nvSpPr>
         <p:spPr>
           <a:xfrm>
-            <a:off x="381300" y="685800"/>
+            <a:off x="381000" y="685800"/>
             <a:ext cx="6096000" cy="3429000"/>
           </a:xfrm>
           <a:custGeom>
-            <a:rect b="b" l="l" r="r" t="t"/>
+            <a:avLst/>
+            <a:gdLst/>
+            <a:ahLst/>
+            <a:cxnLst/>
+            <a:rect l="l" t="t" r="r" b="b"/>
             <a:pathLst>
-              <a:path extrusionOk="0" h="120000" w="120000">
+              <a:path w="120000" h="120000" extrusionOk="0">
                 <a:moveTo>
                   <a:pt x="0" y="0"/>
                 </a:moveTo>
@@ -996,23 +1022,25 @@
             </a:pathLst>
           </a:custGeom>
           <a:noFill/>
-          <a:ln cap="flat" cmpd="sng" w="9525">
+          <a:ln w="9525" cap="flat" cmpd="sng">
             <a:solidFill>
               <a:srgbClr val="000000"/>
             </a:solidFill>
             <a:prstDash val="solid"/>
             <a:round/>
-            <a:headEnd len="sm" w="sm" type="none"/>
-            <a:tailEnd len="sm" w="sm" type="none"/>
+            <a:headEnd type="none" w="sm" len="sm"/>
+            <a:tailEnd type="none" w="sm" len="sm"/>
           </a:ln>
         </p:spPr>
       </p:sp>
       <p:sp>
         <p:nvSpPr>
           <p:cNvPr id="57" name="Google Shape;57;p2:notes"/>
-          <p:cNvSpPr txBox="1"/>
+          <p:cNvSpPr txBox="1">
+            <a:spLocks noGrp="1"/>
+          </p:cNvSpPr>
           <p:nvPr>
-            <p:ph idx="1" type="body"/>
+            <p:ph type="body" idx="1"/>
           </p:nvPr>
         </p:nvSpPr>
         <p:spPr>
@@ -1029,12 +1057,12 @@
           </a:ln>
         </p:spPr>
         <p:txBody>
-          <a:bodyPr anchorCtr="0" anchor="t" bIns="91425" lIns="91425" spcFirstLastPara="1" rIns="91425" wrap="square" tIns="91425">
+          <a:bodyPr spcFirstLastPara="1" wrap="square" lIns="91425" tIns="91425" rIns="91425" bIns="91425" anchor="t" anchorCtr="0">
             <a:noAutofit/>
           </a:bodyPr>
           <a:lstStyle/>
           <a:p>
-            <a:pPr indent="0" lvl="0" marL="0" rtl="0" algn="l">
+            <a:pPr marL="0" lvl="0" indent="0" algn="l" rtl="0">
               <a:lnSpc>
                 <a:spcPct val="100000"/>
               </a:lnSpc>
@@ -1047,9 +1075,6 @@
               <a:buSzPts val="1100"/>
               <a:buNone/>
             </a:pPr>
-            <a:r>
-              <a:t/>
-            </a:r>
             <a:endParaRPr/>
           </a:p>
         </p:txBody>
@@ -1063,11 +1088,11 @@
 </file>
 
 <file path=ppt/notesSlides/notesSlide3.xml><?xml version="1.0" encoding="utf-8"?>
-<p:notes xmlns:a="http://schemas.openxmlformats.org/drawingml/2006/main" xmlns:r="http://schemas.openxmlformats.org/officeDocument/2006/relationships" xmlns:mc="http://schemas.openxmlformats.org/markup-compatibility/2006" xmlns:mv="urn:schemas-microsoft-com:mac:vml" xmlns:p="http://schemas.openxmlformats.org/presentationml/2006/main" xmlns:c="http://schemas.openxmlformats.org/drawingml/2006/chart" xmlns:dgm="http://schemas.openxmlformats.org/drawingml/2006/diagram" xmlns:o="urn:schemas-microsoft-com:office:office" xmlns:v="urn:schemas-microsoft-com:vml" xmlns:pvml="urn:schemas-microsoft-com:office:powerpoint" xmlns:com="http://schemas.openxmlformats.org/drawingml/2006/compatibility" xmlns:p14="http://schemas.microsoft.com/office/powerpoint/2010/main" xmlns:p15="http://schemas.microsoft.com/office/powerpoint/2012/main" xmlns:ahyp="http://schemas.microsoft.com/office/drawing/2018/hyperlinkcolor" showMasterPhAnim="0" showMasterSp="0">
+<p:notes xmlns:a="http://schemas.openxmlformats.org/drawingml/2006/main" xmlns:r="http://schemas.openxmlformats.org/officeDocument/2006/relationships" xmlns:p="http://schemas.openxmlformats.org/presentationml/2006/main" showMasterSp="0" showMasterPhAnim="0">
   <p:cSld>
     <p:spTree>
       <p:nvGrpSpPr>
-        <p:cNvPr id="70" name="Shape 70"/>
+        <p:cNvPr id="1" name="Shape 70"/>
         <p:cNvGrpSpPr/>
         <p:nvPr/>
       </p:nvGrpSpPr>
@@ -1082,20 +1107,26 @@
       <p:sp>
         <p:nvSpPr>
           <p:cNvPr id="71" name="Google Shape;71;p3:notes"/>
-          <p:cNvSpPr/>
+          <p:cNvSpPr>
+            <a:spLocks noGrp="1" noRot="1" noChangeAspect="1"/>
+          </p:cNvSpPr>
           <p:nvPr>
-            <p:ph idx="2" type="sldImg"/>
+            <p:ph type="sldImg" idx="2"/>
           </p:nvPr>
         </p:nvSpPr>
         <p:spPr>
           <a:xfrm>
-            <a:off x="381300" y="685800"/>
+            <a:off x="381000" y="685800"/>
             <a:ext cx="6096000" cy="3429000"/>
           </a:xfrm>
           <a:custGeom>
-            <a:rect b="b" l="l" r="r" t="t"/>
+            <a:avLst/>
+            <a:gdLst/>
+            <a:ahLst/>
+            <a:cxnLst/>
+            <a:rect l="l" t="t" r="r" b="b"/>
             <a:pathLst>
-              <a:path extrusionOk="0" h="120000" w="120000">
+              <a:path w="120000" h="120000" extrusionOk="0">
                 <a:moveTo>
                   <a:pt x="0" y="0"/>
                 </a:moveTo>
@@ -1113,23 +1144,25 @@
             </a:pathLst>
           </a:custGeom>
           <a:noFill/>
-          <a:ln cap="flat" cmpd="sng" w="9525">
+          <a:ln w="9525" cap="flat" cmpd="sng">
             <a:solidFill>
               <a:srgbClr val="000000"/>
             </a:solidFill>
             <a:prstDash val="solid"/>
             <a:round/>
-            <a:headEnd len="sm" w="sm" type="none"/>
-            <a:tailEnd len="sm" w="sm" type="none"/>
+            <a:headEnd type="none" w="sm" len="sm"/>
+            <a:tailEnd type="none" w="sm" len="sm"/>
           </a:ln>
         </p:spPr>
       </p:sp>
       <p:sp>
         <p:nvSpPr>
           <p:cNvPr id="72" name="Google Shape;72;p3:notes"/>
-          <p:cNvSpPr txBox="1"/>
+          <p:cNvSpPr txBox="1">
+            <a:spLocks noGrp="1"/>
+          </p:cNvSpPr>
           <p:nvPr>
-            <p:ph idx="1" type="body"/>
+            <p:ph type="body" idx="1"/>
           </p:nvPr>
         </p:nvSpPr>
         <p:spPr>
@@ -1146,12 +1179,12 @@
           </a:ln>
         </p:spPr>
         <p:txBody>
-          <a:bodyPr anchorCtr="0" anchor="t" bIns="91425" lIns="91425" spcFirstLastPara="1" rIns="91425" wrap="square" tIns="91425">
+          <a:bodyPr spcFirstLastPara="1" wrap="square" lIns="91425" tIns="91425" rIns="91425" bIns="91425" anchor="t" anchorCtr="0">
             <a:noAutofit/>
           </a:bodyPr>
           <a:lstStyle/>
           <a:p>
-            <a:pPr indent="0" lvl="0" marL="0" rtl="0" algn="l">
+            <a:pPr marL="0" lvl="0" indent="0" algn="l" rtl="0">
               <a:lnSpc>
                 <a:spcPct val="100000"/>
               </a:lnSpc>
@@ -1164,9 +1197,6 @@
               <a:buSzPts val="1100"/>
               <a:buNone/>
             </a:pPr>
-            <a:r>
-              <a:t/>
-            </a:r>
             <a:endParaRPr/>
           </a:p>
         </p:txBody>
@@ -1180,11 +1210,11 @@
 </file>
 
 <file path=ppt/notesSlides/notesSlide4.xml><?xml version="1.0" encoding="utf-8"?>
-<p:notes xmlns:a="http://schemas.openxmlformats.org/drawingml/2006/main" xmlns:r="http://schemas.openxmlformats.org/officeDocument/2006/relationships" xmlns:mc="http://schemas.openxmlformats.org/markup-compatibility/2006" xmlns:mv="urn:schemas-microsoft-com:mac:vml" xmlns:p="http://schemas.openxmlformats.org/presentationml/2006/main" xmlns:c="http://schemas.openxmlformats.org/drawingml/2006/chart" xmlns:dgm="http://schemas.openxmlformats.org/drawingml/2006/diagram" xmlns:o="urn:schemas-microsoft-com:office:office" xmlns:v="urn:schemas-microsoft-com:vml" xmlns:pvml="urn:schemas-microsoft-com:office:powerpoint" xmlns:com="http://schemas.openxmlformats.org/drawingml/2006/compatibility" xmlns:p14="http://schemas.microsoft.com/office/powerpoint/2010/main" xmlns:p15="http://schemas.microsoft.com/office/powerpoint/2012/main" xmlns:ahyp="http://schemas.microsoft.com/office/drawing/2018/hyperlinkcolor" showMasterPhAnim="0" showMasterSp="0">
+<p:notes xmlns:a="http://schemas.openxmlformats.org/drawingml/2006/main" xmlns:r="http://schemas.openxmlformats.org/officeDocument/2006/relationships" xmlns:p="http://schemas.openxmlformats.org/presentationml/2006/main" showMasterSp="0" showMasterPhAnim="0">
   <p:cSld>
     <p:spTree>
       <p:nvGrpSpPr>
-        <p:cNvPr id="82" name="Shape 82"/>
+        <p:cNvPr id="1" name="Shape 82"/>
         <p:cNvGrpSpPr/>
         <p:nvPr/>
       </p:nvGrpSpPr>
@@ -1199,20 +1229,26 @@
       <p:sp>
         <p:nvSpPr>
           <p:cNvPr id="83" name="Google Shape;83;gb207208d78_0_51:notes"/>
-          <p:cNvSpPr/>
+          <p:cNvSpPr>
+            <a:spLocks noGrp="1" noRot="1" noChangeAspect="1"/>
+          </p:cNvSpPr>
           <p:nvPr>
-            <p:ph idx="2" type="sldImg"/>
+            <p:ph type="sldImg" idx="2"/>
           </p:nvPr>
         </p:nvSpPr>
         <p:spPr>
           <a:xfrm>
-            <a:off x="381300" y="685800"/>
+            <a:off x="381000" y="685800"/>
             <a:ext cx="6096000" cy="3429000"/>
           </a:xfrm>
           <a:custGeom>
-            <a:rect b="b" l="l" r="r" t="t"/>
+            <a:avLst/>
+            <a:gdLst/>
+            <a:ahLst/>
+            <a:cxnLst/>
+            <a:rect l="l" t="t" r="r" b="b"/>
             <a:pathLst>
-              <a:path extrusionOk="0" h="120000" w="120000">
+              <a:path w="120000" h="120000" extrusionOk="0">
                 <a:moveTo>
                   <a:pt x="0" y="0"/>
                 </a:moveTo>
@@ -1234,9 +1270,11 @@
       <p:sp>
         <p:nvSpPr>
           <p:cNvPr id="84" name="Google Shape;84;gb207208d78_0_51:notes"/>
-          <p:cNvSpPr txBox="1"/>
+          <p:cNvSpPr txBox="1">
+            <a:spLocks noGrp="1"/>
+          </p:cNvSpPr>
           <p:nvPr>
-            <p:ph idx="1" type="body"/>
+            <p:ph type="body" idx="1"/>
           </p:nvPr>
         </p:nvSpPr>
         <p:spPr>
@@ -1249,12 +1287,12 @@
           </a:prstGeom>
         </p:spPr>
         <p:txBody>
-          <a:bodyPr anchorCtr="0" anchor="t" bIns="91425" lIns="91425" spcFirstLastPara="1" rIns="91425" wrap="square" tIns="91425">
+          <a:bodyPr spcFirstLastPara="1" wrap="square" lIns="91425" tIns="91425" rIns="91425" bIns="91425" anchor="t" anchorCtr="0">
             <a:noAutofit/>
           </a:bodyPr>
           <a:lstStyle/>
           <a:p>
-            <a:pPr indent="0" lvl="0" marL="0" rtl="0" algn="l">
+            <a:pPr marL="0" lvl="0" indent="0" algn="l" rtl="0">
               <a:spcBef>
                 <a:spcPts val="0"/>
               </a:spcBef>
@@ -1263,9 +1301,6 @@
               </a:spcAft>
               <a:buNone/>
             </a:pPr>
-            <a:r>
-              <a:t/>
-            </a:r>
             <a:endParaRPr/>
           </a:p>
         </p:txBody>
@@ -1279,11 +1314,11 @@
 </file>
 
 <file path=ppt/notesSlides/notesSlide5.xml><?xml version="1.0" encoding="utf-8"?>
-<p:notes xmlns:a="http://schemas.openxmlformats.org/drawingml/2006/main" xmlns:r="http://schemas.openxmlformats.org/officeDocument/2006/relationships" xmlns:mc="http://schemas.openxmlformats.org/markup-compatibility/2006" xmlns:mv="urn:schemas-microsoft-com:mac:vml" xmlns:p="http://schemas.openxmlformats.org/presentationml/2006/main" xmlns:c="http://schemas.openxmlformats.org/drawingml/2006/chart" xmlns:dgm="http://schemas.openxmlformats.org/drawingml/2006/diagram" xmlns:o="urn:schemas-microsoft-com:office:office" xmlns:v="urn:schemas-microsoft-com:vml" xmlns:pvml="urn:schemas-microsoft-com:office:powerpoint" xmlns:com="http://schemas.openxmlformats.org/drawingml/2006/compatibility" xmlns:p14="http://schemas.microsoft.com/office/powerpoint/2010/main" xmlns:p15="http://schemas.microsoft.com/office/powerpoint/2012/main" xmlns:ahyp="http://schemas.microsoft.com/office/drawing/2018/hyperlinkcolor" showMasterPhAnim="0" showMasterSp="0">
+<p:notes xmlns:a="http://schemas.openxmlformats.org/drawingml/2006/main" xmlns:r="http://schemas.openxmlformats.org/officeDocument/2006/relationships" xmlns:p="http://schemas.openxmlformats.org/presentationml/2006/main" showMasterSp="0" showMasterPhAnim="0">
   <p:cSld>
     <p:spTree>
       <p:nvGrpSpPr>
-        <p:cNvPr id="93" name="Shape 93"/>
+        <p:cNvPr id="1" name="Shape 93"/>
         <p:cNvGrpSpPr/>
         <p:nvPr/>
       </p:nvGrpSpPr>
@@ -1298,20 +1333,26 @@
       <p:sp>
         <p:nvSpPr>
           <p:cNvPr id="94" name="Google Shape;94;gb207208d78_0_63:notes"/>
-          <p:cNvSpPr/>
+          <p:cNvSpPr>
+            <a:spLocks noGrp="1" noRot="1" noChangeAspect="1"/>
+          </p:cNvSpPr>
           <p:nvPr>
-            <p:ph idx="2" type="sldImg"/>
+            <p:ph type="sldImg" idx="2"/>
           </p:nvPr>
         </p:nvSpPr>
         <p:spPr>
           <a:xfrm>
-            <a:off x="381300" y="685800"/>
+            <a:off x="381000" y="685800"/>
             <a:ext cx="6096000" cy="3429000"/>
           </a:xfrm>
           <a:custGeom>
-            <a:rect b="b" l="l" r="r" t="t"/>
+            <a:avLst/>
+            <a:gdLst/>
+            <a:ahLst/>
+            <a:cxnLst/>
+            <a:rect l="l" t="t" r="r" b="b"/>
             <a:pathLst>
-              <a:path extrusionOk="0" h="120000" w="120000">
+              <a:path w="120000" h="120000" extrusionOk="0">
                 <a:moveTo>
                   <a:pt x="0" y="0"/>
                 </a:moveTo>
@@ -1333,9 +1374,11 @@
       <p:sp>
         <p:nvSpPr>
           <p:cNvPr id="95" name="Google Shape;95;gb207208d78_0_63:notes"/>
-          <p:cNvSpPr txBox="1"/>
+          <p:cNvSpPr txBox="1">
+            <a:spLocks noGrp="1"/>
+          </p:cNvSpPr>
           <p:nvPr>
-            <p:ph idx="1" type="body"/>
+            <p:ph type="body" idx="1"/>
           </p:nvPr>
         </p:nvSpPr>
         <p:spPr>
@@ -1348,12 +1391,12 @@
           </a:prstGeom>
         </p:spPr>
         <p:txBody>
-          <a:bodyPr anchorCtr="0" anchor="t" bIns="91425" lIns="91425" spcFirstLastPara="1" rIns="91425" wrap="square" tIns="91425">
+          <a:bodyPr spcFirstLastPara="1" wrap="square" lIns="91425" tIns="91425" rIns="91425" bIns="91425" anchor="t" anchorCtr="0">
             <a:noAutofit/>
           </a:bodyPr>
           <a:lstStyle/>
           <a:p>
-            <a:pPr indent="0" lvl="0" marL="0" rtl="0" algn="l">
+            <a:pPr marL="0" lvl="0" indent="0" algn="l" rtl="0">
               <a:spcBef>
                 <a:spcPts val="0"/>
               </a:spcBef>
@@ -1362,9 +1405,6 @@
               </a:spcAft>
               <a:buNone/>
             </a:pPr>
-            <a:r>
-              <a:t/>
-            </a:r>
             <a:endParaRPr/>
           </a:p>
         </p:txBody>
@@ -1378,11 +1418,11 @@
 </file>
 
 <file path=ppt/notesSlides/notesSlide6.xml><?xml version="1.0" encoding="utf-8"?>
-<p:notes xmlns:a="http://schemas.openxmlformats.org/drawingml/2006/main" xmlns:r="http://schemas.openxmlformats.org/officeDocument/2006/relationships" xmlns:mc="http://schemas.openxmlformats.org/markup-compatibility/2006" xmlns:mv="urn:schemas-microsoft-com:mac:vml" xmlns:p="http://schemas.openxmlformats.org/presentationml/2006/main" xmlns:c="http://schemas.openxmlformats.org/drawingml/2006/chart" xmlns:dgm="http://schemas.openxmlformats.org/drawingml/2006/diagram" xmlns:o="urn:schemas-microsoft-com:office:office" xmlns:v="urn:schemas-microsoft-com:vml" xmlns:pvml="urn:schemas-microsoft-com:office:powerpoint" xmlns:com="http://schemas.openxmlformats.org/drawingml/2006/compatibility" xmlns:p14="http://schemas.microsoft.com/office/powerpoint/2010/main" xmlns:p15="http://schemas.microsoft.com/office/powerpoint/2012/main" xmlns:ahyp="http://schemas.microsoft.com/office/drawing/2018/hyperlinkcolor" showMasterPhAnim="0" showMasterSp="0">
+<p:notes xmlns:a="http://schemas.openxmlformats.org/drawingml/2006/main" xmlns:r="http://schemas.openxmlformats.org/officeDocument/2006/relationships" xmlns:p="http://schemas.openxmlformats.org/presentationml/2006/main" showMasterSp="0" showMasterPhAnim="0">
   <p:cSld>
     <p:spTree>
       <p:nvGrpSpPr>
-        <p:cNvPr id="105" name="Shape 105"/>
+        <p:cNvPr id="1" name="Shape 105"/>
         <p:cNvGrpSpPr/>
         <p:nvPr/>
       </p:nvGrpSpPr>
@@ -1397,9 +1437,11 @@
       <p:sp>
         <p:nvSpPr>
           <p:cNvPr id="106" name="Google Shape;106;gb207208d78_0_18:notes"/>
-          <p:cNvSpPr/>
+          <p:cNvSpPr>
+            <a:spLocks noGrp="1" noRot="1" noChangeAspect="1"/>
+          </p:cNvSpPr>
           <p:nvPr>
-            <p:ph idx="2" type="sldImg"/>
+            <p:ph type="sldImg" idx="2"/>
           </p:nvPr>
         </p:nvSpPr>
         <p:spPr>
@@ -1408,9 +1450,13 @@
             <a:ext cx="6096000" cy="3429000"/>
           </a:xfrm>
           <a:custGeom>
-            <a:rect b="b" l="l" r="r" t="t"/>
+            <a:avLst/>
+            <a:gdLst/>
+            <a:ahLst/>
+            <a:cxnLst/>
+            <a:rect l="l" t="t" r="r" b="b"/>
             <a:pathLst>
-              <a:path extrusionOk="0" h="120000" w="120000">
+              <a:path w="120000" h="120000" extrusionOk="0">
                 <a:moveTo>
                   <a:pt x="0" y="0"/>
                 </a:moveTo>
@@ -1432,9 +1478,11 @@
       <p:sp>
         <p:nvSpPr>
           <p:cNvPr id="107" name="Google Shape;107;gb207208d78_0_18:notes"/>
-          <p:cNvSpPr txBox="1"/>
+          <p:cNvSpPr txBox="1">
+            <a:spLocks noGrp="1"/>
+          </p:cNvSpPr>
           <p:nvPr>
-            <p:ph idx="1" type="body"/>
+            <p:ph type="body" idx="1"/>
           </p:nvPr>
         </p:nvSpPr>
         <p:spPr>
@@ -1447,12 +1495,12 @@
           </a:prstGeom>
         </p:spPr>
         <p:txBody>
-          <a:bodyPr anchorCtr="0" anchor="t" bIns="91425" lIns="91425" spcFirstLastPara="1" rIns="91425" wrap="square" tIns="91425">
+          <a:bodyPr spcFirstLastPara="1" wrap="square" lIns="91425" tIns="91425" rIns="91425" bIns="91425" anchor="t" anchorCtr="0">
             <a:noAutofit/>
           </a:bodyPr>
           <a:lstStyle/>
           <a:p>
-            <a:pPr indent="0" lvl="0" marL="0" rtl="0" algn="l">
+            <a:pPr marL="0" lvl="0" indent="0" algn="l" rtl="0">
               <a:spcBef>
                 <a:spcPts val="0"/>
               </a:spcBef>
@@ -1461,9 +1509,6 @@
               </a:spcAft>
               <a:buNone/>
             </a:pPr>
-            <a:r>
-              <a:t/>
-            </a:r>
             <a:endParaRPr/>
           </a:p>
         </p:txBody>
@@ -1477,11 +1522,11 @@
 </file>
 
 <file path=ppt/notesSlides/notesSlide7.xml><?xml version="1.0" encoding="utf-8"?>
-<p:notes xmlns:a="http://schemas.openxmlformats.org/drawingml/2006/main" xmlns:r="http://schemas.openxmlformats.org/officeDocument/2006/relationships" xmlns:mc="http://schemas.openxmlformats.org/markup-compatibility/2006" xmlns:mv="urn:schemas-microsoft-com:mac:vml" xmlns:p="http://schemas.openxmlformats.org/presentationml/2006/main" xmlns:c="http://schemas.openxmlformats.org/drawingml/2006/chart" xmlns:dgm="http://schemas.openxmlformats.org/drawingml/2006/diagram" xmlns:o="urn:schemas-microsoft-com:office:office" xmlns:v="urn:schemas-microsoft-com:vml" xmlns:pvml="urn:schemas-microsoft-com:office:powerpoint" xmlns:com="http://schemas.openxmlformats.org/drawingml/2006/compatibility" xmlns:p14="http://schemas.microsoft.com/office/powerpoint/2010/main" xmlns:p15="http://schemas.microsoft.com/office/powerpoint/2012/main" xmlns:ahyp="http://schemas.microsoft.com/office/drawing/2018/hyperlinkcolor" showMasterPhAnim="0" showMasterSp="0">
+<p:notes xmlns:a="http://schemas.openxmlformats.org/drawingml/2006/main" xmlns:r="http://schemas.openxmlformats.org/officeDocument/2006/relationships" xmlns:p="http://schemas.openxmlformats.org/presentationml/2006/main" showMasterSp="0" showMasterPhAnim="0">
   <p:cSld>
     <p:spTree>
       <p:nvGrpSpPr>
-        <p:cNvPr id="115" name="Shape 115"/>
+        <p:cNvPr id="1" name="Shape 115"/>
         <p:cNvGrpSpPr/>
         <p:nvPr/>
       </p:nvGrpSpPr>
@@ -1496,9 +1541,11 @@
       <p:sp>
         <p:nvSpPr>
           <p:cNvPr id="116" name="Google Shape;116;gb207208d78_0_28:notes"/>
-          <p:cNvSpPr/>
+          <p:cNvSpPr>
+            <a:spLocks noGrp="1" noRot="1" noChangeAspect="1"/>
+          </p:cNvSpPr>
           <p:nvPr>
-            <p:ph idx="2" type="sldImg"/>
+            <p:ph type="sldImg" idx="2"/>
           </p:nvPr>
         </p:nvSpPr>
         <p:spPr>
@@ -1507,9 +1554,13 @@
             <a:ext cx="6096000" cy="3429000"/>
           </a:xfrm>
           <a:custGeom>
-            <a:rect b="b" l="l" r="r" t="t"/>
+            <a:avLst/>
+            <a:gdLst/>
+            <a:ahLst/>
+            <a:cxnLst/>
+            <a:rect l="l" t="t" r="r" b="b"/>
             <a:pathLst>
-              <a:path extrusionOk="0" h="120000" w="120000">
+              <a:path w="120000" h="120000" extrusionOk="0">
                 <a:moveTo>
                   <a:pt x="0" y="0"/>
                 </a:moveTo>
@@ -1531,9 +1582,11 @@
       <p:sp>
         <p:nvSpPr>
           <p:cNvPr id="117" name="Google Shape;117;gb207208d78_0_28:notes"/>
-          <p:cNvSpPr txBox="1"/>
+          <p:cNvSpPr txBox="1">
+            <a:spLocks noGrp="1"/>
+          </p:cNvSpPr>
           <p:nvPr>
-            <p:ph idx="1" type="body"/>
+            <p:ph type="body" idx="1"/>
           </p:nvPr>
         </p:nvSpPr>
         <p:spPr>
@@ -1546,12 +1599,12 @@
           </a:prstGeom>
         </p:spPr>
         <p:txBody>
-          <a:bodyPr anchorCtr="0" anchor="t" bIns="91425" lIns="91425" spcFirstLastPara="1" rIns="91425" wrap="square" tIns="91425">
+          <a:bodyPr spcFirstLastPara="1" wrap="square" lIns="91425" tIns="91425" rIns="91425" bIns="91425" anchor="t" anchorCtr="0">
             <a:noAutofit/>
           </a:bodyPr>
           <a:lstStyle/>
           <a:p>
-            <a:pPr indent="0" lvl="0" marL="0" rtl="0" algn="l">
+            <a:pPr marL="0" lvl="0" indent="0" algn="l" rtl="0">
               <a:spcBef>
                 <a:spcPts val="0"/>
               </a:spcBef>
@@ -1560,9 +1613,6 @@
               </a:spcAft>
               <a:buNone/>
             </a:pPr>
-            <a:r>
-              <a:t/>
-            </a:r>
             <a:endParaRPr/>
           </a:p>
         </p:txBody>
@@ -1576,11 +1626,11 @@
 </file>
 
 <file path=ppt/notesSlides/notesSlide8.xml><?xml version="1.0" encoding="utf-8"?>
-<p:notes xmlns:a="http://schemas.openxmlformats.org/drawingml/2006/main" xmlns:r="http://schemas.openxmlformats.org/officeDocument/2006/relationships" xmlns:mc="http://schemas.openxmlformats.org/markup-compatibility/2006" xmlns:mv="urn:schemas-microsoft-com:mac:vml" xmlns:p="http://schemas.openxmlformats.org/presentationml/2006/main" xmlns:c="http://schemas.openxmlformats.org/drawingml/2006/chart" xmlns:dgm="http://schemas.openxmlformats.org/drawingml/2006/diagram" xmlns:o="urn:schemas-microsoft-com:office:office" xmlns:v="urn:schemas-microsoft-com:vml" xmlns:pvml="urn:schemas-microsoft-com:office:powerpoint" xmlns:com="http://schemas.openxmlformats.org/drawingml/2006/compatibility" xmlns:p14="http://schemas.microsoft.com/office/powerpoint/2010/main" xmlns:p15="http://schemas.microsoft.com/office/powerpoint/2012/main" xmlns:ahyp="http://schemas.microsoft.com/office/drawing/2018/hyperlinkcolor" showMasterPhAnim="0" showMasterSp="0">
+<p:notes xmlns:a="http://schemas.openxmlformats.org/drawingml/2006/main" xmlns:r="http://schemas.openxmlformats.org/officeDocument/2006/relationships" xmlns:p="http://schemas.openxmlformats.org/presentationml/2006/main" showMasterSp="0" showMasterPhAnim="0">
   <p:cSld>
     <p:spTree>
       <p:nvGrpSpPr>
-        <p:cNvPr id="125" name="Shape 125"/>
+        <p:cNvPr id="1" name="Shape 125"/>
         <p:cNvGrpSpPr/>
         <p:nvPr/>
       </p:nvGrpSpPr>
@@ -1595,9 +1645,11 @@
       <p:sp>
         <p:nvSpPr>
           <p:cNvPr id="126" name="Google Shape;126;gb207208d78_0_41:notes"/>
-          <p:cNvSpPr/>
+          <p:cNvSpPr>
+            <a:spLocks noGrp="1" noRot="1" noChangeAspect="1"/>
+          </p:cNvSpPr>
           <p:nvPr>
-            <p:ph idx="2" type="sldImg"/>
+            <p:ph type="sldImg" idx="2"/>
           </p:nvPr>
         </p:nvSpPr>
         <p:spPr>
@@ -1606,9 +1658,13 @@
             <a:ext cx="6096000" cy="3429000"/>
           </a:xfrm>
           <a:custGeom>
-            <a:rect b="b" l="l" r="r" t="t"/>
+            <a:avLst/>
+            <a:gdLst/>
+            <a:ahLst/>
+            <a:cxnLst/>
+            <a:rect l="l" t="t" r="r" b="b"/>
             <a:pathLst>
-              <a:path extrusionOk="0" h="120000" w="120000">
+              <a:path w="120000" h="120000" extrusionOk="0">
                 <a:moveTo>
                   <a:pt x="0" y="0"/>
                 </a:moveTo>
@@ -1630,9 +1686,11 @@
       <p:sp>
         <p:nvSpPr>
           <p:cNvPr id="127" name="Google Shape;127;gb207208d78_0_41:notes"/>
-          <p:cNvSpPr txBox="1"/>
+          <p:cNvSpPr txBox="1">
+            <a:spLocks noGrp="1"/>
+          </p:cNvSpPr>
           <p:nvPr>
-            <p:ph idx="1" type="body"/>
+            <p:ph type="body" idx="1"/>
           </p:nvPr>
         </p:nvSpPr>
         <p:spPr>
@@ -1645,12 +1703,12 @@
           </a:prstGeom>
         </p:spPr>
         <p:txBody>
-          <a:bodyPr anchorCtr="0" anchor="t" bIns="91425" lIns="91425" spcFirstLastPara="1" rIns="91425" wrap="square" tIns="91425">
+          <a:bodyPr spcFirstLastPara="1" wrap="square" lIns="91425" tIns="91425" rIns="91425" bIns="91425" anchor="t" anchorCtr="0">
             <a:noAutofit/>
           </a:bodyPr>
           <a:lstStyle/>
           <a:p>
-            <a:pPr indent="0" lvl="0" marL="0" rtl="0" algn="l">
+            <a:pPr marL="0" lvl="0" indent="0" algn="l" rtl="0">
               <a:spcBef>
                 <a:spcPts val="0"/>
               </a:spcBef>
@@ -1659,9 +1717,6 @@
               </a:spcAft>
               <a:buNone/>
             </a:pPr>
-            <a:r>
-              <a:t/>
-            </a:r>
             <a:endParaRPr/>
           </a:p>
         </p:txBody>
@@ -1675,11 +1730,11 @@
 </file>
 
 <file path=ppt/slideLayouts/slideLayout1.xml><?xml version="1.0" encoding="utf-8"?>
-<p:sldLayout xmlns:a="http://schemas.openxmlformats.org/drawingml/2006/main" xmlns:r="http://schemas.openxmlformats.org/officeDocument/2006/relationships" xmlns:mc="http://schemas.openxmlformats.org/markup-compatibility/2006" xmlns:mv="urn:schemas-microsoft-com:mac:vml" xmlns:p="http://schemas.openxmlformats.org/presentationml/2006/main" xmlns:c="http://schemas.openxmlformats.org/drawingml/2006/chart" xmlns:dgm="http://schemas.openxmlformats.org/drawingml/2006/diagram" xmlns:o="urn:schemas-microsoft-com:office:office" xmlns:v="urn:schemas-microsoft-com:vml" xmlns:pvml="urn:schemas-microsoft-com:office:powerpoint" xmlns:com="http://schemas.openxmlformats.org/drawingml/2006/compatibility" xmlns:p14="http://schemas.microsoft.com/office/powerpoint/2010/main" xmlns:p15="http://schemas.microsoft.com/office/powerpoint/2012/main" xmlns:ahyp="http://schemas.microsoft.com/office/drawing/2018/hyperlinkcolor" matchingName="Title slide" type="title">
+<p:sldLayout xmlns:a="http://schemas.openxmlformats.org/drawingml/2006/main" xmlns:r="http://schemas.openxmlformats.org/officeDocument/2006/relationships" xmlns:p="http://schemas.openxmlformats.org/presentationml/2006/main" matchingName="Title slide" type="title">
   <p:cSld name="TITLE">
     <p:spTree>
       <p:nvGrpSpPr>
-        <p:cNvPr id="9" name="Shape 9"/>
+        <p:cNvPr id="1" name="Shape 9"/>
         <p:cNvGrpSpPr/>
         <p:nvPr/>
       </p:nvGrpSpPr>
@@ -1694,7 +1749,9 @@
       <p:sp>
         <p:nvSpPr>
           <p:cNvPr id="10" name="Google Shape;10;p2"/>
-          <p:cNvSpPr txBox="1"/>
+          <p:cNvSpPr txBox="1">
+            <a:spLocks noGrp="1"/>
+          </p:cNvSpPr>
           <p:nvPr>
             <p:ph type="ctrTitle"/>
           </p:nvPr>
@@ -1713,7 +1770,7 @@
           </a:ln>
         </p:spPr>
         <p:txBody>
-          <a:bodyPr anchorCtr="0" anchor="b" bIns="91425" lIns="91425" spcFirstLastPara="1" rIns="91425" wrap="square" tIns="91425">
+          <a:bodyPr spcFirstLastPara="1" wrap="square" lIns="91425" tIns="91425" rIns="91425" bIns="91425" anchor="b" anchorCtr="0">
             <a:noAutofit/>
           </a:bodyPr>
           <a:lstStyle>
@@ -1844,15 +1901,19 @@
               <a:defRPr sz="5200"/>
             </a:lvl9pPr>
           </a:lstStyle>
-          <a:p/>
+          <a:p>
+            <a:endParaRPr/>
+          </a:p>
         </p:txBody>
       </p:sp>
       <p:sp>
         <p:nvSpPr>
           <p:cNvPr id="11" name="Google Shape;11;p2"/>
-          <p:cNvSpPr txBox="1"/>
+          <p:cNvSpPr txBox="1">
+            <a:spLocks noGrp="1"/>
+          </p:cNvSpPr>
           <p:nvPr>
-            <p:ph idx="1" type="subTitle"/>
+            <p:ph type="subTitle" idx="1"/>
           </p:nvPr>
         </p:nvSpPr>
         <p:spPr>
@@ -1869,7 +1930,7 @@
           </a:ln>
         </p:spPr>
         <p:txBody>
-          <a:bodyPr anchorCtr="0" anchor="t" bIns="91425" lIns="91425" spcFirstLastPara="1" rIns="91425" wrap="square" tIns="91425">
+          <a:bodyPr spcFirstLastPara="1" wrap="square" lIns="91425" tIns="91425" rIns="91425" bIns="91425" anchor="t" anchorCtr="0">
             <a:noAutofit/>
           </a:bodyPr>
           <a:lstStyle>
@@ -2000,15 +2061,19 @@
               <a:defRPr sz="2800"/>
             </a:lvl9pPr>
           </a:lstStyle>
-          <a:p/>
+          <a:p>
+            <a:endParaRPr/>
+          </a:p>
         </p:txBody>
       </p:sp>
       <p:sp>
         <p:nvSpPr>
           <p:cNvPr id="12" name="Google Shape;12;p2"/>
-          <p:cNvSpPr txBox="1"/>
+          <p:cNvSpPr txBox="1">
+            <a:spLocks noGrp="1"/>
+          </p:cNvSpPr>
           <p:nvPr>
-            <p:ph idx="12" type="sldNum"/>
+            <p:ph type="sldNum" idx="12"/>
           </p:nvPr>
         </p:nvSpPr>
         <p:spPr>
@@ -2025,11 +2090,11 @@
           </a:ln>
         </p:spPr>
         <p:txBody>
-          <a:bodyPr anchorCtr="0" anchor="ctr" bIns="91425" lIns="91425" spcFirstLastPara="1" rIns="91425" wrap="square" tIns="91425">
+          <a:bodyPr spcFirstLastPara="1" wrap="square" lIns="91425" tIns="91425" rIns="91425" bIns="91425" anchor="ctr" anchorCtr="0">
             <a:noAutofit/>
           </a:bodyPr>
           <a:lstStyle>
-            <a:lvl1pPr indent="0" lvl="0" marL="0" marR="0" algn="r">
+            <a:lvl1pPr marL="0" marR="0" lvl="0" indent="0" algn="r">
               <a:lnSpc>
                 <a:spcPct val="100000"/>
               </a:lnSpc>
@@ -2045,7 +2110,7 @@
               <a:buSzPts val="1000"/>
               <a:buFont typeface="Arial"/>
               <a:buNone/>
-              <a:defRPr b="0" i="0" sz="1000" u="none" cap="none" strike="noStrike">
+              <a:defRPr sz="1000" b="0" i="0" u="none" strike="noStrike" cap="none">
                 <a:solidFill>
                   <a:schemeClr val="dk2"/>
                 </a:solidFill>
@@ -2055,7 +2120,7 @@
                 <a:sym typeface="Arial"/>
               </a:defRPr>
             </a:lvl1pPr>
-            <a:lvl2pPr indent="0" lvl="1" marL="0" marR="0" algn="r">
+            <a:lvl2pPr marL="0" marR="0" lvl="1" indent="0" algn="r">
               <a:lnSpc>
                 <a:spcPct val="100000"/>
               </a:lnSpc>
@@ -2071,7 +2136,7 @@
               <a:buSzPts val="1000"/>
               <a:buFont typeface="Arial"/>
               <a:buNone/>
-              <a:defRPr b="0" i="0" sz="1000" u="none" cap="none" strike="noStrike">
+              <a:defRPr sz="1000" b="0" i="0" u="none" strike="noStrike" cap="none">
                 <a:solidFill>
                   <a:schemeClr val="dk2"/>
                 </a:solidFill>
@@ -2081,7 +2146,7 @@
                 <a:sym typeface="Arial"/>
               </a:defRPr>
             </a:lvl2pPr>
-            <a:lvl3pPr indent="0" lvl="2" marL="0" marR="0" algn="r">
+            <a:lvl3pPr marL="0" marR="0" lvl="2" indent="0" algn="r">
               <a:lnSpc>
                 <a:spcPct val="100000"/>
               </a:lnSpc>
@@ -2097,7 +2162,7 @@
               <a:buSzPts val="1000"/>
               <a:buFont typeface="Arial"/>
               <a:buNone/>
-              <a:defRPr b="0" i="0" sz="1000" u="none" cap="none" strike="noStrike">
+              <a:defRPr sz="1000" b="0" i="0" u="none" strike="noStrike" cap="none">
                 <a:solidFill>
                   <a:schemeClr val="dk2"/>
                 </a:solidFill>
@@ -2107,7 +2172,7 @@
                 <a:sym typeface="Arial"/>
               </a:defRPr>
             </a:lvl3pPr>
-            <a:lvl4pPr indent="0" lvl="3" marL="0" marR="0" algn="r">
+            <a:lvl4pPr marL="0" marR="0" lvl="3" indent="0" algn="r">
               <a:lnSpc>
                 <a:spcPct val="100000"/>
               </a:lnSpc>
@@ -2123,7 +2188,7 @@
               <a:buSzPts val="1000"/>
               <a:buFont typeface="Arial"/>
               <a:buNone/>
-              <a:defRPr b="0" i="0" sz="1000" u="none" cap="none" strike="noStrike">
+              <a:defRPr sz="1000" b="0" i="0" u="none" strike="noStrike" cap="none">
                 <a:solidFill>
                   <a:schemeClr val="dk2"/>
                 </a:solidFill>
@@ -2133,7 +2198,7 @@
                 <a:sym typeface="Arial"/>
               </a:defRPr>
             </a:lvl4pPr>
-            <a:lvl5pPr indent="0" lvl="4" marL="0" marR="0" algn="r">
+            <a:lvl5pPr marL="0" marR="0" lvl="4" indent="0" algn="r">
               <a:lnSpc>
                 <a:spcPct val="100000"/>
               </a:lnSpc>
@@ -2149,7 +2214,7 @@
               <a:buSzPts val="1000"/>
               <a:buFont typeface="Arial"/>
               <a:buNone/>
-              <a:defRPr b="0" i="0" sz="1000" u="none" cap="none" strike="noStrike">
+              <a:defRPr sz="1000" b="0" i="0" u="none" strike="noStrike" cap="none">
                 <a:solidFill>
                   <a:schemeClr val="dk2"/>
                 </a:solidFill>
@@ -2159,7 +2224,7 @@
                 <a:sym typeface="Arial"/>
               </a:defRPr>
             </a:lvl5pPr>
-            <a:lvl6pPr indent="0" lvl="5" marL="0" marR="0" algn="r">
+            <a:lvl6pPr marL="0" marR="0" lvl="5" indent="0" algn="r">
               <a:lnSpc>
                 <a:spcPct val="100000"/>
               </a:lnSpc>
@@ -2175,7 +2240,7 @@
               <a:buSzPts val="1000"/>
               <a:buFont typeface="Arial"/>
               <a:buNone/>
-              <a:defRPr b="0" i="0" sz="1000" u="none" cap="none" strike="noStrike">
+              <a:defRPr sz="1000" b="0" i="0" u="none" strike="noStrike" cap="none">
                 <a:solidFill>
                   <a:schemeClr val="dk2"/>
                 </a:solidFill>
@@ -2185,7 +2250,7 @@
                 <a:sym typeface="Arial"/>
               </a:defRPr>
             </a:lvl6pPr>
-            <a:lvl7pPr indent="0" lvl="6" marL="0" marR="0" algn="r">
+            <a:lvl7pPr marL="0" marR="0" lvl="6" indent="0" algn="r">
               <a:lnSpc>
                 <a:spcPct val="100000"/>
               </a:lnSpc>
@@ -2201,7 +2266,7 @@
               <a:buSzPts val="1000"/>
               <a:buFont typeface="Arial"/>
               <a:buNone/>
-              <a:defRPr b="0" i="0" sz="1000" u="none" cap="none" strike="noStrike">
+              <a:defRPr sz="1000" b="0" i="0" u="none" strike="noStrike" cap="none">
                 <a:solidFill>
                   <a:schemeClr val="dk2"/>
                 </a:solidFill>
@@ -2211,7 +2276,7 @@
                 <a:sym typeface="Arial"/>
               </a:defRPr>
             </a:lvl7pPr>
-            <a:lvl8pPr indent="0" lvl="7" marL="0" marR="0" algn="r">
+            <a:lvl8pPr marL="0" marR="0" lvl="7" indent="0" algn="r">
               <a:lnSpc>
                 <a:spcPct val="100000"/>
               </a:lnSpc>
@@ -2227,7 +2292,7 @@
               <a:buSzPts val="1000"/>
               <a:buFont typeface="Arial"/>
               <a:buNone/>
-              <a:defRPr b="0" i="0" sz="1000" u="none" cap="none" strike="noStrike">
+              <a:defRPr sz="1000" b="0" i="0" u="none" strike="noStrike" cap="none">
                 <a:solidFill>
                   <a:schemeClr val="dk2"/>
                 </a:solidFill>
@@ -2237,7 +2302,7 @@
                 <a:sym typeface="Arial"/>
               </a:defRPr>
             </a:lvl8pPr>
-            <a:lvl9pPr indent="0" lvl="8" marL="0" marR="0" algn="r">
+            <a:lvl9pPr marL="0" marR="0" lvl="8" indent="0" algn="r">
               <a:lnSpc>
                 <a:spcPct val="100000"/>
               </a:lnSpc>
@@ -2253,7 +2318,7 @@
               <a:buSzPts val="1000"/>
               <a:buFont typeface="Arial"/>
               <a:buNone/>
-              <a:defRPr b="0" i="0" sz="1000" u="none" cap="none" strike="noStrike">
+              <a:defRPr sz="1000" b="0" i="0" u="none" strike="noStrike" cap="none">
                 <a:solidFill>
                   <a:schemeClr val="dk2"/>
                 </a:solidFill>
@@ -2265,7 +2330,7 @@
             </a:lvl9pPr>
           </a:lstStyle>
           <a:p>
-            <a:pPr indent="0" lvl="0" marL="0" rtl="0" algn="r">
+            <a:pPr marL="0" lvl="0" indent="0" algn="r" rtl="0">
               <a:spcBef>
                 <a:spcPts val="0"/>
               </a:spcBef>
@@ -2276,6 +2341,15 @@
             </a:pPr>
             <a:fld id="{00000000-1234-1234-1234-123412341234}" type="slidenum">
               <a:rPr lang="en"/>
+              <a:pPr marL="0" lvl="0" indent="0" algn="r" rtl="0">
+                <a:spcBef>
+                  <a:spcPts val="0"/>
+                </a:spcBef>
+                <a:spcAft>
+                  <a:spcPts val="0"/>
+                </a:spcAft>
+                <a:buNone/>
+              </a:pPr>
               <a:t>‹#›</a:t>
             </a:fld>
             <a:endParaRPr/>
@@ -2291,11 +2365,11 @@
 </file>
 
 <file path=ppt/slideLayouts/slideLayout10.xml><?xml version="1.0" encoding="utf-8"?>
-<p:sldLayout xmlns:a="http://schemas.openxmlformats.org/drawingml/2006/main" xmlns:r="http://schemas.openxmlformats.org/officeDocument/2006/relationships" xmlns:mc="http://schemas.openxmlformats.org/markup-compatibility/2006" xmlns:mv="urn:schemas-microsoft-com:mac:vml" xmlns:p="http://schemas.openxmlformats.org/presentationml/2006/main" xmlns:c="http://schemas.openxmlformats.org/drawingml/2006/chart" xmlns:dgm="http://schemas.openxmlformats.org/drawingml/2006/diagram" xmlns:o="urn:schemas-microsoft-com:office:office" xmlns:v="urn:schemas-microsoft-com:vml" xmlns:pvml="urn:schemas-microsoft-com:office:powerpoint" xmlns:com="http://schemas.openxmlformats.org/drawingml/2006/compatibility" xmlns:p14="http://schemas.microsoft.com/office/powerpoint/2010/main" xmlns:p15="http://schemas.microsoft.com/office/powerpoint/2012/main" xmlns:ahyp="http://schemas.microsoft.com/office/drawing/2018/hyperlinkcolor" matchingName="Caption">
+<p:sldLayout xmlns:a="http://schemas.openxmlformats.org/drawingml/2006/main" xmlns:r="http://schemas.openxmlformats.org/officeDocument/2006/relationships" xmlns:p="http://schemas.openxmlformats.org/presentationml/2006/main" matchingName="Caption">
   <p:cSld name="CAPTION_ONLY">
     <p:spTree>
       <p:nvGrpSpPr>
-        <p:cNvPr id="43" name="Shape 43"/>
+        <p:cNvPr id="1" name="Shape 43"/>
         <p:cNvGrpSpPr/>
         <p:nvPr/>
       </p:nvGrpSpPr>
@@ -2310,9 +2384,11 @@
       <p:sp>
         <p:nvSpPr>
           <p:cNvPr id="44" name="Google Shape;44;p11"/>
-          <p:cNvSpPr txBox="1"/>
+          <p:cNvSpPr txBox="1">
+            <a:spLocks noGrp="1"/>
+          </p:cNvSpPr>
           <p:nvPr>
-            <p:ph idx="1" type="body"/>
+            <p:ph type="body" idx="1"/>
           </p:nvPr>
         </p:nvSpPr>
         <p:spPr>
@@ -2329,11 +2405,11 @@
           </a:ln>
         </p:spPr>
         <p:txBody>
-          <a:bodyPr anchorCtr="0" anchor="ctr" bIns="91425" lIns="91425" spcFirstLastPara="1" rIns="91425" wrap="square" tIns="91425">
+          <a:bodyPr spcFirstLastPara="1" wrap="square" lIns="91425" tIns="91425" rIns="91425" bIns="91425" anchor="ctr" anchorCtr="0">
             <a:noAutofit/>
           </a:bodyPr>
           <a:lstStyle>
-            <a:lvl1pPr indent="-228600" lvl="0" marL="457200" algn="l">
+            <a:lvl1pPr marL="457200" lvl="0" indent="-228600" algn="l">
               <a:lnSpc>
                 <a:spcPct val="100000"/>
               </a:lnSpc>
@@ -2348,15 +2424,19 @@
               <a:defRPr/>
             </a:lvl1pPr>
           </a:lstStyle>
-          <a:p/>
+          <a:p>
+            <a:endParaRPr/>
+          </a:p>
         </p:txBody>
       </p:sp>
       <p:sp>
         <p:nvSpPr>
           <p:cNvPr id="45" name="Google Shape;45;p11"/>
-          <p:cNvSpPr txBox="1"/>
+          <p:cNvSpPr txBox="1">
+            <a:spLocks noGrp="1"/>
+          </p:cNvSpPr>
           <p:nvPr>
-            <p:ph idx="12" type="sldNum"/>
+            <p:ph type="sldNum" idx="12"/>
           </p:nvPr>
         </p:nvSpPr>
         <p:spPr>
@@ -2373,11 +2453,11 @@
           </a:ln>
         </p:spPr>
         <p:txBody>
-          <a:bodyPr anchorCtr="0" anchor="ctr" bIns="91425" lIns="91425" spcFirstLastPara="1" rIns="91425" wrap="square" tIns="91425">
+          <a:bodyPr spcFirstLastPara="1" wrap="square" lIns="91425" tIns="91425" rIns="91425" bIns="91425" anchor="ctr" anchorCtr="0">
             <a:noAutofit/>
           </a:bodyPr>
           <a:lstStyle>
-            <a:lvl1pPr indent="0" lvl="0" marL="0" marR="0" algn="r">
+            <a:lvl1pPr marL="0" marR="0" lvl="0" indent="0" algn="r">
               <a:lnSpc>
                 <a:spcPct val="100000"/>
               </a:lnSpc>
@@ -2393,7 +2473,7 @@
               <a:buSzPts val="1000"/>
               <a:buFont typeface="Arial"/>
               <a:buNone/>
-              <a:defRPr b="0" i="0" sz="1000" u="none" cap="none" strike="noStrike">
+              <a:defRPr sz="1000" b="0" i="0" u="none" strike="noStrike" cap="none">
                 <a:solidFill>
                   <a:schemeClr val="dk2"/>
                 </a:solidFill>
@@ -2403,7 +2483,7 @@
                 <a:sym typeface="Arial"/>
               </a:defRPr>
             </a:lvl1pPr>
-            <a:lvl2pPr indent="0" lvl="1" marL="0" marR="0" algn="r">
+            <a:lvl2pPr marL="0" marR="0" lvl="1" indent="0" algn="r">
               <a:lnSpc>
                 <a:spcPct val="100000"/>
               </a:lnSpc>
@@ -2419,7 +2499,7 @@
               <a:buSzPts val="1000"/>
               <a:buFont typeface="Arial"/>
               <a:buNone/>
-              <a:defRPr b="0" i="0" sz="1000" u="none" cap="none" strike="noStrike">
+              <a:defRPr sz="1000" b="0" i="0" u="none" strike="noStrike" cap="none">
                 <a:solidFill>
                   <a:schemeClr val="dk2"/>
                 </a:solidFill>
@@ -2429,7 +2509,7 @@
                 <a:sym typeface="Arial"/>
               </a:defRPr>
             </a:lvl2pPr>
-            <a:lvl3pPr indent="0" lvl="2" marL="0" marR="0" algn="r">
+            <a:lvl3pPr marL="0" marR="0" lvl="2" indent="0" algn="r">
               <a:lnSpc>
                 <a:spcPct val="100000"/>
               </a:lnSpc>
@@ -2445,7 +2525,7 @@
               <a:buSzPts val="1000"/>
               <a:buFont typeface="Arial"/>
               <a:buNone/>
-              <a:defRPr b="0" i="0" sz="1000" u="none" cap="none" strike="noStrike">
+              <a:defRPr sz="1000" b="0" i="0" u="none" strike="noStrike" cap="none">
                 <a:solidFill>
                   <a:schemeClr val="dk2"/>
                 </a:solidFill>
@@ -2455,7 +2535,7 @@
                 <a:sym typeface="Arial"/>
               </a:defRPr>
             </a:lvl3pPr>
-            <a:lvl4pPr indent="0" lvl="3" marL="0" marR="0" algn="r">
+            <a:lvl4pPr marL="0" marR="0" lvl="3" indent="0" algn="r">
               <a:lnSpc>
                 <a:spcPct val="100000"/>
               </a:lnSpc>
@@ -2471,7 +2551,7 @@
               <a:buSzPts val="1000"/>
               <a:buFont typeface="Arial"/>
               <a:buNone/>
-              <a:defRPr b="0" i="0" sz="1000" u="none" cap="none" strike="noStrike">
+              <a:defRPr sz="1000" b="0" i="0" u="none" strike="noStrike" cap="none">
                 <a:solidFill>
                   <a:schemeClr val="dk2"/>
                 </a:solidFill>
@@ -2481,7 +2561,7 @@
                 <a:sym typeface="Arial"/>
               </a:defRPr>
             </a:lvl4pPr>
-            <a:lvl5pPr indent="0" lvl="4" marL="0" marR="0" algn="r">
+            <a:lvl5pPr marL="0" marR="0" lvl="4" indent="0" algn="r">
               <a:lnSpc>
                 <a:spcPct val="100000"/>
               </a:lnSpc>
@@ -2497,7 +2577,7 @@
               <a:buSzPts val="1000"/>
               <a:buFont typeface="Arial"/>
               <a:buNone/>
-              <a:defRPr b="0" i="0" sz="1000" u="none" cap="none" strike="noStrike">
+              <a:defRPr sz="1000" b="0" i="0" u="none" strike="noStrike" cap="none">
                 <a:solidFill>
                   <a:schemeClr val="dk2"/>
                 </a:solidFill>
@@ -2507,7 +2587,7 @@
                 <a:sym typeface="Arial"/>
               </a:defRPr>
             </a:lvl5pPr>
-            <a:lvl6pPr indent="0" lvl="5" marL="0" marR="0" algn="r">
+            <a:lvl6pPr marL="0" marR="0" lvl="5" indent="0" algn="r">
               <a:lnSpc>
                 <a:spcPct val="100000"/>
               </a:lnSpc>
@@ -2523,7 +2603,7 @@
               <a:buSzPts val="1000"/>
               <a:buFont typeface="Arial"/>
               <a:buNone/>
-              <a:defRPr b="0" i="0" sz="1000" u="none" cap="none" strike="noStrike">
+              <a:defRPr sz="1000" b="0" i="0" u="none" strike="noStrike" cap="none">
                 <a:solidFill>
                   <a:schemeClr val="dk2"/>
                 </a:solidFill>
@@ -2533,7 +2613,7 @@
                 <a:sym typeface="Arial"/>
               </a:defRPr>
             </a:lvl6pPr>
-            <a:lvl7pPr indent="0" lvl="6" marL="0" marR="0" algn="r">
+            <a:lvl7pPr marL="0" marR="0" lvl="6" indent="0" algn="r">
               <a:lnSpc>
                 <a:spcPct val="100000"/>
               </a:lnSpc>
@@ -2549,7 +2629,7 @@
               <a:buSzPts val="1000"/>
               <a:buFont typeface="Arial"/>
               <a:buNone/>
-              <a:defRPr b="0" i="0" sz="1000" u="none" cap="none" strike="noStrike">
+              <a:defRPr sz="1000" b="0" i="0" u="none" strike="noStrike" cap="none">
                 <a:solidFill>
                   <a:schemeClr val="dk2"/>
                 </a:solidFill>
@@ -2559,7 +2639,7 @@
                 <a:sym typeface="Arial"/>
               </a:defRPr>
             </a:lvl7pPr>
-            <a:lvl8pPr indent="0" lvl="7" marL="0" marR="0" algn="r">
+            <a:lvl8pPr marL="0" marR="0" lvl="7" indent="0" algn="r">
               <a:lnSpc>
                 <a:spcPct val="100000"/>
               </a:lnSpc>
@@ -2575,7 +2655,7 @@
               <a:buSzPts val="1000"/>
               <a:buFont typeface="Arial"/>
               <a:buNone/>
-              <a:defRPr b="0" i="0" sz="1000" u="none" cap="none" strike="noStrike">
+              <a:defRPr sz="1000" b="0" i="0" u="none" strike="noStrike" cap="none">
                 <a:solidFill>
                   <a:schemeClr val="dk2"/>
                 </a:solidFill>
@@ -2585,7 +2665,7 @@
                 <a:sym typeface="Arial"/>
               </a:defRPr>
             </a:lvl8pPr>
-            <a:lvl9pPr indent="0" lvl="8" marL="0" marR="0" algn="r">
+            <a:lvl9pPr marL="0" marR="0" lvl="8" indent="0" algn="r">
               <a:lnSpc>
                 <a:spcPct val="100000"/>
               </a:lnSpc>
@@ -2601,7 +2681,7 @@
               <a:buSzPts val="1000"/>
               <a:buFont typeface="Arial"/>
               <a:buNone/>
-              <a:defRPr b="0" i="0" sz="1000" u="none" cap="none" strike="noStrike">
+              <a:defRPr sz="1000" b="0" i="0" u="none" strike="noStrike" cap="none">
                 <a:solidFill>
                   <a:schemeClr val="dk2"/>
                 </a:solidFill>
@@ -2613,7 +2693,7 @@
             </a:lvl9pPr>
           </a:lstStyle>
           <a:p>
-            <a:pPr indent="0" lvl="0" marL="0" rtl="0" algn="r">
+            <a:pPr marL="0" lvl="0" indent="0" algn="r" rtl="0">
               <a:spcBef>
                 <a:spcPts val="0"/>
               </a:spcBef>
@@ -2624,6 +2704,15 @@
             </a:pPr>
             <a:fld id="{00000000-1234-1234-1234-123412341234}" type="slidenum">
               <a:rPr lang="en"/>
+              <a:pPr marL="0" lvl="0" indent="0" algn="r" rtl="0">
+                <a:spcBef>
+                  <a:spcPts val="0"/>
+                </a:spcBef>
+                <a:spcAft>
+                  <a:spcPts val="0"/>
+                </a:spcAft>
+                <a:buNone/>
+              </a:pPr>
               <a:t>‹#›</a:t>
             </a:fld>
             <a:endParaRPr/>
@@ -2639,11 +2728,11 @@
 </file>
 
 <file path=ppt/slideLayouts/slideLayout11.xml><?xml version="1.0" encoding="utf-8"?>
-<p:sldLayout xmlns:a="http://schemas.openxmlformats.org/drawingml/2006/main" xmlns:r="http://schemas.openxmlformats.org/officeDocument/2006/relationships" xmlns:mc="http://schemas.openxmlformats.org/markup-compatibility/2006" xmlns:mv="urn:schemas-microsoft-com:mac:vml" xmlns:p="http://schemas.openxmlformats.org/presentationml/2006/main" xmlns:c="http://schemas.openxmlformats.org/drawingml/2006/chart" xmlns:dgm="http://schemas.openxmlformats.org/drawingml/2006/diagram" xmlns:o="urn:schemas-microsoft-com:office:office" xmlns:v="urn:schemas-microsoft-com:vml" xmlns:pvml="urn:schemas-microsoft-com:office:powerpoint" xmlns:com="http://schemas.openxmlformats.org/drawingml/2006/compatibility" xmlns:p14="http://schemas.microsoft.com/office/powerpoint/2010/main" xmlns:p15="http://schemas.microsoft.com/office/powerpoint/2012/main" xmlns:ahyp="http://schemas.microsoft.com/office/drawing/2018/hyperlinkcolor" matchingName="Big number">
+<p:sldLayout xmlns:a="http://schemas.openxmlformats.org/drawingml/2006/main" xmlns:r="http://schemas.openxmlformats.org/officeDocument/2006/relationships" xmlns:p="http://schemas.openxmlformats.org/presentationml/2006/main" matchingName="Big number">
   <p:cSld name="BIG_NUMBER">
     <p:spTree>
       <p:nvGrpSpPr>
-        <p:cNvPr id="46" name="Shape 46"/>
+        <p:cNvPr id="1" name="Shape 46"/>
         <p:cNvGrpSpPr/>
         <p:nvPr/>
       </p:nvGrpSpPr>
@@ -2658,9 +2747,11 @@
       <p:sp>
         <p:nvSpPr>
           <p:cNvPr id="47" name="Google Shape;47;p12"/>
-          <p:cNvSpPr txBox="1"/>
+          <p:cNvSpPr txBox="1">
+            <a:spLocks noGrp="1"/>
+          </p:cNvSpPr>
           <p:nvPr>
-            <p:ph hasCustomPrompt="1" type="title"/>
+            <p:ph type="title" hasCustomPrompt="1"/>
           </p:nvPr>
         </p:nvSpPr>
         <p:spPr>
@@ -2677,7 +2768,7 @@
           </a:ln>
         </p:spPr>
         <p:txBody>
-          <a:bodyPr anchorCtr="0" anchor="b" bIns="91425" lIns="91425" spcFirstLastPara="1" rIns="91425" wrap="square" tIns="91425">
+          <a:bodyPr spcFirstLastPara="1" wrap="square" lIns="91425" tIns="91425" rIns="91425" bIns="91425" anchor="b" anchorCtr="0">
             <a:noAutofit/>
           </a:bodyPr>
           <a:lstStyle>
@@ -2818,9 +2909,11 @@
       <p:sp>
         <p:nvSpPr>
           <p:cNvPr id="48" name="Google Shape;48;p12"/>
-          <p:cNvSpPr txBox="1"/>
+          <p:cNvSpPr txBox="1">
+            <a:spLocks noGrp="1"/>
+          </p:cNvSpPr>
           <p:nvPr>
-            <p:ph idx="1" type="body"/>
+            <p:ph type="body" idx="1"/>
           </p:nvPr>
         </p:nvSpPr>
         <p:spPr>
@@ -2837,11 +2930,11 @@
           </a:ln>
         </p:spPr>
         <p:txBody>
-          <a:bodyPr anchorCtr="0" anchor="t" bIns="91425" lIns="91425" spcFirstLastPara="1" rIns="91425" wrap="square" tIns="91425">
+          <a:bodyPr spcFirstLastPara="1" wrap="square" lIns="91425" tIns="91425" rIns="91425" bIns="91425" anchor="t" anchorCtr="0">
             <a:noAutofit/>
           </a:bodyPr>
           <a:lstStyle>
-            <a:lvl1pPr indent="-342900" lvl="0" marL="457200" algn="ctr">
+            <a:lvl1pPr marL="457200" lvl="0" indent="-342900" algn="ctr">
               <a:lnSpc>
                 <a:spcPct val="115000"/>
               </a:lnSpc>
@@ -2855,7 +2948,7 @@
               <a:buChar char="●"/>
               <a:defRPr/>
             </a:lvl1pPr>
-            <a:lvl2pPr indent="-317500" lvl="1" marL="914400" algn="ctr">
+            <a:lvl2pPr marL="914400" lvl="1" indent="-317500" algn="ctr">
               <a:lnSpc>
                 <a:spcPct val="115000"/>
               </a:lnSpc>
@@ -2869,7 +2962,7 @@
               <a:buChar char="○"/>
               <a:defRPr/>
             </a:lvl2pPr>
-            <a:lvl3pPr indent="-317500" lvl="2" marL="1371600" algn="ctr">
+            <a:lvl3pPr marL="1371600" lvl="2" indent="-317500" algn="ctr">
               <a:lnSpc>
                 <a:spcPct val="115000"/>
               </a:lnSpc>
@@ -2883,7 +2976,7 @@
               <a:buChar char="■"/>
               <a:defRPr/>
             </a:lvl3pPr>
-            <a:lvl4pPr indent="-317500" lvl="3" marL="1828800" algn="ctr">
+            <a:lvl4pPr marL="1828800" lvl="3" indent="-317500" algn="ctr">
               <a:lnSpc>
                 <a:spcPct val="115000"/>
               </a:lnSpc>
@@ -2897,7 +2990,7 @@
               <a:buChar char="●"/>
               <a:defRPr/>
             </a:lvl4pPr>
-            <a:lvl5pPr indent="-317500" lvl="4" marL="2286000" algn="ctr">
+            <a:lvl5pPr marL="2286000" lvl="4" indent="-317500" algn="ctr">
               <a:lnSpc>
                 <a:spcPct val="115000"/>
               </a:lnSpc>
@@ -2911,7 +3004,7 @@
               <a:buChar char="○"/>
               <a:defRPr/>
             </a:lvl5pPr>
-            <a:lvl6pPr indent="-317500" lvl="5" marL="2743200" algn="ctr">
+            <a:lvl6pPr marL="2743200" lvl="5" indent="-317500" algn="ctr">
               <a:lnSpc>
                 <a:spcPct val="115000"/>
               </a:lnSpc>
@@ -2925,7 +3018,7 @@
               <a:buChar char="■"/>
               <a:defRPr/>
             </a:lvl6pPr>
-            <a:lvl7pPr indent="-317500" lvl="6" marL="3200400" algn="ctr">
+            <a:lvl7pPr marL="3200400" lvl="6" indent="-317500" algn="ctr">
               <a:lnSpc>
                 <a:spcPct val="115000"/>
               </a:lnSpc>
@@ -2939,7 +3032,7 @@
               <a:buChar char="●"/>
               <a:defRPr/>
             </a:lvl7pPr>
-            <a:lvl8pPr indent="-317500" lvl="7" marL="3657600" algn="ctr">
+            <a:lvl8pPr marL="3657600" lvl="7" indent="-317500" algn="ctr">
               <a:lnSpc>
                 <a:spcPct val="115000"/>
               </a:lnSpc>
@@ -2953,7 +3046,7 @@
               <a:buChar char="○"/>
               <a:defRPr/>
             </a:lvl8pPr>
-            <a:lvl9pPr indent="-317500" lvl="8" marL="4114800" algn="ctr">
+            <a:lvl9pPr marL="4114800" lvl="8" indent="-317500" algn="ctr">
               <a:lnSpc>
                 <a:spcPct val="115000"/>
               </a:lnSpc>
@@ -2968,15 +3061,19 @@
               <a:defRPr/>
             </a:lvl9pPr>
           </a:lstStyle>
-          <a:p/>
+          <a:p>
+            <a:endParaRPr/>
+          </a:p>
         </p:txBody>
       </p:sp>
       <p:sp>
         <p:nvSpPr>
           <p:cNvPr id="49" name="Google Shape;49;p12"/>
-          <p:cNvSpPr txBox="1"/>
+          <p:cNvSpPr txBox="1">
+            <a:spLocks noGrp="1"/>
+          </p:cNvSpPr>
           <p:nvPr>
-            <p:ph idx="12" type="sldNum"/>
+            <p:ph type="sldNum" idx="12"/>
           </p:nvPr>
         </p:nvSpPr>
         <p:spPr>
@@ -2993,11 +3090,11 @@
           </a:ln>
         </p:spPr>
         <p:txBody>
-          <a:bodyPr anchorCtr="0" anchor="ctr" bIns="91425" lIns="91425" spcFirstLastPara="1" rIns="91425" wrap="square" tIns="91425">
+          <a:bodyPr spcFirstLastPara="1" wrap="square" lIns="91425" tIns="91425" rIns="91425" bIns="91425" anchor="ctr" anchorCtr="0">
             <a:noAutofit/>
           </a:bodyPr>
           <a:lstStyle>
-            <a:lvl1pPr indent="0" lvl="0" marL="0" marR="0" algn="r">
+            <a:lvl1pPr marL="0" marR="0" lvl="0" indent="0" algn="r">
               <a:lnSpc>
                 <a:spcPct val="100000"/>
               </a:lnSpc>
@@ -3013,7 +3110,7 @@
               <a:buSzPts val="1000"/>
               <a:buFont typeface="Arial"/>
               <a:buNone/>
-              <a:defRPr b="0" i="0" sz="1000" u="none" cap="none" strike="noStrike">
+              <a:defRPr sz="1000" b="0" i="0" u="none" strike="noStrike" cap="none">
                 <a:solidFill>
                   <a:schemeClr val="dk2"/>
                 </a:solidFill>
@@ -3023,7 +3120,7 @@
                 <a:sym typeface="Arial"/>
               </a:defRPr>
             </a:lvl1pPr>
-            <a:lvl2pPr indent="0" lvl="1" marL="0" marR="0" algn="r">
+            <a:lvl2pPr marL="0" marR="0" lvl="1" indent="0" algn="r">
               <a:lnSpc>
                 <a:spcPct val="100000"/>
               </a:lnSpc>
@@ -3039,7 +3136,7 @@
               <a:buSzPts val="1000"/>
               <a:buFont typeface="Arial"/>
               <a:buNone/>
-              <a:defRPr b="0" i="0" sz="1000" u="none" cap="none" strike="noStrike">
+              <a:defRPr sz="1000" b="0" i="0" u="none" strike="noStrike" cap="none">
                 <a:solidFill>
                   <a:schemeClr val="dk2"/>
                 </a:solidFill>
@@ -3049,7 +3146,7 @@
                 <a:sym typeface="Arial"/>
               </a:defRPr>
             </a:lvl2pPr>
-            <a:lvl3pPr indent="0" lvl="2" marL="0" marR="0" algn="r">
+            <a:lvl3pPr marL="0" marR="0" lvl="2" indent="0" algn="r">
               <a:lnSpc>
                 <a:spcPct val="100000"/>
               </a:lnSpc>
@@ -3065,7 +3162,7 @@
               <a:buSzPts val="1000"/>
               <a:buFont typeface="Arial"/>
               <a:buNone/>
-              <a:defRPr b="0" i="0" sz="1000" u="none" cap="none" strike="noStrike">
+              <a:defRPr sz="1000" b="0" i="0" u="none" strike="noStrike" cap="none">
                 <a:solidFill>
                   <a:schemeClr val="dk2"/>
                 </a:solidFill>
@@ -3075,7 +3172,7 @@
                 <a:sym typeface="Arial"/>
               </a:defRPr>
             </a:lvl3pPr>
-            <a:lvl4pPr indent="0" lvl="3" marL="0" marR="0" algn="r">
+            <a:lvl4pPr marL="0" marR="0" lvl="3" indent="0" algn="r">
               <a:lnSpc>
                 <a:spcPct val="100000"/>
               </a:lnSpc>
@@ -3091,7 +3188,7 @@
               <a:buSzPts val="1000"/>
               <a:buFont typeface="Arial"/>
               <a:buNone/>
-              <a:defRPr b="0" i="0" sz="1000" u="none" cap="none" strike="noStrike">
+              <a:defRPr sz="1000" b="0" i="0" u="none" strike="noStrike" cap="none">
                 <a:solidFill>
                   <a:schemeClr val="dk2"/>
                 </a:solidFill>
@@ -3101,7 +3198,7 @@
                 <a:sym typeface="Arial"/>
               </a:defRPr>
             </a:lvl4pPr>
-            <a:lvl5pPr indent="0" lvl="4" marL="0" marR="0" algn="r">
+            <a:lvl5pPr marL="0" marR="0" lvl="4" indent="0" algn="r">
               <a:lnSpc>
                 <a:spcPct val="100000"/>
               </a:lnSpc>
@@ -3117,7 +3214,7 @@
               <a:buSzPts val="1000"/>
               <a:buFont typeface="Arial"/>
               <a:buNone/>
-              <a:defRPr b="0" i="0" sz="1000" u="none" cap="none" strike="noStrike">
+              <a:defRPr sz="1000" b="0" i="0" u="none" strike="noStrike" cap="none">
                 <a:solidFill>
                   <a:schemeClr val="dk2"/>
                 </a:solidFill>
@@ -3127,7 +3224,7 @@
                 <a:sym typeface="Arial"/>
               </a:defRPr>
             </a:lvl5pPr>
-            <a:lvl6pPr indent="0" lvl="5" marL="0" marR="0" algn="r">
+            <a:lvl6pPr marL="0" marR="0" lvl="5" indent="0" algn="r">
               <a:lnSpc>
                 <a:spcPct val="100000"/>
               </a:lnSpc>
@@ -3143,7 +3240,7 @@
               <a:buSzPts val="1000"/>
               <a:buFont typeface="Arial"/>
               <a:buNone/>
-              <a:defRPr b="0" i="0" sz="1000" u="none" cap="none" strike="noStrike">
+              <a:defRPr sz="1000" b="0" i="0" u="none" strike="noStrike" cap="none">
                 <a:solidFill>
                   <a:schemeClr val="dk2"/>
                 </a:solidFill>
@@ -3153,7 +3250,7 @@
                 <a:sym typeface="Arial"/>
               </a:defRPr>
             </a:lvl6pPr>
-            <a:lvl7pPr indent="0" lvl="6" marL="0" marR="0" algn="r">
+            <a:lvl7pPr marL="0" marR="0" lvl="6" indent="0" algn="r">
               <a:lnSpc>
                 <a:spcPct val="100000"/>
               </a:lnSpc>
@@ -3169,7 +3266,7 @@
               <a:buSzPts val="1000"/>
               <a:buFont typeface="Arial"/>
               <a:buNone/>
-              <a:defRPr b="0" i="0" sz="1000" u="none" cap="none" strike="noStrike">
+              <a:defRPr sz="1000" b="0" i="0" u="none" strike="noStrike" cap="none">
                 <a:solidFill>
                   <a:schemeClr val="dk2"/>
                 </a:solidFill>
@@ -3179,7 +3276,7 @@
                 <a:sym typeface="Arial"/>
               </a:defRPr>
             </a:lvl7pPr>
-            <a:lvl8pPr indent="0" lvl="7" marL="0" marR="0" algn="r">
+            <a:lvl8pPr marL="0" marR="0" lvl="7" indent="0" algn="r">
               <a:lnSpc>
                 <a:spcPct val="100000"/>
               </a:lnSpc>
@@ -3195,7 +3292,7 @@
               <a:buSzPts val="1000"/>
               <a:buFont typeface="Arial"/>
               <a:buNone/>
-              <a:defRPr b="0" i="0" sz="1000" u="none" cap="none" strike="noStrike">
+              <a:defRPr sz="1000" b="0" i="0" u="none" strike="noStrike" cap="none">
                 <a:solidFill>
                   <a:schemeClr val="dk2"/>
                 </a:solidFill>
@@ -3205,7 +3302,7 @@
                 <a:sym typeface="Arial"/>
               </a:defRPr>
             </a:lvl8pPr>
-            <a:lvl9pPr indent="0" lvl="8" marL="0" marR="0" algn="r">
+            <a:lvl9pPr marL="0" marR="0" lvl="8" indent="0" algn="r">
               <a:lnSpc>
                 <a:spcPct val="100000"/>
               </a:lnSpc>
@@ -3221,7 +3318,7 @@
               <a:buSzPts val="1000"/>
               <a:buFont typeface="Arial"/>
               <a:buNone/>
-              <a:defRPr b="0" i="0" sz="1000" u="none" cap="none" strike="noStrike">
+              <a:defRPr sz="1000" b="0" i="0" u="none" strike="noStrike" cap="none">
                 <a:solidFill>
                   <a:schemeClr val="dk2"/>
                 </a:solidFill>
@@ -3233,7 +3330,7 @@
             </a:lvl9pPr>
           </a:lstStyle>
           <a:p>
-            <a:pPr indent="0" lvl="0" marL="0" rtl="0" algn="r">
+            <a:pPr marL="0" lvl="0" indent="0" algn="r" rtl="0">
               <a:spcBef>
                 <a:spcPts val="0"/>
               </a:spcBef>
@@ -3244,6 +3341,15 @@
             </a:pPr>
             <a:fld id="{00000000-1234-1234-1234-123412341234}" type="slidenum">
               <a:rPr lang="en"/>
+              <a:pPr marL="0" lvl="0" indent="0" algn="r" rtl="0">
+                <a:spcBef>
+                  <a:spcPts val="0"/>
+                </a:spcBef>
+                <a:spcAft>
+                  <a:spcPts val="0"/>
+                </a:spcAft>
+                <a:buNone/>
+              </a:pPr>
               <a:t>‹#›</a:t>
             </a:fld>
             <a:endParaRPr/>
@@ -3259,11 +3365,11 @@
 </file>
 
 <file path=ppt/slideLayouts/slideLayout2.xml><?xml version="1.0" encoding="utf-8"?>
-<p:sldLayout xmlns:a="http://schemas.openxmlformats.org/drawingml/2006/main" xmlns:r="http://schemas.openxmlformats.org/officeDocument/2006/relationships" xmlns:mc="http://schemas.openxmlformats.org/markup-compatibility/2006" xmlns:mv="urn:schemas-microsoft-com:mac:vml" xmlns:p="http://schemas.openxmlformats.org/presentationml/2006/main" xmlns:c="http://schemas.openxmlformats.org/drawingml/2006/chart" xmlns:dgm="http://schemas.openxmlformats.org/drawingml/2006/diagram" xmlns:o="urn:schemas-microsoft-com:office:office" xmlns:v="urn:schemas-microsoft-com:vml" xmlns:pvml="urn:schemas-microsoft-com:office:powerpoint" xmlns:com="http://schemas.openxmlformats.org/drawingml/2006/compatibility" xmlns:p14="http://schemas.microsoft.com/office/powerpoint/2010/main" xmlns:p15="http://schemas.microsoft.com/office/powerpoint/2012/main" xmlns:ahyp="http://schemas.microsoft.com/office/drawing/2018/hyperlinkcolor" matchingName="Blank" type="blank">
+<p:sldLayout xmlns:a="http://schemas.openxmlformats.org/drawingml/2006/main" xmlns:r="http://schemas.openxmlformats.org/officeDocument/2006/relationships" xmlns:p="http://schemas.openxmlformats.org/presentationml/2006/main" matchingName="Blank" type="blank">
   <p:cSld name="BLANK">
     <p:spTree>
       <p:nvGrpSpPr>
-        <p:cNvPr id="13" name="Shape 13"/>
+        <p:cNvPr id="1" name="Shape 13"/>
         <p:cNvGrpSpPr/>
         <p:nvPr/>
       </p:nvGrpSpPr>
@@ -3278,9 +3384,11 @@
       <p:sp>
         <p:nvSpPr>
           <p:cNvPr id="14" name="Google Shape;14;p3"/>
-          <p:cNvSpPr txBox="1"/>
+          <p:cNvSpPr txBox="1">
+            <a:spLocks noGrp="1"/>
+          </p:cNvSpPr>
           <p:nvPr>
-            <p:ph idx="12" type="sldNum"/>
+            <p:ph type="sldNum" idx="12"/>
           </p:nvPr>
         </p:nvSpPr>
         <p:spPr>
@@ -3297,11 +3405,11 @@
           </a:ln>
         </p:spPr>
         <p:txBody>
-          <a:bodyPr anchorCtr="0" anchor="ctr" bIns="91425" lIns="91425" spcFirstLastPara="1" rIns="91425" wrap="square" tIns="91425">
+          <a:bodyPr spcFirstLastPara="1" wrap="square" lIns="91425" tIns="91425" rIns="91425" bIns="91425" anchor="ctr" anchorCtr="0">
             <a:noAutofit/>
           </a:bodyPr>
           <a:lstStyle>
-            <a:lvl1pPr indent="0" lvl="0" marL="0" marR="0" algn="r">
+            <a:lvl1pPr marL="0" marR="0" lvl="0" indent="0" algn="r">
               <a:lnSpc>
                 <a:spcPct val="100000"/>
               </a:lnSpc>
@@ -3317,7 +3425,7 @@
               <a:buSzPts val="1000"/>
               <a:buFont typeface="Arial"/>
               <a:buNone/>
-              <a:defRPr b="0" i="0" sz="1000" u="none" cap="none" strike="noStrike">
+              <a:defRPr sz="1000" b="0" i="0" u="none" strike="noStrike" cap="none">
                 <a:solidFill>
                   <a:schemeClr val="dk2"/>
                 </a:solidFill>
@@ -3327,7 +3435,7 @@
                 <a:sym typeface="Arial"/>
               </a:defRPr>
             </a:lvl1pPr>
-            <a:lvl2pPr indent="0" lvl="1" marL="0" marR="0" algn="r">
+            <a:lvl2pPr marL="0" marR="0" lvl="1" indent="0" algn="r">
               <a:lnSpc>
                 <a:spcPct val="100000"/>
               </a:lnSpc>
@@ -3343,7 +3451,7 @@
               <a:buSzPts val="1000"/>
               <a:buFont typeface="Arial"/>
               <a:buNone/>
-              <a:defRPr b="0" i="0" sz="1000" u="none" cap="none" strike="noStrike">
+              <a:defRPr sz="1000" b="0" i="0" u="none" strike="noStrike" cap="none">
                 <a:solidFill>
                   <a:schemeClr val="dk2"/>
                 </a:solidFill>
@@ -3353,7 +3461,7 @@
                 <a:sym typeface="Arial"/>
               </a:defRPr>
             </a:lvl2pPr>
-            <a:lvl3pPr indent="0" lvl="2" marL="0" marR="0" algn="r">
+            <a:lvl3pPr marL="0" marR="0" lvl="2" indent="0" algn="r">
               <a:lnSpc>
                 <a:spcPct val="100000"/>
               </a:lnSpc>
@@ -3369,7 +3477,7 @@
               <a:buSzPts val="1000"/>
               <a:buFont typeface="Arial"/>
               <a:buNone/>
-              <a:defRPr b="0" i="0" sz="1000" u="none" cap="none" strike="noStrike">
+              <a:defRPr sz="1000" b="0" i="0" u="none" strike="noStrike" cap="none">
                 <a:solidFill>
                   <a:schemeClr val="dk2"/>
                 </a:solidFill>
@@ -3379,7 +3487,7 @@
                 <a:sym typeface="Arial"/>
               </a:defRPr>
             </a:lvl3pPr>
-            <a:lvl4pPr indent="0" lvl="3" marL="0" marR="0" algn="r">
+            <a:lvl4pPr marL="0" marR="0" lvl="3" indent="0" algn="r">
               <a:lnSpc>
                 <a:spcPct val="100000"/>
               </a:lnSpc>
@@ -3395,7 +3503,7 @@
               <a:buSzPts val="1000"/>
               <a:buFont typeface="Arial"/>
               <a:buNone/>
-              <a:defRPr b="0" i="0" sz="1000" u="none" cap="none" strike="noStrike">
+              <a:defRPr sz="1000" b="0" i="0" u="none" strike="noStrike" cap="none">
                 <a:solidFill>
                   <a:schemeClr val="dk2"/>
                 </a:solidFill>
@@ -3405,7 +3513,7 @@
                 <a:sym typeface="Arial"/>
               </a:defRPr>
             </a:lvl4pPr>
-            <a:lvl5pPr indent="0" lvl="4" marL="0" marR="0" algn="r">
+            <a:lvl5pPr marL="0" marR="0" lvl="4" indent="0" algn="r">
               <a:lnSpc>
                 <a:spcPct val="100000"/>
               </a:lnSpc>
@@ -3421,7 +3529,7 @@
               <a:buSzPts val="1000"/>
               <a:buFont typeface="Arial"/>
               <a:buNone/>
-              <a:defRPr b="0" i="0" sz="1000" u="none" cap="none" strike="noStrike">
+              <a:defRPr sz="1000" b="0" i="0" u="none" strike="noStrike" cap="none">
                 <a:solidFill>
                   <a:schemeClr val="dk2"/>
                 </a:solidFill>
@@ -3431,7 +3539,7 @@
                 <a:sym typeface="Arial"/>
               </a:defRPr>
             </a:lvl5pPr>
-            <a:lvl6pPr indent="0" lvl="5" marL="0" marR="0" algn="r">
+            <a:lvl6pPr marL="0" marR="0" lvl="5" indent="0" algn="r">
               <a:lnSpc>
                 <a:spcPct val="100000"/>
               </a:lnSpc>
@@ -3447,7 +3555,7 @@
               <a:buSzPts val="1000"/>
               <a:buFont typeface="Arial"/>
               <a:buNone/>
-              <a:defRPr b="0" i="0" sz="1000" u="none" cap="none" strike="noStrike">
+              <a:defRPr sz="1000" b="0" i="0" u="none" strike="noStrike" cap="none">
                 <a:solidFill>
                   <a:schemeClr val="dk2"/>
                 </a:solidFill>
@@ -3457,7 +3565,7 @@
                 <a:sym typeface="Arial"/>
               </a:defRPr>
             </a:lvl6pPr>
-            <a:lvl7pPr indent="0" lvl="6" marL="0" marR="0" algn="r">
+            <a:lvl7pPr marL="0" marR="0" lvl="6" indent="0" algn="r">
               <a:lnSpc>
                 <a:spcPct val="100000"/>
               </a:lnSpc>
@@ -3473,7 +3581,7 @@
               <a:buSzPts val="1000"/>
               <a:buFont typeface="Arial"/>
               <a:buNone/>
-              <a:defRPr b="0" i="0" sz="1000" u="none" cap="none" strike="noStrike">
+              <a:defRPr sz="1000" b="0" i="0" u="none" strike="noStrike" cap="none">
                 <a:solidFill>
                   <a:schemeClr val="dk2"/>
                 </a:solidFill>
@@ -3483,7 +3591,7 @@
                 <a:sym typeface="Arial"/>
               </a:defRPr>
             </a:lvl7pPr>
-            <a:lvl8pPr indent="0" lvl="7" marL="0" marR="0" algn="r">
+            <a:lvl8pPr marL="0" marR="0" lvl="7" indent="0" algn="r">
               <a:lnSpc>
                 <a:spcPct val="100000"/>
               </a:lnSpc>
@@ -3499,7 +3607,7 @@
               <a:buSzPts val="1000"/>
               <a:buFont typeface="Arial"/>
               <a:buNone/>
-              <a:defRPr b="0" i="0" sz="1000" u="none" cap="none" strike="noStrike">
+              <a:defRPr sz="1000" b="0" i="0" u="none" strike="noStrike" cap="none">
                 <a:solidFill>
                   <a:schemeClr val="dk2"/>
                 </a:solidFill>
@@ -3509,7 +3617,7 @@
                 <a:sym typeface="Arial"/>
               </a:defRPr>
             </a:lvl8pPr>
-            <a:lvl9pPr indent="0" lvl="8" marL="0" marR="0" algn="r">
+            <a:lvl9pPr marL="0" marR="0" lvl="8" indent="0" algn="r">
               <a:lnSpc>
                 <a:spcPct val="100000"/>
               </a:lnSpc>
@@ -3525,7 +3633,7 @@
               <a:buSzPts val="1000"/>
               <a:buFont typeface="Arial"/>
               <a:buNone/>
-              <a:defRPr b="0" i="0" sz="1000" u="none" cap="none" strike="noStrike">
+              <a:defRPr sz="1000" b="0" i="0" u="none" strike="noStrike" cap="none">
                 <a:solidFill>
                   <a:schemeClr val="dk2"/>
                 </a:solidFill>
@@ -3537,7 +3645,7 @@
             </a:lvl9pPr>
           </a:lstStyle>
           <a:p>
-            <a:pPr indent="0" lvl="0" marL="0" rtl="0" algn="r">
+            <a:pPr marL="0" lvl="0" indent="0" algn="r" rtl="0">
               <a:spcBef>
                 <a:spcPts val="0"/>
               </a:spcBef>
@@ -3548,6 +3656,15 @@
             </a:pPr>
             <a:fld id="{00000000-1234-1234-1234-123412341234}" type="slidenum">
               <a:rPr lang="en"/>
+              <a:pPr marL="0" lvl="0" indent="0" algn="r" rtl="0">
+                <a:spcBef>
+                  <a:spcPts val="0"/>
+                </a:spcBef>
+                <a:spcAft>
+                  <a:spcPts val="0"/>
+                </a:spcAft>
+                <a:buNone/>
+              </a:pPr>
               <a:t>‹#›</a:t>
             </a:fld>
             <a:endParaRPr/>
@@ -3563,11 +3680,11 @@
 </file>
 
 <file path=ppt/slideLayouts/slideLayout3.xml><?xml version="1.0" encoding="utf-8"?>
-<p:sldLayout xmlns:a="http://schemas.openxmlformats.org/drawingml/2006/main" xmlns:r="http://schemas.openxmlformats.org/officeDocument/2006/relationships" xmlns:mc="http://schemas.openxmlformats.org/markup-compatibility/2006" xmlns:mv="urn:schemas-microsoft-com:mac:vml" xmlns:p="http://schemas.openxmlformats.org/presentationml/2006/main" xmlns:c="http://schemas.openxmlformats.org/drawingml/2006/chart" xmlns:dgm="http://schemas.openxmlformats.org/drawingml/2006/diagram" xmlns:o="urn:schemas-microsoft-com:office:office" xmlns:v="urn:schemas-microsoft-com:vml" xmlns:pvml="urn:schemas-microsoft-com:office:powerpoint" xmlns:com="http://schemas.openxmlformats.org/drawingml/2006/compatibility" xmlns:p14="http://schemas.microsoft.com/office/powerpoint/2010/main" xmlns:p15="http://schemas.microsoft.com/office/powerpoint/2012/main" xmlns:ahyp="http://schemas.microsoft.com/office/drawing/2018/hyperlinkcolor" matchingName="Section header" type="secHead">
+<p:sldLayout xmlns:a="http://schemas.openxmlformats.org/drawingml/2006/main" xmlns:r="http://schemas.openxmlformats.org/officeDocument/2006/relationships" xmlns:p="http://schemas.openxmlformats.org/presentationml/2006/main" matchingName="Section header" type="secHead">
   <p:cSld name="SECTION_HEADER">
     <p:spTree>
       <p:nvGrpSpPr>
-        <p:cNvPr id="15" name="Shape 15"/>
+        <p:cNvPr id="1" name="Shape 15"/>
         <p:cNvGrpSpPr/>
         <p:nvPr/>
       </p:nvGrpSpPr>
@@ -3582,7 +3699,9 @@
       <p:sp>
         <p:nvSpPr>
           <p:cNvPr id="16" name="Google Shape;16;p4"/>
-          <p:cNvSpPr txBox="1"/>
+          <p:cNvSpPr txBox="1">
+            <a:spLocks noGrp="1"/>
+          </p:cNvSpPr>
           <p:nvPr>
             <p:ph type="title"/>
           </p:nvPr>
@@ -3601,7 +3720,7 @@
           </a:ln>
         </p:spPr>
         <p:txBody>
-          <a:bodyPr anchorCtr="0" anchor="ctr" bIns="91425" lIns="91425" spcFirstLastPara="1" rIns="91425" wrap="square" tIns="91425">
+          <a:bodyPr spcFirstLastPara="1" wrap="square" lIns="91425" tIns="91425" rIns="91425" bIns="91425" anchor="ctr" anchorCtr="0">
             <a:noAutofit/>
           </a:bodyPr>
           <a:lstStyle>
@@ -3732,15 +3851,19 @@
               <a:defRPr sz="3600"/>
             </a:lvl9pPr>
           </a:lstStyle>
-          <a:p/>
+          <a:p>
+            <a:endParaRPr/>
+          </a:p>
         </p:txBody>
       </p:sp>
       <p:sp>
         <p:nvSpPr>
           <p:cNvPr id="17" name="Google Shape;17;p4"/>
-          <p:cNvSpPr txBox="1"/>
+          <p:cNvSpPr txBox="1">
+            <a:spLocks noGrp="1"/>
+          </p:cNvSpPr>
           <p:nvPr>
-            <p:ph idx="12" type="sldNum"/>
+            <p:ph type="sldNum" idx="12"/>
           </p:nvPr>
         </p:nvSpPr>
         <p:spPr>
@@ -3757,11 +3880,11 @@
           </a:ln>
         </p:spPr>
         <p:txBody>
-          <a:bodyPr anchorCtr="0" anchor="ctr" bIns="91425" lIns="91425" spcFirstLastPara="1" rIns="91425" wrap="square" tIns="91425">
+          <a:bodyPr spcFirstLastPara="1" wrap="square" lIns="91425" tIns="91425" rIns="91425" bIns="91425" anchor="ctr" anchorCtr="0">
             <a:noAutofit/>
           </a:bodyPr>
           <a:lstStyle>
-            <a:lvl1pPr indent="0" lvl="0" marL="0" marR="0" algn="r">
+            <a:lvl1pPr marL="0" marR="0" lvl="0" indent="0" algn="r">
               <a:lnSpc>
                 <a:spcPct val="100000"/>
               </a:lnSpc>
@@ -3777,7 +3900,7 @@
               <a:buSzPts val="1000"/>
               <a:buFont typeface="Arial"/>
               <a:buNone/>
-              <a:defRPr b="0" i="0" sz="1000" u="none" cap="none" strike="noStrike">
+              <a:defRPr sz="1000" b="0" i="0" u="none" strike="noStrike" cap="none">
                 <a:solidFill>
                   <a:schemeClr val="dk2"/>
                 </a:solidFill>
@@ -3787,7 +3910,7 @@
                 <a:sym typeface="Arial"/>
               </a:defRPr>
             </a:lvl1pPr>
-            <a:lvl2pPr indent="0" lvl="1" marL="0" marR="0" algn="r">
+            <a:lvl2pPr marL="0" marR="0" lvl="1" indent="0" algn="r">
               <a:lnSpc>
                 <a:spcPct val="100000"/>
               </a:lnSpc>
@@ -3803,7 +3926,7 @@
               <a:buSzPts val="1000"/>
               <a:buFont typeface="Arial"/>
               <a:buNone/>
-              <a:defRPr b="0" i="0" sz="1000" u="none" cap="none" strike="noStrike">
+              <a:defRPr sz="1000" b="0" i="0" u="none" strike="noStrike" cap="none">
                 <a:solidFill>
                   <a:schemeClr val="dk2"/>
                 </a:solidFill>
@@ -3813,7 +3936,7 @@
                 <a:sym typeface="Arial"/>
               </a:defRPr>
             </a:lvl2pPr>
-            <a:lvl3pPr indent="0" lvl="2" marL="0" marR="0" algn="r">
+            <a:lvl3pPr marL="0" marR="0" lvl="2" indent="0" algn="r">
               <a:lnSpc>
                 <a:spcPct val="100000"/>
               </a:lnSpc>
@@ -3829,7 +3952,7 @@
               <a:buSzPts val="1000"/>
               <a:buFont typeface="Arial"/>
               <a:buNone/>
-              <a:defRPr b="0" i="0" sz="1000" u="none" cap="none" strike="noStrike">
+              <a:defRPr sz="1000" b="0" i="0" u="none" strike="noStrike" cap="none">
                 <a:solidFill>
                   <a:schemeClr val="dk2"/>
                 </a:solidFill>
@@ -3839,7 +3962,7 @@
                 <a:sym typeface="Arial"/>
               </a:defRPr>
             </a:lvl3pPr>
-            <a:lvl4pPr indent="0" lvl="3" marL="0" marR="0" algn="r">
+            <a:lvl4pPr marL="0" marR="0" lvl="3" indent="0" algn="r">
               <a:lnSpc>
                 <a:spcPct val="100000"/>
               </a:lnSpc>
@@ -3855,7 +3978,7 @@
               <a:buSzPts val="1000"/>
               <a:buFont typeface="Arial"/>
               <a:buNone/>
-              <a:defRPr b="0" i="0" sz="1000" u="none" cap="none" strike="noStrike">
+              <a:defRPr sz="1000" b="0" i="0" u="none" strike="noStrike" cap="none">
                 <a:solidFill>
                   <a:schemeClr val="dk2"/>
                 </a:solidFill>
@@ -3865,7 +3988,7 @@
                 <a:sym typeface="Arial"/>
               </a:defRPr>
             </a:lvl4pPr>
-            <a:lvl5pPr indent="0" lvl="4" marL="0" marR="0" algn="r">
+            <a:lvl5pPr marL="0" marR="0" lvl="4" indent="0" algn="r">
               <a:lnSpc>
                 <a:spcPct val="100000"/>
               </a:lnSpc>
@@ -3881,7 +4004,7 @@
               <a:buSzPts val="1000"/>
               <a:buFont typeface="Arial"/>
               <a:buNone/>
-              <a:defRPr b="0" i="0" sz="1000" u="none" cap="none" strike="noStrike">
+              <a:defRPr sz="1000" b="0" i="0" u="none" strike="noStrike" cap="none">
                 <a:solidFill>
                   <a:schemeClr val="dk2"/>
                 </a:solidFill>
@@ -3891,7 +4014,7 @@
                 <a:sym typeface="Arial"/>
               </a:defRPr>
             </a:lvl5pPr>
-            <a:lvl6pPr indent="0" lvl="5" marL="0" marR="0" algn="r">
+            <a:lvl6pPr marL="0" marR="0" lvl="5" indent="0" algn="r">
               <a:lnSpc>
                 <a:spcPct val="100000"/>
               </a:lnSpc>
@@ -3907,7 +4030,7 @@
               <a:buSzPts val="1000"/>
               <a:buFont typeface="Arial"/>
               <a:buNone/>
-              <a:defRPr b="0" i="0" sz="1000" u="none" cap="none" strike="noStrike">
+              <a:defRPr sz="1000" b="0" i="0" u="none" strike="noStrike" cap="none">
                 <a:solidFill>
                   <a:schemeClr val="dk2"/>
                 </a:solidFill>
@@ -3917,7 +4040,7 @@
                 <a:sym typeface="Arial"/>
               </a:defRPr>
             </a:lvl6pPr>
-            <a:lvl7pPr indent="0" lvl="6" marL="0" marR="0" algn="r">
+            <a:lvl7pPr marL="0" marR="0" lvl="6" indent="0" algn="r">
               <a:lnSpc>
                 <a:spcPct val="100000"/>
               </a:lnSpc>
@@ -3933,7 +4056,7 @@
               <a:buSzPts val="1000"/>
               <a:buFont typeface="Arial"/>
               <a:buNone/>
-              <a:defRPr b="0" i="0" sz="1000" u="none" cap="none" strike="noStrike">
+              <a:defRPr sz="1000" b="0" i="0" u="none" strike="noStrike" cap="none">
                 <a:solidFill>
                   <a:schemeClr val="dk2"/>
                 </a:solidFill>
@@ -3943,7 +4066,7 @@
                 <a:sym typeface="Arial"/>
               </a:defRPr>
             </a:lvl7pPr>
-            <a:lvl8pPr indent="0" lvl="7" marL="0" marR="0" algn="r">
+            <a:lvl8pPr marL="0" marR="0" lvl="7" indent="0" algn="r">
               <a:lnSpc>
                 <a:spcPct val="100000"/>
               </a:lnSpc>
@@ -3959,7 +4082,7 @@
               <a:buSzPts val="1000"/>
               <a:buFont typeface="Arial"/>
               <a:buNone/>
-              <a:defRPr b="0" i="0" sz="1000" u="none" cap="none" strike="noStrike">
+              <a:defRPr sz="1000" b="0" i="0" u="none" strike="noStrike" cap="none">
                 <a:solidFill>
                   <a:schemeClr val="dk2"/>
                 </a:solidFill>
@@ -3969,7 +4092,7 @@
                 <a:sym typeface="Arial"/>
               </a:defRPr>
             </a:lvl8pPr>
-            <a:lvl9pPr indent="0" lvl="8" marL="0" marR="0" algn="r">
+            <a:lvl9pPr marL="0" marR="0" lvl="8" indent="0" algn="r">
               <a:lnSpc>
                 <a:spcPct val="100000"/>
               </a:lnSpc>
@@ -3985,7 +4108,7 @@
               <a:buSzPts val="1000"/>
               <a:buFont typeface="Arial"/>
               <a:buNone/>
-              <a:defRPr b="0" i="0" sz="1000" u="none" cap="none" strike="noStrike">
+              <a:defRPr sz="1000" b="0" i="0" u="none" strike="noStrike" cap="none">
                 <a:solidFill>
                   <a:schemeClr val="dk2"/>
                 </a:solidFill>
@@ -3997,7 +4120,7 @@
             </a:lvl9pPr>
           </a:lstStyle>
           <a:p>
-            <a:pPr indent="0" lvl="0" marL="0" rtl="0" algn="r">
+            <a:pPr marL="0" lvl="0" indent="0" algn="r" rtl="0">
               <a:spcBef>
                 <a:spcPts val="0"/>
               </a:spcBef>
@@ -4008,6 +4131,15 @@
             </a:pPr>
             <a:fld id="{00000000-1234-1234-1234-123412341234}" type="slidenum">
               <a:rPr lang="en"/>
+              <a:pPr marL="0" lvl="0" indent="0" algn="r" rtl="0">
+                <a:spcBef>
+                  <a:spcPts val="0"/>
+                </a:spcBef>
+                <a:spcAft>
+                  <a:spcPts val="0"/>
+                </a:spcAft>
+                <a:buNone/>
+              </a:pPr>
               <a:t>‹#›</a:t>
             </a:fld>
             <a:endParaRPr/>
@@ -4023,11 +4155,11 @@
 </file>
 
 <file path=ppt/slideLayouts/slideLayout4.xml><?xml version="1.0" encoding="utf-8"?>
-<p:sldLayout xmlns:a="http://schemas.openxmlformats.org/drawingml/2006/main" xmlns:r="http://schemas.openxmlformats.org/officeDocument/2006/relationships" xmlns:mc="http://schemas.openxmlformats.org/markup-compatibility/2006" xmlns:mv="urn:schemas-microsoft-com:mac:vml" xmlns:p="http://schemas.openxmlformats.org/presentationml/2006/main" xmlns:c="http://schemas.openxmlformats.org/drawingml/2006/chart" xmlns:dgm="http://schemas.openxmlformats.org/drawingml/2006/diagram" xmlns:o="urn:schemas-microsoft-com:office:office" xmlns:v="urn:schemas-microsoft-com:vml" xmlns:pvml="urn:schemas-microsoft-com:office:powerpoint" xmlns:com="http://schemas.openxmlformats.org/drawingml/2006/compatibility" xmlns:p14="http://schemas.microsoft.com/office/powerpoint/2010/main" xmlns:p15="http://schemas.microsoft.com/office/powerpoint/2012/main" xmlns:ahyp="http://schemas.microsoft.com/office/drawing/2018/hyperlinkcolor" matchingName="Title and body" type="tx">
+<p:sldLayout xmlns:a="http://schemas.openxmlformats.org/drawingml/2006/main" xmlns:r="http://schemas.openxmlformats.org/officeDocument/2006/relationships" xmlns:p="http://schemas.openxmlformats.org/presentationml/2006/main" matchingName="Title and body" type="tx">
   <p:cSld name="TITLE_AND_BODY">
     <p:spTree>
       <p:nvGrpSpPr>
-        <p:cNvPr id="18" name="Shape 18"/>
+        <p:cNvPr id="1" name="Shape 18"/>
         <p:cNvGrpSpPr/>
         <p:nvPr/>
       </p:nvGrpSpPr>
@@ -4042,7 +4174,9 @@
       <p:sp>
         <p:nvSpPr>
           <p:cNvPr id="19" name="Google Shape;19;p5"/>
-          <p:cNvSpPr txBox="1"/>
+          <p:cNvSpPr txBox="1">
+            <a:spLocks noGrp="1"/>
+          </p:cNvSpPr>
           <p:nvPr>
             <p:ph type="title"/>
           </p:nvPr>
@@ -4061,7 +4195,7 @@
           </a:ln>
         </p:spPr>
         <p:txBody>
-          <a:bodyPr anchorCtr="0" anchor="t" bIns="91425" lIns="91425" spcFirstLastPara="1" rIns="91425" wrap="square" tIns="91425">
+          <a:bodyPr spcFirstLastPara="1" wrap="square" lIns="91425" tIns="91425" rIns="91425" bIns="91425" anchor="t" anchorCtr="0">
             <a:noAutofit/>
           </a:bodyPr>
           <a:lstStyle>
@@ -4192,15 +4326,19 @@
               <a:defRPr/>
             </a:lvl9pPr>
           </a:lstStyle>
-          <a:p/>
+          <a:p>
+            <a:endParaRPr/>
+          </a:p>
         </p:txBody>
       </p:sp>
       <p:sp>
         <p:nvSpPr>
           <p:cNvPr id="20" name="Google Shape;20;p5"/>
-          <p:cNvSpPr txBox="1"/>
+          <p:cNvSpPr txBox="1">
+            <a:spLocks noGrp="1"/>
+          </p:cNvSpPr>
           <p:nvPr>
-            <p:ph idx="1" type="body"/>
+            <p:ph type="body" idx="1"/>
           </p:nvPr>
         </p:nvSpPr>
         <p:spPr>
@@ -4217,11 +4355,11 @@
           </a:ln>
         </p:spPr>
         <p:txBody>
-          <a:bodyPr anchorCtr="0" anchor="t" bIns="91425" lIns="91425" spcFirstLastPara="1" rIns="91425" wrap="square" tIns="91425">
+          <a:bodyPr spcFirstLastPara="1" wrap="square" lIns="91425" tIns="91425" rIns="91425" bIns="91425" anchor="t" anchorCtr="0">
             <a:noAutofit/>
           </a:bodyPr>
           <a:lstStyle>
-            <a:lvl1pPr indent="-342900" lvl="0" marL="457200" algn="l">
+            <a:lvl1pPr marL="457200" lvl="0" indent="-342900" algn="l">
               <a:lnSpc>
                 <a:spcPct val="115000"/>
               </a:lnSpc>
@@ -4235,7 +4373,7 @@
               <a:buChar char="●"/>
               <a:defRPr/>
             </a:lvl1pPr>
-            <a:lvl2pPr indent="-317500" lvl="1" marL="914400" algn="l">
+            <a:lvl2pPr marL="914400" lvl="1" indent="-317500" algn="l">
               <a:lnSpc>
                 <a:spcPct val="115000"/>
               </a:lnSpc>
@@ -4249,7 +4387,7 @@
               <a:buChar char="○"/>
               <a:defRPr/>
             </a:lvl2pPr>
-            <a:lvl3pPr indent="-317500" lvl="2" marL="1371600" algn="l">
+            <a:lvl3pPr marL="1371600" lvl="2" indent="-317500" algn="l">
               <a:lnSpc>
                 <a:spcPct val="115000"/>
               </a:lnSpc>
@@ -4263,7 +4401,7 @@
               <a:buChar char="■"/>
               <a:defRPr/>
             </a:lvl3pPr>
-            <a:lvl4pPr indent="-317500" lvl="3" marL="1828800" algn="l">
+            <a:lvl4pPr marL="1828800" lvl="3" indent="-317500" algn="l">
               <a:lnSpc>
                 <a:spcPct val="115000"/>
               </a:lnSpc>
@@ -4277,7 +4415,7 @@
               <a:buChar char="●"/>
               <a:defRPr/>
             </a:lvl4pPr>
-            <a:lvl5pPr indent="-317500" lvl="4" marL="2286000" algn="l">
+            <a:lvl5pPr marL="2286000" lvl="4" indent="-317500" algn="l">
               <a:lnSpc>
                 <a:spcPct val="115000"/>
               </a:lnSpc>
@@ -4291,7 +4429,7 @@
               <a:buChar char="○"/>
               <a:defRPr/>
             </a:lvl5pPr>
-            <a:lvl6pPr indent="-317500" lvl="5" marL="2743200" algn="l">
+            <a:lvl6pPr marL="2743200" lvl="5" indent="-317500" algn="l">
               <a:lnSpc>
                 <a:spcPct val="115000"/>
               </a:lnSpc>
@@ -4305,7 +4443,7 @@
               <a:buChar char="■"/>
               <a:defRPr/>
             </a:lvl6pPr>
-            <a:lvl7pPr indent="-317500" lvl="6" marL="3200400" algn="l">
+            <a:lvl7pPr marL="3200400" lvl="6" indent="-317500" algn="l">
               <a:lnSpc>
                 <a:spcPct val="115000"/>
               </a:lnSpc>
@@ -4319,7 +4457,7 @@
               <a:buChar char="●"/>
               <a:defRPr/>
             </a:lvl7pPr>
-            <a:lvl8pPr indent="-317500" lvl="7" marL="3657600" algn="l">
+            <a:lvl8pPr marL="3657600" lvl="7" indent="-317500" algn="l">
               <a:lnSpc>
                 <a:spcPct val="115000"/>
               </a:lnSpc>
@@ -4333,7 +4471,7 @@
               <a:buChar char="○"/>
               <a:defRPr/>
             </a:lvl8pPr>
-            <a:lvl9pPr indent="-317500" lvl="8" marL="4114800" algn="l">
+            <a:lvl9pPr marL="4114800" lvl="8" indent="-317500" algn="l">
               <a:lnSpc>
                 <a:spcPct val="115000"/>
               </a:lnSpc>
@@ -4348,15 +4486,19 @@
               <a:defRPr/>
             </a:lvl9pPr>
           </a:lstStyle>
-          <a:p/>
+          <a:p>
+            <a:endParaRPr/>
+          </a:p>
         </p:txBody>
       </p:sp>
       <p:sp>
         <p:nvSpPr>
           <p:cNvPr id="21" name="Google Shape;21;p5"/>
-          <p:cNvSpPr txBox="1"/>
+          <p:cNvSpPr txBox="1">
+            <a:spLocks noGrp="1"/>
+          </p:cNvSpPr>
           <p:nvPr>
-            <p:ph idx="12" type="sldNum"/>
+            <p:ph type="sldNum" idx="12"/>
           </p:nvPr>
         </p:nvSpPr>
         <p:spPr>
@@ -4373,11 +4515,11 @@
           </a:ln>
         </p:spPr>
         <p:txBody>
-          <a:bodyPr anchorCtr="0" anchor="ctr" bIns="91425" lIns="91425" spcFirstLastPara="1" rIns="91425" wrap="square" tIns="91425">
+          <a:bodyPr spcFirstLastPara="1" wrap="square" lIns="91425" tIns="91425" rIns="91425" bIns="91425" anchor="ctr" anchorCtr="0">
             <a:noAutofit/>
           </a:bodyPr>
           <a:lstStyle>
-            <a:lvl1pPr indent="0" lvl="0" marL="0" marR="0" algn="r">
+            <a:lvl1pPr marL="0" marR="0" lvl="0" indent="0" algn="r">
               <a:lnSpc>
                 <a:spcPct val="100000"/>
               </a:lnSpc>
@@ -4393,7 +4535,7 @@
               <a:buSzPts val="1000"/>
               <a:buFont typeface="Arial"/>
               <a:buNone/>
-              <a:defRPr b="0" i="0" sz="1000" u="none" cap="none" strike="noStrike">
+              <a:defRPr sz="1000" b="0" i="0" u="none" strike="noStrike" cap="none">
                 <a:solidFill>
                   <a:schemeClr val="dk2"/>
                 </a:solidFill>
@@ -4403,7 +4545,7 @@
                 <a:sym typeface="Arial"/>
               </a:defRPr>
             </a:lvl1pPr>
-            <a:lvl2pPr indent="0" lvl="1" marL="0" marR="0" algn="r">
+            <a:lvl2pPr marL="0" marR="0" lvl="1" indent="0" algn="r">
               <a:lnSpc>
                 <a:spcPct val="100000"/>
               </a:lnSpc>
@@ -4419,7 +4561,7 @@
               <a:buSzPts val="1000"/>
               <a:buFont typeface="Arial"/>
               <a:buNone/>
-              <a:defRPr b="0" i="0" sz="1000" u="none" cap="none" strike="noStrike">
+              <a:defRPr sz="1000" b="0" i="0" u="none" strike="noStrike" cap="none">
                 <a:solidFill>
                   <a:schemeClr val="dk2"/>
                 </a:solidFill>
@@ -4429,7 +4571,7 @@
                 <a:sym typeface="Arial"/>
               </a:defRPr>
             </a:lvl2pPr>
-            <a:lvl3pPr indent="0" lvl="2" marL="0" marR="0" algn="r">
+            <a:lvl3pPr marL="0" marR="0" lvl="2" indent="0" algn="r">
               <a:lnSpc>
                 <a:spcPct val="100000"/>
               </a:lnSpc>
@@ -4445,7 +4587,7 @@
               <a:buSzPts val="1000"/>
               <a:buFont typeface="Arial"/>
               <a:buNone/>
-              <a:defRPr b="0" i="0" sz="1000" u="none" cap="none" strike="noStrike">
+              <a:defRPr sz="1000" b="0" i="0" u="none" strike="noStrike" cap="none">
                 <a:solidFill>
                   <a:schemeClr val="dk2"/>
                 </a:solidFill>
@@ -4455,7 +4597,7 @@
                 <a:sym typeface="Arial"/>
               </a:defRPr>
             </a:lvl3pPr>
-            <a:lvl4pPr indent="0" lvl="3" marL="0" marR="0" algn="r">
+            <a:lvl4pPr marL="0" marR="0" lvl="3" indent="0" algn="r">
               <a:lnSpc>
                 <a:spcPct val="100000"/>
               </a:lnSpc>
@@ -4471,7 +4613,7 @@
               <a:buSzPts val="1000"/>
               <a:buFont typeface="Arial"/>
               <a:buNone/>
-              <a:defRPr b="0" i="0" sz="1000" u="none" cap="none" strike="noStrike">
+              <a:defRPr sz="1000" b="0" i="0" u="none" strike="noStrike" cap="none">
                 <a:solidFill>
                   <a:schemeClr val="dk2"/>
                 </a:solidFill>
@@ -4481,7 +4623,7 @@
                 <a:sym typeface="Arial"/>
               </a:defRPr>
             </a:lvl4pPr>
-            <a:lvl5pPr indent="0" lvl="4" marL="0" marR="0" algn="r">
+            <a:lvl5pPr marL="0" marR="0" lvl="4" indent="0" algn="r">
               <a:lnSpc>
                 <a:spcPct val="100000"/>
               </a:lnSpc>
@@ -4497,7 +4639,7 @@
               <a:buSzPts val="1000"/>
               <a:buFont typeface="Arial"/>
               <a:buNone/>
-              <a:defRPr b="0" i="0" sz="1000" u="none" cap="none" strike="noStrike">
+              <a:defRPr sz="1000" b="0" i="0" u="none" strike="noStrike" cap="none">
                 <a:solidFill>
                   <a:schemeClr val="dk2"/>
                 </a:solidFill>
@@ -4507,7 +4649,7 @@
                 <a:sym typeface="Arial"/>
               </a:defRPr>
             </a:lvl5pPr>
-            <a:lvl6pPr indent="0" lvl="5" marL="0" marR="0" algn="r">
+            <a:lvl6pPr marL="0" marR="0" lvl="5" indent="0" algn="r">
               <a:lnSpc>
                 <a:spcPct val="100000"/>
               </a:lnSpc>
@@ -4523,7 +4665,7 @@
               <a:buSzPts val="1000"/>
               <a:buFont typeface="Arial"/>
               <a:buNone/>
-              <a:defRPr b="0" i="0" sz="1000" u="none" cap="none" strike="noStrike">
+              <a:defRPr sz="1000" b="0" i="0" u="none" strike="noStrike" cap="none">
                 <a:solidFill>
                   <a:schemeClr val="dk2"/>
                 </a:solidFill>
@@ -4533,7 +4675,7 @@
                 <a:sym typeface="Arial"/>
               </a:defRPr>
             </a:lvl6pPr>
-            <a:lvl7pPr indent="0" lvl="6" marL="0" marR="0" algn="r">
+            <a:lvl7pPr marL="0" marR="0" lvl="6" indent="0" algn="r">
               <a:lnSpc>
                 <a:spcPct val="100000"/>
               </a:lnSpc>
@@ -4549,7 +4691,7 @@
               <a:buSzPts val="1000"/>
               <a:buFont typeface="Arial"/>
               <a:buNone/>
-              <a:defRPr b="0" i="0" sz="1000" u="none" cap="none" strike="noStrike">
+              <a:defRPr sz="1000" b="0" i="0" u="none" strike="noStrike" cap="none">
                 <a:solidFill>
                   <a:schemeClr val="dk2"/>
                 </a:solidFill>
@@ -4559,7 +4701,7 @@
                 <a:sym typeface="Arial"/>
               </a:defRPr>
             </a:lvl7pPr>
-            <a:lvl8pPr indent="0" lvl="7" marL="0" marR="0" algn="r">
+            <a:lvl8pPr marL="0" marR="0" lvl="7" indent="0" algn="r">
               <a:lnSpc>
                 <a:spcPct val="100000"/>
               </a:lnSpc>
@@ -4575,7 +4717,7 @@
               <a:buSzPts val="1000"/>
               <a:buFont typeface="Arial"/>
               <a:buNone/>
-              <a:defRPr b="0" i="0" sz="1000" u="none" cap="none" strike="noStrike">
+              <a:defRPr sz="1000" b="0" i="0" u="none" strike="noStrike" cap="none">
                 <a:solidFill>
                   <a:schemeClr val="dk2"/>
                 </a:solidFill>
@@ -4585,7 +4727,7 @@
                 <a:sym typeface="Arial"/>
               </a:defRPr>
             </a:lvl8pPr>
-            <a:lvl9pPr indent="0" lvl="8" marL="0" marR="0" algn="r">
+            <a:lvl9pPr marL="0" marR="0" lvl="8" indent="0" algn="r">
               <a:lnSpc>
                 <a:spcPct val="100000"/>
               </a:lnSpc>
@@ -4601,7 +4743,7 @@
               <a:buSzPts val="1000"/>
               <a:buFont typeface="Arial"/>
               <a:buNone/>
-              <a:defRPr b="0" i="0" sz="1000" u="none" cap="none" strike="noStrike">
+              <a:defRPr sz="1000" b="0" i="0" u="none" strike="noStrike" cap="none">
                 <a:solidFill>
                   <a:schemeClr val="dk2"/>
                 </a:solidFill>
@@ -4613,7 +4755,7 @@
             </a:lvl9pPr>
           </a:lstStyle>
           <a:p>
-            <a:pPr indent="0" lvl="0" marL="0" rtl="0" algn="r">
+            <a:pPr marL="0" lvl="0" indent="0" algn="r" rtl="0">
               <a:spcBef>
                 <a:spcPts val="0"/>
               </a:spcBef>
@@ -4624,6 +4766,15 @@
             </a:pPr>
             <a:fld id="{00000000-1234-1234-1234-123412341234}" type="slidenum">
               <a:rPr lang="en"/>
+              <a:pPr marL="0" lvl="0" indent="0" algn="r" rtl="0">
+                <a:spcBef>
+                  <a:spcPts val="0"/>
+                </a:spcBef>
+                <a:spcAft>
+                  <a:spcPts val="0"/>
+                </a:spcAft>
+                <a:buNone/>
+              </a:pPr>
               <a:t>‹#›</a:t>
             </a:fld>
             <a:endParaRPr/>
@@ -4639,11 +4790,11 @@
 </file>
 
 <file path=ppt/slideLayouts/slideLayout5.xml><?xml version="1.0" encoding="utf-8"?>
-<p:sldLayout xmlns:a="http://schemas.openxmlformats.org/drawingml/2006/main" xmlns:r="http://schemas.openxmlformats.org/officeDocument/2006/relationships" xmlns:mc="http://schemas.openxmlformats.org/markup-compatibility/2006" xmlns:mv="urn:schemas-microsoft-com:mac:vml" xmlns:p="http://schemas.openxmlformats.org/presentationml/2006/main" xmlns:c="http://schemas.openxmlformats.org/drawingml/2006/chart" xmlns:dgm="http://schemas.openxmlformats.org/drawingml/2006/diagram" xmlns:o="urn:schemas-microsoft-com:office:office" xmlns:v="urn:schemas-microsoft-com:vml" xmlns:pvml="urn:schemas-microsoft-com:office:powerpoint" xmlns:com="http://schemas.openxmlformats.org/drawingml/2006/compatibility" xmlns:p14="http://schemas.microsoft.com/office/powerpoint/2010/main" xmlns:p15="http://schemas.microsoft.com/office/powerpoint/2012/main" xmlns:ahyp="http://schemas.microsoft.com/office/drawing/2018/hyperlinkcolor" matchingName="Title and two columns" type="twoColTx">
+<p:sldLayout xmlns:a="http://schemas.openxmlformats.org/drawingml/2006/main" xmlns:r="http://schemas.openxmlformats.org/officeDocument/2006/relationships" xmlns:p="http://schemas.openxmlformats.org/presentationml/2006/main" matchingName="Title and two columns" type="twoColTx">
   <p:cSld name="TITLE_AND_TWO_COLUMNS">
     <p:spTree>
       <p:nvGrpSpPr>
-        <p:cNvPr id="22" name="Shape 22"/>
+        <p:cNvPr id="1" name="Shape 22"/>
         <p:cNvGrpSpPr/>
         <p:nvPr/>
       </p:nvGrpSpPr>
@@ -4658,7 +4809,9 @@
       <p:sp>
         <p:nvSpPr>
           <p:cNvPr id="23" name="Google Shape;23;p6"/>
-          <p:cNvSpPr txBox="1"/>
+          <p:cNvSpPr txBox="1">
+            <a:spLocks noGrp="1"/>
+          </p:cNvSpPr>
           <p:nvPr>
             <p:ph type="title"/>
           </p:nvPr>
@@ -4677,7 +4830,7 @@
           </a:ln>
         </p:spPr>
         <p:txBody>
-          <a:bodyPr anchorCtr="0" anchor="t" bIns="91425" lIns="91425" spcFirstLastPara="1" rIns="91425" wrap="square" tIns="91425">
+          <a:bodyPr spcFirstLastPara="1" wrap="square" lIns="91425" tIns="91425" rIns="91425" bIns="91425" anchor="t" anchorCtr="0">
             <a:noAutofit/>
           </a:bodyPr>
           <a:lstStyle>
@@ -4808,15 +4961,19 @@
               <a:defRPr/>
             </a:lvl9pPr>
           </a:lstStyle>
-          <a:p/>
+          <a:p>
+            <a:endParaRPr/>
+          </a:p>
         </p:txBody>
       </p:sp>
       <p:sp>
         <p:nvSpPr>
           <p:cNvPr id="24" name="Google Shape;24;p6"/>
-          <p:cNvSpPr txBox="1"/>
+          <p:cNvSpPr txBox="1">
+            <a:spLocks noGrp="1"/>
+          </p:cNvSpPr>
           <p:nvPr>
-            <p:ph idx="1" type="body"/>
+            <p:ph type="body" idx="1"/>
           </p:nvPr>
         </p:nvSpPr>
         <p:spPr>
@@ -4833,11 +4990,11 @@
           </a:ln>
         </p:spPr>
         <p:txBody>
-          <a:bodyPr anchorCtr="0" anchor="t" bIns="91425" lIns="91425" spcFirstLastPara="1" rIns="91425" wrap="square" tIns="91425">
+          <a:bodyPr spcFirstLastPara="1" wrap="square" lIns="91425" tIns="91425" rIns="91425" bIns="91425" anchor="t" anchorCtr="0">
             <a:noAutofit/>
           </a:bodyPr>
           <a:lstStyle>
-            <a:lvl1pPr indent="-317500" lvl="0" marL="457200" algn="l">
+            <a:lvl1pPr marL="457200" lvl="0" indent="-317500" algn="l">
               <a:lnSpc>
                 <a:spcPct val="115000"/>
               </a:lnSpc>
@@ -4851,7 +5008,7 @@
               <a:buChar char="●"/>
               <a:defRPr sz="1400"/>
             </a:lvl1pPr>
-            <a:lvl2pPr indent="-304800" lvl="1" marL="914400" algn="l">
+            <a:lvl2pPr marL="914400" lvl="1" indent="-304800" algn="l">
               <a:lnSpc>
                 <a:spcPct val="115000"/>
               </a:lnSpc>
@@ -4865,7 +5022,7 @@
               <a:buChar char="○"/>
               <a:defRPr sz="1200"/>
             </a:lvl2pPr>
-            <a:lvl3pPr indent="-304800" lvl="2" marL="1371600" algn="l">
+            <a:lvl3pPr marL="1371600" lvl="2" indent="-304800" algn="l">
               <a:lnSpc>
                 <a:spcPct val="115000"/>
               </a:lnSpc>
@@ -4879,7 +5036,7 @@
               <a:buChar char="■"/>
               <a:defRPr sz="1200"/>
             </a:lvl3pPr>
-            <a:lvl4pPr indent="-304800" lvl="3" marL="1828800" algn="l">
+            <a:lvl4pPr marL="1828800" lvl="3" indent="-304800" algn="l">
               <a:lnSpc>
                 <a:spcPct val="115000"/>
               </a:lnSpc>
@@ -4893,7 +5050,7 @@
               <a:buChar char="●"/>
               <a:defRPr sz="1200"/>
             </a:lvl4pPr>
-            <a:lvl5pPr indent="-304800" lvl="4" marL="2286000" algn="l">
+            <a:lvl5pPr marL="2286000" lvl="4" indent="-304800" algn="l">
               <a:lnSpc>
                 <a:spcPct val="115000"/>
               </a:lnSpc>
@@ -4907,7 +5064,7 @@
               <a:buChar char="○"/>
               <a:defRPr sz="1200"/>
             </a:lvl5pPr>
-            <a:lvl6pPr indent="-304800" lvl="5" marL="2743200" algn="l">
+            <a:lvl6pPr marL="2743200" lvl="5" indent="-304800" algn="l">
               <a:lnSpc>
                 <a:spcPct val="115000"/>
               </a:lnSpc>
@@ -4921,7 +5078,7 @@
               <a:buChar char="■"/>
               <a:defRPr sz="1200"/>
             </a:lvl6pPr>
-            <a:lvl7pPr indent="-304800" lvl="6" marL="3200400" algn="l">
+            <a:lvl7pPr marL="3200400" lvl="6" indent="-304800" algn="l">
               <a:lnSpc>
                 <a:spcPct val="115000"/>
               </a:lnSpc>
@@ -4935,7 +5092,7 @@
               <a:buChar char="●"/>
               <a:defRPr sz="1200"/>
             </a:lvl7pPr>
-            <a:lvl8pPr indent="-304800" lvl="7" marL="3657600" algn="l">
+            <a:lvl8pPr marL="3657600" lvl="7" indent="-304800" algn="l">
               <a:lnSpc>
                 <a:spcPct val="115000"/>
               </a:lnSpc>
@@ -4949,7 +5106,7 @@
               <a:buChar char="○"/>
               <a:defRPr sz="1200"/>
             </a:lvl8pPr>
-            <a:lvl9pPr indent="-304800" lvl="8" marL="4114800" algn="l">
+            <a:lvl9pPr marL="4114800" lvl="8" indent="-304800" algn="l">
               <a:lnSpc>
                 <a:spcPct val="115000"/>
               </a:lnSpc>
@@ -4964,15 +5121,19 @@
               <a:defRPr sz="1200"/>
             </a:lvl9pPr>
           </a:lstStyle>
-          <a:p/>
+          <a:p>
+            <a:endParaRPr/>
+          </a:p>
         </p:txBody>
       </p:sp>
       <p:sp>
         <p:nvSpPr>
           <p:cNvPr id="25" name="Google Shape;25;p6"/>
-          <p:cNvSpPr txBox="1"/>
+          <p:cNvSpPr txBox="1">
+            <a:spLocks noGrp="1"/>
+          </p:cNvSpPr>
           <p:nvPr>
-            <p:ph idx="2" type="body"/>
+            <p:ph type="body" idx="2"/>
           </p:nvPr>
         </p:nvSpPr>
         <p:spPr>
@@ -4989,11 +5150,11 @@
           </a:ln>
         </p:spPr>
         <p:txBody>
-          <a:bodyPr anchorCtr="0" anchor="t" bIns="91425" lIns="91425" spcFirstLastPara="1" rIns="91425" wrap="square" tIns="91425">
+          <a:bodyPr spcFirstLastPara="1" wrap="square" lIns="91425" tIns="91425" rIns="91425" bIns="91425" anchor="t" anchorCtr="0">
             <a:noAutofit/>
           </a:bodyPr>
           <a:lstStyle>
-            <a:lvl1pPr indent="-317500" lvl="0" marL="457200" algn="l">
+            <a:lvl1pPr marL="457200" lvl="0" indent="-317500" algn="l">
               <a:lnSpc>
                 <a:spcPct val="115000"/>
               </a:lnSpc>
@@ -5007,7 +5168,7 @@
               <a:buChar char="●"/>
               <a:defRPr sz="1400"/>
             </a:lvl1pPr>
-            <a:lvl2pPr indent="-304800" lvl="1" marL="914400" algn="l">
+            <a:lvl2pPr marL="914400" lvl="1" indent="-304800" algn="l">
               <a:lnSpc>
                 <a:spcPct val="115000"/>
               </a:lnSpc>
@@ -5021,7 +5182,7 @@
               <a:buChar char="○"/>
               <a:defRPr sz="1200"/>
             </a:lvl2pPr>
-            <a:lvl3pPr indent="-304800" lvl="2" marL="1371600" algn="l">
+            <a:lvl3pPr marL="1371600" lvl="2" indent="-304800" algn="l">
               <a:lnSpc>
                 <a:spcPct val="115000"/>
               </a:lnSpc>
@@ -5035,7 +5196,7 @@
               <a:buChar char="■"/>
               <a:defRPr sz="1200"/>
             </a:lvl3pPr>
-            <a:lvl4pPr indent="-304800" lvl="3" marL="1828800" algn="l">
+            <a:lvl4pPr marL="1828800" lvl="3" indent="-304800" algn="l">
               <a:lnSpc>
                 <a:spcPct val="115000"/>
               </a:lnSpc>
@@ -5049,7 +5210,7 @@
               <a:buChar char="●"/>
               <a:defRPr sz="1200"/>
             </a:lvl4pPr>
-            <a:lvl5pPr indent="-304800" lvl="4" marL="2286000" algn="l">
+            <a:lvl5pPr marL="2286000" lvl="4" indent="-304800" algn="l">
               <a:lnSpc>
                 <a:spcPct val="115000"/>
               </a:lnSpc>
@@ -5063,7 +5224,7 @@
               <a:buChar char="○"/>
               <a:defRPr sz="1200"/>
             </a:lvl5pPr>
-            <a:lvl6pPr indent="-304800" lvl="5" marL="2743200" algn="l">
+            <a:lvl6pPr marL="2743200" lvl="5" indent="-304800" algn="l">
               <a:lnSpc>
                 <a:spcPct val="115000"/>
               </a:lnSpc>
@@ -5077,7 +5238,7 @@
               <a:buChar char="■"/>
               <a:defRPr sz="1200"/>
             </a:lvl6pPr>
-            <a:lvl7pPr indent="-304800" lvl="6" marL="3200400" algn="l">
+            <a:lvl7pPr marL="3200400" lvl="6" indent="-304800" algn="l">
               <a:lnSpc>
                 <a:spcPct val="115000"/>
               </a:lnSpc>
@@ -5091,7 +5252,7 @@
               <a:buChar char="●"/>
               <a:defRPr sz="1200"/>
             </a:lvl7pPr>
-            <a:lvl8pPr indent="-304800" lvl="7" marL="3657600" algn="l">
+            <a:lvl8pPr marL="3657600" lvl="7" indent="-304800" algn="l">
               <a:lnSpc>
                 <a:spcPct val="115000"/>
               </a:lnSpc>
@@ -5105,7 +5266,7 @@
               <a:buChar char="○"/>
               <a:defRPr sz="1200"/>
             </a:lvl8pPr>
-            <a:lvl9pPr indent="-304800" lvl="8" marL="4114800" algn="l">
+            <a:lvl9pPr marL="4114800" lvl="8" indent="-304800" algn="l">
               <a:lnSpc>
                 <a:spcPct val="115000"/>
               </a:lnSpc>
@@ -5120,15 +5281,19 @@
               <a:defRPr sz="1200"/>
             </a:lvl9pPr>
           </a:lstStyle>
-          <a:p/>
+          <a:p>
+            <a:endParaRPr/>
+          </a:p>
         </p:txBody>
       </p:sp>
       <p:sp>
         <p:nvSpPr>
           <p:cNvPr id="26" name="Google Shape;26;p6"/>
-          <p:cNvSpPr txBox="1"/>
+          <p:cNvSpPr txBox="1">
+            <a:spLocks noGrp="1"/>
+          </p:cNvSpPr>
           <p:nvPr>
-            <p:ph idx="12" type="sldNum"/>
+            <p:ph type="sldNum" idx="12"/>
           </p:nvPr>
         </p:nvSpPr>
         <p:spPr>
@@ -5145,11 +5310,11 @@
           </a:ln>
         </p:spPr>
         <p:txBody>
-          <a:bodyPr anchorCtr="0" anchor="ctr" bIns="91425" lIns="91425" spcFirstLastPara="1" rIns="91425" wrap="square" tIns="91425">
+          <a:bodyPr spcFirstLastPara="1" wrap="square" lIns="91425" tIns="91425" rIns="91425" bIns="91425" anchor="ctr" anchorCtr="0">
             <a:noAutofit/>
           </a:bodyPr>
           <a:lstStyle>
-            <a:lvl1pPr indent="0" lvl="0" marL="0" marR="0" algn="r">
+            <a:lvl1pPr marL="0" marR="0" lvl="0" indent="0" algn="r">
               <a:lnSpc>
                 <a:spcPct val="100000"/>
               </a:lnSpc>
@@ -5165,7 +5330,7 @@
               <a:buSzPts val="1000"/>
               <a:buFont typeface="Arial"/>
               <a:buNone/>
-              <a:defRPr b="0" i="0" sz="1000" u="none" cap="none" strike="noStrike">
+              <a:defRPr sz="1000" b="0" i="0" u="none" strike="noStrike" cap="none">
                 <a:solidFill>
                   <a:schemeClr val="dk2"/>
                 </a:solidFill>
@@ -5175,7 +5340,7 @@
                 <a:sym typeface="Arial"/>
               </a:defRPr>
             </a:lvl1pPr>
-            <a:lvl2pPr indent="0" lvl="1" marL="0" marR="0" algn="r">
+            <a:lvl2pPr marL="0" marR="0" lvl="1" indent="0" algn="r">
               <a:lnSpc>
                 <a:spcPct val="100000"/>
               </a:lnSpc>
@@ -5191,7 +5356,7 @@
               <a:buSzPts val="1000"/>
               <a:buFont typeface="Arial"/>
               <a:buNone/>
-              <a:defRPr b="0" i="0" sz="1000" u="none" cap="none" strike="noStrike">
+              <a:defRPr sz="1000" b="0" i="0" u="none" strike="noStrike" cap="none">
                 <a:solidFill>
                   <a:schemeClr val="dk2"/>
                 </a:solidFill>
@@ -5201,7 +5366,7 @@
                 <a:sym typeface="Arial"/>
               </a:defRPr>
             </a:lvl2pPr>
-            <a:lvl3pPr indent="0" lvl="2" marL="0" marR="0" algn="r">
+            <a:lvl3pPr marL="0" marR="0" lvl="2" indent="0" algn="r">
               <a:lnSpc>
                 <a:spcPct val="100000"/>
               </a:lnSpc>
@@ -5217,7 +5382,7 @@
               <a:buSzPts val="1000"/>
               <a:buFont typeface="Arial"/>
               <a:buNone/>
-              <a:defRPr b="0" i="0" sz="1000" u="none" cap="none" strike="noStrike">
+              <a:defRPr sz="1000" b="0" i="0" u="none" strike="noStrike" cap="none">
                 <a:solidFill>
                   <a:schemeClr val="dk2"/>
                 </a:solidFill>
@@ -5227,7 +5392,7 @@
                 <a:sym typeface="Arial"/>
               </a:defRPr>
             </a:lvl3pPr>
-            <a:lvl4pPr indent="0" lvl="3" marL="0" marR="0" algn="r">
+            <a:lvl4pPr marL="0" marR="0" lvl="3" indent="0" algn="r">
               <a:lnSpc>
                 <a:spcPct val="100000"/>
               </a:lnSpc>
@@ -5243,7 +5408,7 @@
               <a:buSzPts val="1000"/>
               <a:buFont typeface="Arial"/>
               <a:buNone/>
-              <a:defRPr b="0" i="0" sz="1000" u="none" cap="none" strike="noStrike">
+              <a:defRPr sz="1000" b="0" i="0" u="none" strike="noStrike" cap="none">
                 <a:solidFill>
                   <a:schemeClr val="dk2"/>
                 </a:solidFill>
@@ -5253,7 +5418,7 @@
                 <a:sym typeface="Arial"/>
               </a:defRPr>
             </a:lvl4pPr>
-            <a:lvl5pPr indent="0" lvl="4" marL="0" marR="0" algn="r">
+            <a:lvl5pPr marL="0" marR="0" lvl="4" indent="0" algn="r">
               <a:lnSpc>
                 <a:spcPct val="100000"/>
               </a:lnSpc>
@@ -5269,7 +5434,7 @@
               <a:buSzPts val="1000"/>
               <a:buFont typeface="Arial"/>
               <a:buNone/>
-              <a:defRPr b="0" i="0" sz="1000" u="none" cap="none" strike="noStrike">
+              <a:defRPr sz="1000" b="0" i="0" u="none" strike="noStrike" cap="none">
                 <a:solidFill>
                   <a:schemeClr val="dk2"/>
                 </a:solidFill>
@@ -5279,7 +5444,7 @@
                 <a:sym typeface="Arial"/>
               </a:defRPr>
             </a:lvl5pPr>
-            <a:lvl6pPr indent="0" lvl="5" marL="0" marR="0" algn="r">
+            <a:lvl6pPr marL="0" marR="0" lvl="5" indent="0" algn="r">
               <a:lnSpc>
                 <a:spcPct val="100000"/>
               </a:lnSpc>
@@ -5295,7 +5460,7 @@
               <a:buSzPts val="1000"/>
               <a:buFont typeface="Arial"/>
               <a:buNone/>
-              <a:defRPr b="0" i="0" sz="1000" u="none" cap="none" strike="noStrike">
+              <a:defRPr sz="1000" b="0" i="0" u="none" strike="noStrike" cap="none">
                 <a:solidFill>
                   <a:schemeClr val="dk2"/>
                 </a:solidFill>
@@ -5305,7 +5470,7 @@
                 <a:sym typeface="Arial"/>
               </a:defRPr>
             </a:lvl6pPr>
-            <a:lvl7pPr indent="0" lvl="6" marL="0" marR="0" algn="r">
+            <a:lvl7pPr marL="0" marR="0" lvl="6" indent="0" algn="r">
               <a:lnSpc>
                 <a:spcPct val="100000"/>
               </a:lnSpc>
@@ -5321,7 +5486,7 @@
               <a:buSzPts val="1000"/>
               <a:buFont typeface="Arial"/>
               <a:buNone/>
-              <a:defRPr b="0" i="0" sz="1000" u="none" cap="none" strike="noStrike">
+              <a:defRPr sz="1000" b="0" i="0" u="none" strike="noStrike" cap="none">
                 <a:solidFill>
                   <a:schemeClr val="dk2"/>
                 </a:solidFill>
@@ -5331,7 +5496,7 @@
                 <a:sym typeface="Arial"/>
               </a:defRPr>
             </a:lvl7pPr>
-            <a:lvl8pPr indent="0" lvl="7" marL="0" marR="0" algn="r">
+            <a:lvl8pPr marL="0" marR="0" lvl="7" indent="0" algn="r">
               <a:lnSpc>
                 <a:spcPct val="100000"/>
               </a:lnSpc>
@@ -5347,7 +5512,7 @@
               <a:buSzPts val="1000"/>
               <a:buFont typeface="Arial"/>
               <a:buNone/>
-              <a:defRPr b="0" i="0" sz="1000" u="none" cap="none" strike="noStrike">
+              <a:defRPr sz="1000" b="0" i="0" u="none" strike="noStrike" cap="none">
                 <a:solidFill>
                   <a:schemeClr val="dk2"/>
                 </a:solidFill>
@@ -5357,7 +5522,7 @@
                 <a:sym typeface="Arial"/>
               </a:defRPr>
             </a:lvl8pPr>
-            <a:lvl9pPr indent="0" lvl="8" marL="0" marR="0" algn="r">
+            <a:lvl9pPr marL="0" marR="0" lvl="8" indent="0" algn="r">
               <a:lnSpc>
                 <a:spcPct val="100000"/>
               </a:lnSpc>
@@ -5373,7 +5538,7 @@
               <a:buSzPts val="1000"/>
               <a:buFont typeface="Arial"/>
               <a:buNone/>
-              <a:defRPr b="0" i="0" sz="1000" u="none" cap="none" strike="noStrike">
+              <a:defRPr sz="1000" b="0" i="0" u="none" strike="noStrike" cap="none">
                 <a:solidFill>
                   <a:schemeClr val="dk2"/>
                 </a:solidFill>
@@ -5385,7 +5550,7 @@
             </a:lvl9pPr>
           </a:lstStyle>
           <a:p>
-            <a:pPr indent="0" lvl="0" marL="0" rtl="0" algn="r">
+            <a:pPr marL="0" lvl="0" indent="0" algn="r" rtl="0">
               <a:spcBef>
                 <a:spcPts val="0"/>
               </a:spcBef>
@@ -5396,6 +5561,15 @@
             </a:pPr>
             <a:fld id="{00000000-1234-1234-1234-123412341234}" type="slidenum">
               <a:rPr lang="en"/>
+              <a:pPr marL="0" lvl="0" indent="0" algn="r" rtl="0">
+                <a:spcBef>
+                  <a:spcPts val="0"/>
+                </a:spcBef>
+                <a:spcAft>
+                  <a:spcPts val="0"/>
+                </a:spcAft>
+                <a:buNone/>
+              </a:pPr>
               <a:t>‹#›</a:t>
             </a:fld>
             <a:endParaRPr/>
@@ -5411,11 +5585,11 @@
 </file>
 
 <file path=ppt/slideLayouts/slideLayout6.xml><?xml version="1.0" encoding="utf-8"?>
-<p:sldLayout xmlns:a="http://schemas.openxmlformats.org/drawingml/2006/main" xmlns:r="http://schemas.openxmlformats.org/officeDocument/2006/relationships" xmlns:mc="http://schemas.openxmlformats.org/markup-compatibility/2006" xmlns:mv="urn:schemas-microsoft-com:mac:vml" xmlns:p="http://schemas.openxmlformats.org/presentationml/2006/main" xmlns:c="http://schemas.openxmlformats.org/drawingml/2006/chart" xmlns:dgm="http://schemas.openxmlformats.org/drawingml/2006/diagram" xmlns:o="urn:schemas-microsoft-com:office:office" xmlns:v="urn:schemas-microsoft-com:vml" xmlns:pvml="urn:schemas-microsoft-com:office:powerpoint" xmlns:com="http://schemas.openxmlformats.org/drawingml/2006/compatibility" xmlns:p14="http://schemas.microsoft.com/office/powerpoint/2010/main" xmlns:p15="http://schemas.microsoft.com/office/powerpoint/2012/main" xmlns:ahyp="http://schemas.microsoft.com/office/drawing/2018/hyperlinkcolor" matchingName="Title only" type="titleOnly">
+<p:sldLayout xmlns:a="http://schemas.openxmlformats.org/drawingml/2006/main" xmlns:r="http://schemas.openxmlformats.org/officeDocument/2006/relationships" xmlns:p="http://schemas.openxmlformats.org/presentationml/2006/main" matchingName="Title only" type="titleOnly">
   <p:cSld name="TITLE_ONLY">
     <p:spTree>
       <p:nvGrpSpPr>
-        <p:cNvPr id="27" name="Shape 27"/>
+        <p:cNvPr id="1" name="Shape 27"/>
         <p:cNvGrpSpPr/>
         <p:nvPr/>
       </p:nvGrpSpPr>
@@ -5430,7 +5604,9 @@
       <p:sp>
         <p:nvSpPr>
           <p:cNvPr id="28" name="Google Shape;28;p7"/>
-          <p:cNvSpPr txBox="1"/>
+          <p:cNvSpPr txBox="1">
+            <a:spLocks noGrp="1"/>
+          </p:cNvSpPr>
           <p:nvPr>
             <p:ph type="title"/>
           </p:nvPr>
@@ -5449,7 +5625,7 @@
           </a:ln>
         </p:spPr>
         <p:txBody>
-          <a:bodyPr anchorCtr="0" anchor="t" bIns="91425" lIns="91425" spcFirstLastPara="1" rIns="91425" wrap="square" tIns="91425">
+          <a:bodyPr spcFirstLastPara="1" wrap="square" lIns="91425" tIns="91425" rIns="91425" bIns="91425" anchor="t" anchorCtr="0">
             <a:noAutofit/>
           </a:bodyPr>
           <a:lstStyle>
@@ -5580,15 +5756,19 @@
               <a:defRPr/>
             </a:lvl9pPr>
           </a:lstStyle>
-          <a:p/>
+          <a:p>
+            <a:endParaRPr/>
+          </a:p>
         </p:txBody>
       </p:sp>
       <p:sp>
         <p:nvSpPr>
           <p:cNvPr id="29" name="Google Shape;29;p7"/>
-          <p:cNvSpPr txBox="1"/>
+          <p:cNvSpPr txBox="1">
+            <a:spLocks noGrp="1"/>
+          </p:cNvSpPr>
           <p:nvPr>
-            <p:ph idx="12" type="sldNum"/>
+            <p:ph type="sldNum" idx="12"/>
           </p:nvPr>
         </p:nvSpPr>
         <p:spPr>
@@ -5605,11 +5785,11 @@
           </a:ln>
         </p:spPr>
         <p:txBody>
-          <a:bodyPr anchorCtr="0" anchor="ctr" bIns="91425" lIns="91425" spcFirstLastPara="1" rIns="91425" wrap="square" tIns="91425">
+          <a:bodyPr spcFirstLastPara="1" wrap="square" lIns="91425" tIns="91425" rIns="91425" bIns="91425" anchor="ctr" anchorCtr="0">
             <a:noAutofit/>
           </a:bodyPr>
           <a:lstStyle>
-            <a:lvl1pPr indent="0" lvl="0" marL="0" marR="0" algn="r">
+            <a:lvl1pPr marL="0" marR="0" lvl="0" indent="0" algn="r">
               <a:lnSpc>
                 <a:spcPct val="100000"/>
               </a:lnSpc>
@@ -5625,7 +5805,7 @@
               <a:buSzPts val="1000"/>
               <a:buFont typeface="Arial"/>
               <a:buNone/>
-              <a:defRPr b="0" i="0" sz="1000" u="none" cap="none" strike="noStrike">
+              <a:defRPr sz="1000" b="0" i="0" u="none" strike="noStrike" cap="none">
                 <a:solidFill>
                   <a:schemeClr val="dk2"/>
                 </a:solidFill>
@@ -5635,7 +5815,7 @@
                 <a:sym typeface="Arial"/>
               </a:defRPr>
             </a:lvl1pPr>
-            <a:lvl2pPr indent="0" lvl="1" marL="0" marR="0" algn="r">
+            <a:lvl2pPr marL="0" marR="0" lvl="1" indent="0" algn="r">
               <a:lnSpc>
                 <a:spcPct val="100000"/>
               </a:lnSpc>
@@ -5651,7 +5831,7 @@
               <a:buSzPts val="1000"/>
               <a:buFont typeface="Arial"/>
               <a:buNone/>
-              <a:defRPr b="0" i="0" sz="1000" u="none" cap="none" strike="noStrike">
+              <a:defRPr sz="1000" b="0" i="0" u="none" strike="noStrike" cap="none">
                 <a:solidFill>
                   <a:schemeClr val="dk2"/>
                 </a:solidFill>
@@ -5661,7 +5841,7 @@
                 <a:sym typeface="Arial"/>
               </a:defRPr>
             </a:lvl2pPr>
-            <a:lvl3pPr indent="0" lvl="2" marL="0" marR="0" algn="r">
+            <a:lvl3pPr marL="0" marR="0" lvl="2" indent="0" algn="r">
               <a:lnSpc>
                 <a:spcPct val="100000"/>
               </a:lnSpc>
@@ -5677,7 +5857,7 @@
               <a:buSzPts val="1000"/>
               <a:buFont typeface="Arial"/>
               <a:buNone/>
-              <a:defRPr b="0" i="0" sz="1000" u="none" cap="none" strike="noStrike">
+              <a:defRPr sz="1000" b="0" i="0" u="none" strike="noStrike" cap="none">
                 <a:solidFill>
                   <a:schemeClr val="dk2"/>
                 </a:solidFill>
@@ -5687,7 +5867,7 @@
                 <a:sym typeface="Arial"/>
               </a:defRPr>
             </a:lvl3pPr>
-            <a:lvl4pPr indent="0" lvl="3" marL="0" marR="0" algn="r">
+            <a:lvl4pPr marL="0" marR="0" lvl="3" indent="0" algn="r">
               <a:lnSpc>
                 <a:spcPct val="100000"/>
               </a:lnSpc>
@@ -5703,7 +5883,7 @@
               <a:buSzPts val="1000"/>
               <a:buFont typeface="Arial"/>
               <a:buNone/>
-              <a:defRPr b="0" i="0" sz="1000" u="none" cap="none" strike="noStrike">
+              <a:defRPr sz="1000" b="0" i="0" u="none" strike="noStrike" cap="none">
                 <a:solidFill>
                   <a:schemeClr val="dk2"/>
                 </a:solidFill>
@@ -5713,7 +5893,7 @@
                 <a:sym typeface="Arial"/>
               </a:defRPr>
             </a:lvl4pPr>
-            <a:lvl5pPr indent="0" lvl="4" marL="0" marR="0" algn="r">
+            <a:lvl5pPr marL="0" marR="0" lvl="4" indent="0" algn="r">
               <a:lnSpc>
                 <a:spcPct val="100000"/>
               </a:lnSpc>
@@ -5729,7 +5909,7 @@
               <a:buSzPts val="1000"/>
               <a:buFont typeface="Arial"/>
               <a:buNone/>
-              <a:defRPr b="0" i="0" sz="1000" u="none" cap="none" strike="noStrike">
+              <a:defRPr sz="1000" b="0" i="0" u="none" strike="noStrike" cap="none">
                 <a:solidFill>
                   <a:schemeClr val="dk2"/>
                 </a:solidFill>
@@ -5739,7 +5919,7 @@
                 <a:sym typeface="Arial"/>
               </a:defRPr>
             </a:lvl5pPr>
-            <a:lvl6pPr indent="0" lvl="5" marL="0" marR="0" algn="r">
+            <a:lvl6pPr marL="0" marR="0" lvl="5" indent="0" algn="r">
               <a:lnSpc>
                 <a:spcPct val="100000"/>
               </a:lnSpc>
@@ -5755,7 +5935,7 @@
               <a:buSzPts val="1000"/>
               <a:buFont typeface="Arial"/>
               <a:buNone/>
-              <a:defRPr b="0" i="0" sz="1000" u="none" cap="none" strike="noStrike">
+              <a:defRPr sz="1000" b="0" i="0" u="none" strike="noStrike" cap="none">
                 <a:solidFill>
                   <a:schemeClr val="dk2"/>
                 </a:solidFill>
@@ -5765,7 +5945,7 @@
                 <a:sym typeface="Arial"/>
               </a:defRPr>
             </a:lvl6pPr>
-            <a:lvl7pPr indent="0" lvl="6" marL="0" marR="0" algn="r">
+            <a:lvl7pPr marL="0" marR="0" lvl="6" indent="0" algn="r">
               <a:lnSpc>
                 <a:spcPct val="100000"/>
               </a:lnSpc>
@@ -5781,7 +5961,7 @@
               <a:buSzPts val="1000"/>
               <a:buFont typeface="Arial"/>
               <a:buNone/>
-              <a:defRPr b="0" i="0" sz="1000" u="none" cap="none" strike="noStrike">
+              <a:defRPr sz="1000" b="0" i="0" u="none" strike="noStrike" cap="none">
                 <a:solidFill>
                   <a:schemeClr val="dk2"/>
                 </a:solidFill>
@@ -5791,7 +5971,7 @@
                 <a:sym typeface="Arial"/>
               </a:defRPr>
             </a:lvl7pPr>
-            <a:lvl8pPr indent="0" lvl="7" marL="0" marR="0" algn="r">
+            <a:lvl8pPr marL="0" marR="0" lvl="7" indent="0" algn="r">
               <a:lnSpc>
                 <a:spcPct val="100000"/>
               </a:lnSpc>
@@ -5807,7 +5987,7 @@
               <a:buSzPts val="1000"/>
               <a:buFont typeface="Arial"/>
               <a:buNone/>
-              <a:defRPr b="0" i="0" sz="1000" u="none" cap="none" strike="noStrike">
+              <a:defRPr sz="1000" b="0" i="0" u="none" strike="noStrike" cap="none">
                 <a:solidFill>
                   <a:schemeClr val="dk2"/>
                 </a:solidFill>
@@ -5817,7 +5997,7 @@
                 <a:sym typeface="Arial"/>
               </a:defRPr>
             </a:lvl8pPr>
-            <a:lvl9pPr indent="0" lvl="8" marL="0" marR="0" algn="r">
+            <a:lvl9pPr marL="0" marR="0" lvl="8" indent="0" algn="r">
               <a:lnSpc>
                 <a:spcPct val="100000"/>
               </a:lnSpc>
@@ -5833,7 +6013,7 @@
               <a:buSzPts val="1000"/>
               <a:buFont typeface="Arial"/>
               <a:buNone/>
-              <a:defRPr b="0" i="0" sz="1000" u="none" cap="none" strike="noStrike">
+              <a:defRPr sz="1000" b="0" i="0" u="none" strike="noStrike" cap="none">
                 <a:solidFill>
                   <a:schemeClr val="dk2"/>
                 </a:solidFill>
@@ -5845,7 +6025,7 @@
             </a:lvl9pPr>
           </a:lstStyle>
           <a:p>
-            <a:pPr indent="0" lvl="0" marL="0" rtl="0" algn="r">
+            <a:pPr marL="0" lvl="0" indent="0" algn="r" rtl="0">
               <a:spcBef>
                 <a:spcPts val="0"/>
               </a:spcBef>
@@ -5856,6 +6036,15 @@
             </a:pPr>
             <a:fld id="{00000000-1234-1234-1234-123412341234}" type="slidenum">
               <a:rPr lang="en"/>
+              <a:pPr marL="0" lvl="0" indent="0" algn="r" rtl="0">
+                <a:spcBef>
+                  <a:spcPts val="0"/>
+                </a:spcBef>
+                <a:spcAft>
+                  <a:spcPts val="0"/>
+                </a:spcAft>
+                <a:buNone/>
+              </a:pPr>
               <a:t>‹#›</a:t>
             </a:fld>
             <a:endParaRPr/>
@@ -5871,11 +6060,11 @@
 </file>
 
 <file path=ppt/slideLayouts/slideLayout7.xml><?xml version="1.0" encoding="utf-8"?>
-<p:sldLayout xmlns:a="http://schemas.openxmlformats.org/drawingml/2006/main" xmlns:r="http://schemas.openxmlformats.org/officeDocument/2006/relationships" xmlns:mc="http://schemas.openxmlformats.org/markup-compatibility/2006" xmlns:mv="urn:schemas-microsoft-com:mac:vml" xmlns:p="http://schemas.openxmlformats.org/presentationml/2006/main" xmlns:c="http://schemas.openxmlformats.org/drawingml/2006/chart" xmlns:dgm="http://schemas.openxmlformats.org/drawingml/2006/diagram" xmlns:o="urn:schemas-microsoft-com:office:office" xmlns:v="urn:schemas-microsoft-com:vml" xmlns:pvml="urn:schemas-microsoft-com:office:powerpoint" xmlns:com="http://schemas.openxmlformats.org/drawingml/2006/compatibility" xmlns:p14="http://schemas.microsoft.com/office/powerpoint/2010/main" xmlns:p15="http://schemas.microsoft.com/office/powerpoint/2012/main" xmlns:ahyp="http://schemas.microsoft.com/office/drawing/2018/hyperlinkcolor" matchingName="One column text">
+<p:sldLayout xmlns:a="http://schemas.openxmlformats.org/drawingml/2006/main" xmlns:r="http://schemas.openxmlformats.org/officeDocument/2006/relationships" xmlns:p="http://schemas.openxmlformats.org/presentationml/2006/main" matchingName="One column text">
   <p:cSld name="ONE_COLUMN_TEXT">
     <p:spTree>
       <p:nvGrpSpPr>
-        <p:cNvPr id="30" name="Shape 30"/>
+        <p:cNvPr id="1" name="Shape 30"/>
         <p:cNvGrpSpPr/>
         <p:nvPr/>
       </p:nvGrpSpPr>
@@ -5890,7 +6079,9 @@
       <p:sp>
         <p:nvSpPr>
           <p:cNvPr id="31" name="Google Shape;31;p8"/>
-          <p:cNvSpPr txBox="1"/>
+          <p:cNvSpPr txBox="1">
+            <a:spLocks noGrp="1"/>
+          </p:cNvSpPr>
           <p:nvPr>
             <p:ph type="title"/>
           </p:nvPr>
@@ -5909,7 +6100,7 @@
           </a:ln>
         </p:spPr>
         <p:txBody>
-          <a:bodyPr anchorCtr="0" anchor="b" bIns="91425" lIns="91425" spcFirstLastPara="1" rIns="91425" wrap="square" tIns="91425">
+          <a:bodyPr spcFirstLastPara="1" wrap="square" lIns="91425" tIns="91425" rIns="91425" bIns="91425" anchor="b" anchorCtr="0">
             <a:noAutofit/>
           </a:bodyPr>
           <a:lstStyle>
@@ -6040,15 +6231,19 @@
               <a:defRPr sz="2400"/>
             </a:lvl9pPr>
           </a:lstStyle>
-          <a:p/>
+          <a:p>
+            <a:endParaRPr/>
+          </a:p>
         </p:txBody>
       </p:sp>
       <p:sp>
         <p:nvSpPr>
           <p:cNvPr id="32" name="Google Shape;32;p8"/>
-          <p:cNvSpPr txBox="1"/>
+          <p:cNvSpPr txBox="1">
+            <a:spLocks noGrp="1"/>
+          </p:cNvSpPr>
           <p:nvPr>
-            <p:ph idx="1" type="body"/>
+            <p:ph type="body" idx="1"/>
           </p:nvPr>
         </p:nvSpPr>
         <p:spPr>
@@ -6065,11 +6260,11 @@
           </a:ln>
         </p:spPr>
         <p:txBody>
-          <a:bodyPr anchorCtr="0" anchor="t" bIns="91425" lIns="91425" spcFirstLastPara="1" rIns="91425" wrap="square" tIns="91425">
+          <a:bodyPr spcFirstLastPara="1" wrap="square" lIns="91425" tIns="91425" rIns="91425" bIns="91425" anchor="t" anchorCtr="0">
             <a:noAutofit/>
           </a:bodyPr>
           <a:lstStyle>
-            <a:lvl1pPr indent="-304800" lvl="0" marL="457200" algn="l">
+            <a:lvl1pPr marL="457200" lvl="0" indent="-304800" algn="l">
               <a:lnSpc>
                 <a:spcPct val="115000"/>
               </a:lnSpc>
@@ -6083,7 +6278,7 @@
               <a:buChar char="●"/>
               <a:defRPr sz="1200"/>
             </a:lvl1pPr>
-            <a:lvl2pPr indent="-304800" lvl="1" marL="914400" algn="l">
+            <a:lvl2pPr marL="914400" lvl="1" indent="-304800" algn="l">
               <a:lnSpc>
                 <a:spcPct val="115000"/>
               </a:lnSpc>
@@ -6097,7 +6292,7 @@
               <a:buChar char="○"/>
               <a:defRPr sz="1200"/>
             </a:lvl2pPr>
-            <a:lvl3pPr indent="-304800" lvl="2" marL="1371600" algn="l">
+            <a:lvl3pPr marL="1371600" lvl="2" indent="-304800" algn="l">
               <a:lnSpc>
                 <a:spcPct val="115000"/>
               </a:lnSpc>
@@ -6111,7 +6306,7 @@
               <a:buChar char="■"/>
               <a:defRPr sz="1200"/>
             </a:lvl3pPr>
-            <a:lvl4pPr indent="-304800" lvl="3" marL="1828800" algn="l">
+            <a:lvl4pPr marL="1828800" lvl="3" indent="-304800" algn="l">
               <a:lnSpc>
                 <a:spcPct val="115000"/>
               </a:lnSpc>
@@ -6125,7 +6320,7 @@
               <a:buChar char="●"/>
               <a:defRPr sz="1200"/>
             </a:lvl4pPr>
-            <a:lvl5pPr indent="-304800" lvl="4" marL="2286000" algn="l">
+            <a:lvl5pPr marL="2286000" lvl="4" indent="-304800" algn="l">
               <a:lnSpc>
                 <a:spcPct val="115000"/>
               </a:lnSpc>
@@ -6139,7 +6334,7 @@
               <a:buChar char="○"/>
               <a:defRPr sz="1200"/>
             </a:lvl5pPr>
-            <a:lvl6pPr indent="-304800" lvl="5" marL="2743200" algn="l">
+            <a:lvl6pPr marL="2743200" lvl="5" indent="-304800" algn="l">
               <a:lnSpc>
                 <a:spcPct val="115000"/>
               </a:lnSpc>
@@ -6153,7 +6348,7 @@
               <a:buChar char="■"/>
               <a:defRPr sz="1200"/>
             </a:lvl6pPr>
-            <a:lvl7pPr indent="-304800" lvl="6" marL="3200400" algn="l">
+            <a:lvl7pPr marL="3200400" lvl="6" indent="-304800" algn="l">
               <a:lnSpc>
                 <a:spcPct val="115000"/>
               </a:lnSpc>
@@ -6167,7 +6362,7 @@
               <a:buChar char="●"/>
               <a:defRPr sz="1200"/>
             </a:lvl7pPr>
-            <a:lvl8pPr indent="-304800" lvl="7" marL="3657600" algn="l">
+            <a:lvl8pPr marL="3657600" lvl="7" indent="-304800" algn="l">
               <a:lnSpc>
                 <a:spcPct val="115000"/>
               </a:lnSpc>
@@ -6181,7 +6376,7 @@
               <a:buChar char="○"/>
               <a:defRPr sz="1200"/>
             </a:lvl8pPr>
-            <a:lvl9pPr indent="-304800" lvl="8" marL="4114800" algn="l">
+            <a:lvl9pPr marL="4114800" lvl="8" indent="-304800" algn="l">
               <a:lnSpc>
                 <a:spcPct val="115000"/>
               </a:lnSpc>
@@ -6196,15 +6391,19 @@
               <a:defRPr sz="1200"/>
             </a:lvl9pPr>
           </a:lstStyle>
-          <a:p/>
+          <a:p>
+            <a:endParaRPr/>
+          </a:p>
         </p:txBody>
       </p:sp>
       <p:sp>
         <p:nvSpPr>
           <p:cNvPr id="33" name="Google Shape;33;p8"/>
-          <p:cNvSpPr txBox="1"/>
+          <p:cNvSpPr txBox="1">
+            <a:spLocks noGrp="1"/>
+          </p:cNvSpPr>
           <p:nvPr>
-            <p:ph idx="12" type="sldNum"/>
+            <p:ph type="sldNum" idx="12"/>
           </p:nvPr>
         </p:nvSpPr>
         <p:spPr>
@@ -6221,11 +6420,11 @@
           </a:ln>
         </p:spPr>
         <p:txBody>
-          <a:bodyPr anchorCtr="0" anchor="ctr" bIns="91425" lIns="91425" spcFirstLastPara="1" rIns="91425" wrap="square" tIns="91425">
+          <a:bodyPr spcFirstLastPara="1" wrap="square" lIns="91425" tIns="91425" rIns="91425" bIns="91425" anchor="ctr" anchorCtr="0">
             <a:noAutofit/>
           </a:bodyPr>
           <a:lstStyle>
-            <a:lvl1pPr indent="0" lvl="0" marL="0" marR="0" algn="r">
+            <a:lvl1pPr marL="0" marR="0" lvl="0" indent="0" algn="r">
               <a:lnSpc>
                 <a:spcPct val="100000"/>
               </a:lnSpc>
@@ -6241,7 +6440,7 @@
               <a:buSzPts val="1000"/>
               <a:buFont typeface="Arial"/>
               <a:buNone/>
-              <a:defRPr b="0" i="0" sz="1000" u="none" cap="none" strike="noStrike">
+              <a:defRPr sz="1000" b="0" i="0" u="none" strike="noStrike" cap="none">
                 <a:solidFill>
                   <a:schemeClr val="dk2"/>
                 </a:solidFill>
@@ -6251,7 +6450,7 @@
                 <a:sym typeface="Arial"/>
               </a:defRPr>
             </a:lvl1pPr>
-            <a:lvl2pPr indent="0" lvl="1" marL="0" marR="0" algn="r">
+            <a:lvl2pPr marL="0" marR="0" lvl="1" indent="0" algn="r">
               <a:lnSpc>
                 <a:spcPct val="100000"/>
               </a:lnSpc>
@@ -6267,7 +6466,7 @@
               <a:buSzPts val="1000"/>
               <a:buFont typeface="Arial"/>
               <a:buNone/>
-              <a:defRPr b="0" i="0" sz="1000" u="none" cap="none" strike="noStrike">
+              <a:defRPr sz="1000" b="0" i="0" u="none" strike="noStrike" cap="none">
                 <a:solidFill>
                   <a:schemeClr val="dk2"/>
                 </a:solidFill>
@@ -6277,7 +6476,7 @@
                 <a:sym typeface="Arial"/>
               </a:defRPr>
             </a:lvl2pPr>
-            <a:lvl3pPr indent="0" lvl="2" marL="0" marR="0" algn="r">
+            <a:lvl3pPr marL="0" marR="0" lvl="2" indent="0" algn="r">
               <a:lnSpc>
                 <a:spcPct val="100000"/>
               </a:lnSpc>
@@ -6293,7 +6492,7 @@
               <a:buSzPts val="1000"/>
               <a:buFont typeface="Arial"/>
               <a:buNone/>
-              <a:defRPr b="0" i="0" sz="1000" u="none" cap="none" strike="noStrike">
+              <a:defRPr sz="1000" b="0" i="0" u="none" strike="noStrike" cap="none">
                 <a:solidFill>
                   <a:schemeClr val="dk2"/>
                 </a:solidFill>
@@ -6303,7 +6502,7 @@
                 <a:sym typeface="Arial"/>
               </a:defRPr>
             </a:lvl3pPr>
-            <a:lvl4pPr indent="0" lvl="3" marL="0" marR="0" algn="r">
+            <a:lvl4pPr marL="0" marR="0" lvl="3" indent="0" algn="r">
               <a:lnSpc>
                 <a:spcPct val="100000"/>
               </a:lnSpc>
@@ -6319,7 +6518,7 @@
               <a:buSzPts val="1000"/>
               <a:buFont typeface="Arial"/>
               <a:buNone/>
-              <a:defRPr b="0" i="0" sz="1000" u="none" cap="none" strike="noStrike">
+              <a:defRPr sz="1000" b="0" i="0" u="none" strike="noStrike" cap="none">
                 <a:solidFill>
                   <a:schemeClr val="dk2"/>
                 </a:solidFill>
@@ -6329,7 +6528,7 @@
                 <a:sym typeface="Arial"/>
               </a:defRPr>
             </a:lvl4pPr>
-            <a:lvl5pPr indent="0" lvl="4" marL="0" marR="0" algn="r">
+            <a:lvl5pPr marL="0" marR="0" lvl="4" indent="0" algn="r">
               <a:lnSpc>
                 <a:spcPct val="100000"/>
               </a:lnSpc>
@@ -6345,7 +6544,7 @@
               <a:buSzPts val="1000"/>
               <a:buFont typeface="Arial"/>
               <a:buNone/>
-              <a:defRPr b="0" i="0" sz="1000" u="none" cap="none" strike="noStrike">
+              <a:defRPr sz="1000" b="0" i="0" u="none" strike="noStrike" cap="none">
                 <a:solidFill>
                   <a:schemeClr val="dk2"/>
                 </a:solidFill>
@@ -6355,7 +6554,7 @@
                 <a:sym typeface="Arial"/>
               </a:defRPr>
             </a:lvl5pPr>
-            <a:lvl6pPr indent="0" lvl="5" marL="0" marR="0" algn="r">
+            <a:lvl6pPr marL="0" marR="0" lvl="5" indent="0" algn="r">
               <a:lnSpc>
                 <a:spcPct val="100000"/>
               </a:lnSpc>
@@ -6371,7 +6570,7 @@
               <a:buSzPts val="1000"/>
               <a:buFont typeface="Arial"/>
               <a:buNone/>
-              <a:defRPr b="0" i="0" sz="1000" u="none" cap="none" strike="noStrike">
+              <a:defRPr sz="1000" b="0" i="0" u="none" strike="noStrike" cap="none">
                 <a:solidFill>
                   <a:schemeClr val="dk2"/>
                 </a:solidFill>
@@ -6381,7 +6580,7 @@
                 <a:sym typeface="Arial"/>
               </a:defRPr>
             </a:lvl6pPr>
-            <a:lvl7pPr indent="0" lvl="6" marL="0" marR="0" algn="r">
+            <a:lvl7pPr marL="0" marR="0" lvl="6" indent="0" algn="r">
               <a:lnSpc>
                 <a:spcPct val="100000"/>
               </a:lnSpc>
@@ -6397,7 +6596,7 @@
               <a:buSzPts val="1000"/>
               <a:buFont typeface="Arial"/>
               <a:buNone/>
-              <a:defRPr b="0" i="0" sz="1000" u="none" cap="none" strike="noStrike">
+              <a:defRPr sz="1000" b="0" i="0" u="none" strike="noStrike" cap="none">
                 <a:solidFill>
                   <a:schemeClr val="dk2"/>
                 </a:solidFill>
@@ -6407,7 +6606,7 @@
                 <a:sym typeface="Arial"/>
               </a:defRPr>
             </a:lvl7pPr>
-            <a:lvl8pPr indent="0" lvl="7" marL="0" marR="0" algn="r">
+            <a:lvl8pPr marL="0" marR="0" lvl="7" indent="0" algn="r">
               <a:lnSpc>
                 <a:spcPct val="100000"/>
               </a:lnSpc>
@@ -6423,7 +6622,7 @@
               <a:buSzPts val="1000"/>
               <a:buFont typeface="Arial"/>
               <a:buNone/>
-              <a:defRPr b="0" i="0" sz="1000" u="none" cap="none" strike="noStrike">
+              <a:defRPr sz="1000" b="0" i="0" u="none" strike="noStrike" cap="none">
                 <a:solidFill>
                   <a:schemeClr val="dk2"/>
                 </a:solidFill>
@@ -6433,7 +6632,7 @@
                 <a:sym typeface="Arial"/>
               </a:defRPr>
             </a:lvl8pPr>
-            <a:lvl9pPr indent="0" lvl="8" marL="0" marR="0" algn="r">
+            <a:lvl9pPr marL="0" marR="0" lvl="8" indent="0" algn="r">
               <a:lnSpc>
                 <a:spcPct val="100000"/>
               </a:lnSpc>
@@ -6449,7 +6648,7 @@
               <a:buSzPts val="1000"/>
               <a:buFont typeface="Arial"/>
               <a:buNone/>
-              <a:defRPr b="0" i="0" sz="1000" u="none" cap="none" strike="noStrike">
+              <a:defRPr sz="1000" b="0" i="0" u="none" strike="noStrike" cap="none">
                 <a:solidFill>
                   <a:schemeClr val="dk2"/>
                 </a:solidFill>
@@ -6461,7 +6660,7 @@
             </a:lvl9pPr>
           </a:lstStyle>
           <a:p>
-            <a:pPr indent="0" lvl="0" marL="0" rtl="0" algn="r">
+            <a:pPr marL="0" lvl="0" indent="0" algn="r" rtl="0">
               <a:spcBef>
                 <a:spcPts val="0"/>
               </a:spcBef>
@@ -6472,6 +6671,15 @@
             </a:pPr>
             <a:fld id="{00000000-1234-1234-1234-123412341234}" type="slidenum">
               <a:rPr lang="en"/>
+              <a:pPr marL="0" lvl="0" indent="0" algn="r" rtl="0">
+                <a:spcBef>
+                  <a:spcPts val="0"/>
+                </a:spcBef>
+                <a:spcAft>
+                  <a:spcPts val="0"/>
+                </a:spcAft>
+                <a:buNone/>
+              </a:pPr>
               <a:t>‹#›</a:t>
             </a:fld>
             <a:endParaRPr/>
@@ -6487,11 +6695,11 @@
 </file>
 
 <file path=ppt/slideLayouts/slideLayout8.xml><?xml version="1.0" encoding="utf-8"?>
-<p:sldLayout xmlns:a="http://schemas.openxmlformats.org/drawingml/2006/main" xmlns:r="http://schemas.openxmlformats.org/officeDocument/2006/relationships" xmlns:mc="http://schemas.openxmlformats.org/markup-compatibility/2006" xmlns:mv="urn:schemas-microsoft-com:mac:vml" xmlns:p="http://schemas.openxmlformats.org/presentationml/2006/main" xmlns:c="http://schemas.openxmlformats.org/drawingml/2006/chart" xmlns:dgm="http://schemas.openxmlformats.org/drawingml/2006/diagram" xmlns:o="urn:schemas-microsoft-com:office:office" xmlns:v="urn:schemas-microsoft-com:vml" xmlns:pvml="urn:schemas-microsoft-com:office:powerpoint" xmlns:com="http://schemas.openxmlformats.org/drawingml/2006/compatibility" xmlns:p14="http://schemas.microsoft.com/office/powerpoint/2010/main" xmlns:p15="http://schemas.microsoft.com/office/powerpoint/2012/main" xmlns:ahyp="http://schemas.microsoft.com/office/drawing/2018/hyperlinkcolor" matchingName="Main point">
+<p:sldLayout xmlns:a="http://schemas.openxmlformats.org/drawingml/2006/main" xmlns:r="http://schemas.openxmlformats.org/officeDocument/2006/relationships" xmlns:p="http://schemas.openxmlformats.org/presentationml/2006/main" matchingName="Main point">
   <p:cSld name="MAIN_POINT">
     <p:spTree>
       <p:nvGrpSpPr>
-        <p:cNvPr id="34" name="Shape 34"/>
+        <p:cNvPr id="1" name="Shape 34"/>
         <p:cNvGrpSpPr/>
         <p:nvPr/>
       </p:nvGrpSpPr>
@@ -6506,7 +6714,9 @@
       <p:sp>
         <p:nvSpPr>
           <p:cNvPr id="35" name="Google Shape;35;p9"/>
-          <p:cNvSpPr txBox="1"/>
+          <p:cNvSpPr txBox="1">
+            <a:spLocks noGrp="1"/>
+          </p:cNvSpPr>
           <p:nvPr>
             <p:ph type="title"/>
           </p:nvPr>
@@ -6525,7 +6735,7 @@
           </a:ln>
         </p:spPr>
         <p:txBody>
-          <a:bodyPr anchorCtr="0" anchor="ctr" bIns="91425" lIns="91425" spcFirstLastPara="1" rIns="91425" wrap="square" tIns="91425">
+          <a:bodyPr spcFirstLastPara="1" wrap="square" lIns="91425" tIns="91425" rIns="91425" bIns="91425" anchor="ctr" anchorCtr="0">
             <a:noAutofit/>
           </a:bodyPr>
           <a:lstStyle>
@@ -6656,15 +6866,19 @@
               <a:defRPr sz="4800"/>
             </a:lvl9pPr>
           </a:lstStyle>
-          <a:p/>
+          <a:p>
+            <a:endParaRPr/>
+          </a:p>
         </p:txBody>
       </p:sp>
       <p:sp>
         <p:nvSpPr>
           <p:cNvPr id="36" name="Google Shape;36;p9"/>
-          <p:cNvSpPr txBox="1"/>
+          <p:cNvSpPr txBox="1">
+            <a:spLocks noGrp="1"/>
+          </p:cNvSpPr>
           <p:nvPr>
-            <p:ph idx="12" type="sldNum"/>
+            <p:ph type="sldNum" idx="12"/>
           </p:nvPr>
         </p:nvSpPr>
         <p:spPr>
@@ -6681,11 +6895,11 @@
           </a:ln>
         </p:spPr>
         <p:txBody>
-          <a:bodyPr anchorCtr="0" anchor="ctr" bIns="91425" lIns="91425" spcFirstLastPara="1" rIns="91425" wrap="square" tIns="91425">
+          <a:bodyPr spcFirstLastPara="1" wrap="square" lIns="91425" tIns="91425" rIns="91425" bIns="91425" anchor="ctr" anchorCtr="0">
             <a:noAutofit/>
           </a:bodyPr>
           <a:lstStyle>
-            <a:lvl1pPr indent="0" lvl="0" marL="0" marR="0" algn="r">
+            <a:lvl1pPr marL="0" marR="0" lvl="0" indent="0" algn="r">
               <a:lnSpc>
                 <a:spcPct val="100000"/>
               </a:lnSpc>
@@ -6701,7 +6915,7 @@
               <a:buSzPts val="1000"/>
               <a:buFont typeface="Arial"/>
               <a:buNone/>
-              <a:defRPr b="0" i="0" sz="1000" u="none" cap="none" strike="noStrike">
+              <a:defRPr sz="1000" b="0" i="0" u="none" strike="noStrike" cap="none">
                 <a:solidFill>
                   <a:schemeClr val="dk2"/>
                 </a:solidFill>
@@ -6711,7 +6925,7 @@
                 <a:sym typeface="Arial"/>
               </a:defRPr>
             </a:lvl1pPr>
-            <a:lvl2pPr indent="0" lvl="1" marL="0" marR="0" algn="r">
+            <a:lvl2pPr marL="0" marR="0" lvl="1" indent="0" algn="r">
               <a:lnSpc>
                 <a:spcPct val="100000"/>
               </a:lnSpc>
@@ -6727,7 +6941,7 @@
               <a:buSzPts val="1000"/>
               <a:buFont typeface="Arial"/>
               <a:buNone/>
-              <a:defRPr b="0" i="0" sz="1000" u="none" cap="none" strike="noStrike">
+              <a:defRPr sz="1000" b="0" i="0" u="none" strike="noStrike" cap="none">
                 <a:solidFill>
                   <a:schemeClr val="dk2"/>
                 </a:solidFill>
@@ -6737,7 +6951,7 @@
                 <a:sym typeface="Arial"/>
               </a:defRPr>
             </a:lvl2pPr>
-            <a:lvl3pPr indent="0" lvl="2" marL="0" marR="0" algn="r">
+            <a:lvl3pPr marL="0" marR="0" lvl="2" indent="0" algn="r">
               <a:lnSpc>
                 <a:spcPct val="100000"/>
               </a:lnSpc>
@@ -6753,7 +6967,7 @@
               <a:buSzPts val="1000"/>
               <a:buFont typeface="Arial"/>
               <a:buNone/>
-              <a:defRPr b="0" i="0" sz="1000" u="none" cap="none" strike="noStrike">
+              <a:defRPr sz="1000" b="0" i="0" u="none" strike="noStrike" cap="none">
                 <a:solidFill>
                   <a:schemeClr val="dk2"/>
                 </a:solidFill>
@@ -6763,7 +6977,7 @@
                 <a:sym typeface="Arial"/>
               </a:defRPr>
             </a:lvl3pPr>
-            <a:lvl4pPr indent="0" lvl="3" marL="0" marR="0" algn="r">
+            <a:lvl4pPr marL="0" marR="0" lvl="3" indent="0" algn="r">
               <a:lnSpc>
                 <a:spcPct val="100000"/>
               </a:lnSpc>
@@ -6779,7 +6993,7 @@
               <a:buSzPts val="1000"/>
               <a:buFont typeface="Arial"/>
               <a:buNone/>
-              <a:defRPr b="0" i="0" sz="1000" u="none" cap="none" strike="noStrike">
+              <a:defRPr sz="1000" b="0" i="0" u="none" strike="noStrike" cap="none">
                 <a:solidFill>
                   <a:schemeClr val="dk2"/>
                 </a:solidFill>
@@ -6789,7 +7003,7 @@
                 <a:sym typeface="Arial"/>
               </a:defRPr>
             </a:lvl4pPr>
-            <a:lvl5pPr indent="0" lvl="4" marL="0" marR="0" algn="r">
+            <a:lvl5pPr marL="0" marR="0" lvl="4" indent="0" algn="r">
               <a:lnSpc>
                 <a:spcPct val="100000"/>
               </a:lnSpc>
@@ -6805,7 +7019,7 @@
               <a:buSzPts val="1000"/>
               <a:buFont typeface="Arial"/>
               <a:buNone/>
-              <a:defRPr b="0" i="0" sz="1000" u="none" cap="none" strike="noStrike">
+              <a:defRPr sz="1000" b="0" i="0" u="none" strike="noStrike" cap="none">
                 <a:solidFill>
                   <a:schemeClr val="dk2"/>
                 </a:solidFill>
@@ -6815,7 +7029,7 @@
                 <a:sym typeface="Arial"/>
               </a:defRPr>
             </a:lvl5pPr>
-            <a:lvl6pPr indent="0" lvl="5" marL="0" marR="0" algn="r">
+            <a:lvl6pPr marL="0" marR="0" lvl="5" indent="0" algn="r">
               <a:lnSpc>
                 <a:spcPct val="100000"/>
               </a:lnSpc>
@@ -6831,7 +7045,7 @@
               <a:buSzPts val="1000"/>
               <a:buFont typeface="Arial"/>
               <a:buNone/>
-              <a:defRPr b="0" i="0" sz="1000" u="none" cap="none" strike="noStrike">
+              <a:defRPr sz="1000" b="0" i="0" u="none" strike="noStrike" cap="none">
                 <a:solidFill>
                   <a:schemeClr val="dk2"/>
                 </a:solidFill>
@@ -6841,7 +7055,7 @@
                 <a:sym typeface="Arial"/>
               </a:defRPr>
             </a:lvl6pPr>
-            <a:lvl7pPr indent="0" lvl="6" marL="0" marR="0" algn="r">
+            <a:lvl7pPr marL="0" marR="0" lvl="6" indent="0" algn="r">
               <a:lnSpc>
                 <a:spcPct val="100000"/>
               </a:lnSpc>
@@ -6857,7 +7071,7 @@
               <a:buSzPts val="1000"/>
               <a:buFont typeface="Arial"/>
               <a:buNone/>
-              <a:defRPr b="0" i="0" sz="1000" u="none" cap="none" strike="noStrike">
+              <a:defRPr sz="1000" b="0" i="0" u="none" strike="noStrike" cap="none">
                 <a:solidFill>
                   <a:schemeClr val="dk2"/>
                 </a:solidFill>
@@ -6867,7 +7081,7 @@
                 <a:sym typeface="Arial"/>
               </a:defRPr>
             </a:lvl7pPr>
-            <a:lvl8pPr indent="0" lvl="7" marL="0" marR="0" algn="r">
+            <a:lvl8pPr marL="0" marR="0" lvl="7" indent="0" algn="r">
               <a:lnSpc>
                 <a:spcPct val="100000"/>
               </a:lnSpc>
@@ -6883,7 +7097,7 @@
               <a:buSzPts val="1000"/>
               <a:buFont typeface="Arial"/>
               <a:buNone/>
-              <a:defRPr b="0" i="0" sz="1000" u="none" cap="none" strike="noStrike">
+              <a:defRPr sz="1000" b="0" i="0" u="none" strike="noStrike" cap="none">
                 <a:solidFill>
                   <a:schemeClr val="dk2"/>
                 </a:solidFill>
@@ -6893,7 +7107,7 @@
                 <a:sym typeface="Arial"/>
               </a:defRPr>
             </a:lvl8pPr>
-            <a:lvl9pPr indent="0" lvl="8" marL="0" marR="0" algn="r">
+            <a:lvl9pPr marL="0" marR="0" lvl="8" indent="0" algn="r">
               <a:lnSpc>
                 <a:spcPct val="100000"/>
               </a:lnSpc>
@@ -6909,7 +7123,7 @@
               <a:buSzPts val="1000"/>
               <a:buFont typeface="Arial"/>
               <a:buNone/>
-              <a:defRPr b="0" i="0" sz="1000" u="none" cap="none" strike="noStrike">
+              <a:defRPr sz="1000" b="0" i="0" u="none" strike="noStrike" cap="none">
                 <a:solidFill>
                   <a:schemeClr val="dk2"/>
                 </a:solidFill>
@@ -6921,7 +7135,7 @@
             </a:lvl9pPr>
           </a:lstStyle>
           <a:p>
-            <a:pPr indent="0" lvl="0" marL="0" rtl="0" algn="r">
+            <a:pPr marL="0" lvl="0" indent="0" algn="r" rtl="0">
               <a:spcBef>
                 <a:spcPts val="0"/>
               </a:spcBef>
@@ -6932,6 +7146,15 @@
             </a:pPr>
             <a:fld id="{00000000-1234-1234-1234-123412341234}" type="slidenum">
               <a:rPr lang="en"/>
+              <a:pPr marL="0" lvl="0" indent="0" algn="r" rtl="0">
+                <a:spcBef>
+                  <a:spcPts val="0"/>
+                </a:spcBef>
+                <a:spcAft>
+                  <a:spcPts val="0"/>
+                </a:spcAft>
+                <a:buNone/>
+              </a:pPr>
               <a:t>‹#›</a:t>
             </a:fld>
             <a:endParaRPr/>
@@ -6947,11 +7170,11 @@
 </file>
 
 <file path=ppt/slideLayouts/slideLayout9.xml><?xml version="1.0" encoding="utf-8"?>
-<p:sldLayout xmlns:a="http://schemas.openxmlformats.org/drawingml/2006/main" xmlns:r="http://schemas.openxmlformats.org/officeDocument/2006/relationships" xmlns:mc="http://schemas.openxmlformats.org/markup-compatibility/2006" xmlns:mv="urn:schemas-microsoft-com:mac:vml" xmlns:p="http://schemas.openxmlformats.org/presentationml/2006/main" xmlns:c="http://schemas.openxmlformats.org/drawingml/2006/chart" xmlns:dgm="http://schemas.openxmlformats.org/drawingml/2006/diagram" xmlns:o="urn:schemas-microsoft-com:office:office" xmlns:v="urn:schemas-microsoft-com:vml" xmlns:pvml="urn:schemas-microsoft-com:office:powerpoint" xmlns:com="http://schemas.openxmlformats.org/drawingml/2006/compatibility" xmlns:p14="http://schemas.microsoft.com/office/powerpoint/2010/main" xmlns:p15="http://schemas.microsoft.com/office/powerpoint/2012/main" xmlns:ahyp="http://schemas.microsoft.com/office/drawing/2018/hyperlinkcolor" matchingName="Section title and description">
+<p:sldLayout xmlns:a="http://schemas.openxmlformats.org/drawingml/2006/main" xmlns:r="http://schemas.openxmlformats.org/officeDocument/2006/relationships" xmlns:p="http://schemas.openxmlformats.org/presentationml/2006/main" matchingName="Section title and description">
   <p:cSld name="SECTION_TITLE_AND_DESCRIPTION">
     <p:spTree>
       <p:nvGrpSpPr>
-        <p:cNvPr id="37" name="Shape 37"/>
+        <p:cNvPr id="1" name="Shape 37"/>
         <p:cNvGrpSpPr/>
         <p:nvPr/>
       </p:nvGrpSpPr>
@@ -6985,12 +7208,12 @@
           </a:ln>
         </p:spPr>
         <p:txBody>
-          <a:bodyPr anchorCtr="0" anchor="ctr" bIns="91425" lIns="91425" spcFirstLastPara="1" rIns="91425" wrap="square" tIns="91425">
+          <a:bodyPr spcFirstLastPara="1" wrap="square" lIns="91425" tIns="91425" rIns="91425" bIns="91425" anchor="ctr" anchorCtr="0">
             <a:noAutofit/>
           </a:bodyPr>
           <a:lstStyle/>
           <a:p>
-            <a:pPr indent="0" lvl="0" marL="0" marR="0" rtl="0" algn="l">
+            <a:pPr marL="0" marR="0" lvl="0" indent="0" algn="l" rtl="0">
               <a:lnSpc>
                 <a:spcPct val="100000"/>
               </a:lnSpc>
@@ -7007,10 +7230,7 @@
               <a:buFont typeface="Arial"/>
               <a:buNone/>
             </a:pPr>
-            <a:r>
-              <a:t/>
-            </a:r>
-            <a:endParaRPr b="0" i="0" sz="1400" u="none" cap="none" strike="noStrike">
+            <a:endParaRPr sz="1400" b="0" i="0" u="none" strike="noStrike" cap="none">
               <a:solidFill>
                 <a:srgbClr val="000000"/>
               </a:solidFill>
@@ -7025,7 +7245,9 @@
       <p:sp>
         <p:nvSpPr>
           <p:cNvPr id="39" name="Google Shape;39;p10"/>
-          <p:cNvSpPr txBox="1"/>
+          <p:cNvSpPr txBox="1">
+            <a:spLocks noGrp="1"/>
+          </p:cNvSpPr>
           <p:nvPr>
             <p:ph type="title"/>
           </p:nvPr>
@@ -7044,7 +7266,7 @@
           </a:ln>
         </p:spPr>
         <p:txBody>
-          <a:bodyPr anchorCtr="0" anchor="b" bIns="91425" lIns="91425" spcFirstLastPara="1" rIns="91425" wrap="square" tIns="91425">
+          <a:bodyPr spcFirstLastPara="1" wrap="square" lIns="91425" tIns="91425" rIns="91425" bIns="91425" anchor="b" anchorCtr="0">
             <a:noAutofit/>
           </a:bodyPr>
           <a:lstStyle>
@@ -7175,15 +7397,19 @@
               <a:defRPr sz="4200"/>
             </a:lvl9pPr>
           </a:lstStyle>
-          <a:p/>
+          <a:p>
+            <a:endParaRPr/>
+          </a:p>
         </p:txBody>
       </p:sp>
       <p:sp>
         <p:nvSpPr>
           <p:cNvPr id="40" name="Google Shape;40;p10"/>
-          <p:cNvSpPr txBox="1"/>
+          <p:cNvSpPr txBox="1">
+            <a:spLocks noGrp="1"/>
+          </p:cNvSpPr>
           <p:nvPr>
-            <p:ph idx="1" type="subTitle"/>
+            <p:ph type="subTitle" idx="1"/>
           </p:nvPr>
         </p:nvSpPr>
         <p:spPr>
@@ -7200,7 +7426,7 @@
           </a:ln>
         </p:spPr>
         <p:txBody>
-          <a:bodyPr anchorCtr="0" anchor="t" bIns="91425" lIns="91425" spcFirstLastPara="1" rIns="91425" wrap="square" tIns="91425">
+          <a:bodyPr spcFirstLastPara="1" wrap="square" lIns="91425" tIns="91425" rIns="91425" bIns="91425" anchor="t" anchorCtr="0">
             <a:noAutofit/>
           </a:bodyPr>
           <a:lstStyle>
@@ -7331,15 +7557,19 @@
               <a:defRPr sz="2100"/>
             </a:lvl9pPr>
           </a:lstStyle>
-          <a:p/>
+          <a:p>
+            <a:endParaRPr/>
+          </a:p>
         </p:txBody>
       </p:sp>
       <p:sp>
         <p:nvSpPr>
           <p:cNvPr id="41" name="Google Shape;41;p10"/>
-          <p:cNvSpPr txBox="1"/>
+          <p:cNvSpPr txBox="1">
+            <a:spLocks noGrp="1"/>
+          </p:cNvSpPr>
           <p:nvPr>
-            <p:ph idx="2" type="body"/>
+            <p:ph type="body" idx="2"/>
           </p:nvPr>
         </p:nvSpPr>
         <p:spPr>
@@ -7356,11 +7586,11 @@
           </a:ln>
         </p:spPr>
         <p:txBody>
-          <a:bodyPr anchorCtr="0" anchor="ctr" bIns="91425" lIns="91425" spcFirstLastPara="1" rIns="91425" wrap="square" tIns="91425">
+          <a:bodyPr spcFirstLastPara="1" wrap="square" lIns="91425" tIns="91425" rIns="91425" bIns="91425" anchor="ctr" anchorCtr="0">
             <a:noAutofit/>
           </a:bodyPr>
           <a:lstStyle>
-            <a:lvl1pPr indent="-342900" lvl="0" marL="457200" algn="l">
+            <a:lvl1pPr marL="457200" lvl="0" indent="-342900" algn="l">
               <a:lnSpc>
                 <a:spcPct val="115000"/>
               </a:lnSpc>
@@ -7374,7 +7604,7 @@
               <a:buChar char="●"/>
               <a:defRPr/>
             </a:lvl1pPr>
-            <a:lvl2pPr indent="-317500" lvl="1" marL="914400" algn="l">
+            <a:lvl2pPr marL="914400" lvl="1" indent="-317500" algn="l">
               <a:lnSpc>
                 <a:spcPct val="115000"/>
               </a:lnSpc>
@@ -7388,7 +7618,7 @@
               <a:buChar char="○"/>
               <a:defRPr/>
             </a:lvl2pPr>
-            <a:lvl3pPr indent="-317500" lvl="2" marL="1371600" algn="l">
+            <a:lvl3pPr marL="1371600" lvl="2" indent="-317500" algn="l">
               <a:lnSpc>
                 <a:spcPct val="115000"/>
               </a:lnSpc>
@@ -7402,7 +7632,7 @@
               <a:buChar char="■"/>
               <a:defRPr/>
             </a:lvl3pPr>
-            <a:lvl4pPr indent="-317500" lvl="3" marL="1828800" algn="l">
+            <a:lvl4pPr marL="1828800" lvl="3" indent="-317500" algn="l">
               <a:lnSpc>
                 <a:spcPct val="115000"/>
               </a:lnSpc>
@@ -7416,7 +7646,7 @@
               <a:buChar char="●"/>
               <a:defRPr/>
             </a:lvl4pPr>
-            <a:lvl5pPr indent="-317500" lvl="4" marL="2286000" algn="l">
+            <a:lvl5pPr marL="2286000" lvl="4" indent="-317500" algn="l">
               <a:lnSpc>
                 <a:spcPct val="115000"/>
               </a:lnSpc>
@@ -7430,7 +7660,7 @@
               <a:buChar char="○"/>
               <a:defRPr/>
             </a:lvl5pPr>
-            <a:lvl6pPr indent="-317500" lvl="5" marL="2743200" algn="l">
+            <a:lvl6pPr marL="2743200" lvl="5" indent="-317500" algn="l">
               <a:lnSpc>
                 <a:spcPct val="115000"/>
               </a:lnSpc>
@@ -7444,7 +7674,7 @@
               <a:buChar char="■"/>
               <a:defRPr/>
             </a:lvl6pPr>
-            <a:lvl7pPr indent="-317500" lvl="6" marL="3200400" algn="l">
+            <a:lvl7pPr marL="3200400" lvl="6" indent="-317500" algn="l">
               <a:lnSpc>
                 <a:spcPct val="115000"/>
               </a:lnSpc>
@@ -7458,7 +7688,7 @@
               <a:buChar char="●"/>
               <a:defRPr/>
             </a:lvl7pPr>
-            <a:lvl8pPr indent="-317500" lvl="7" marL="3657600" algn="l">
+            <a:lvl8pPr marL="3657600" lvl="7" indent="-317500" algn="l">
               <a:lnSpc>
                 <a:spcPct val="115000"/>
               </a:lnSpc>
@@ -7472,7 +7702,7 @@
               <a:buChar char="○"/>
               <a:defRPr/>
             </a:lvl8pPr>
-            <a:lvl9pPr indent="-317500" lvl="8" marL="4114800" algn="l">
+            <a:lvl9pPr marL="4114800" lvl="8" indent="-317500" algn="l">
               <a:lnSpc>
                 <a:spcPct val="115000"/>
               </a:lnSpc>
@@ -7487,15 +7717,19 @@
               <a:defRPr/>
             </a:lvl9pPr>
           </a:lstStyle>
-          <a:p/>
+          <a:p>
+            <a:endParaRPr/>
+          </a:p>
         </p:txBody>
       </p:sp>
       <p:sp>
         <p:nvSpPr>
           <p:cNvPr id="42" name="Google Shape;42;p10"/>
-          <p:cNvSpPr txBox="1"/>
+          <p:cNvSpPr txBox="1">
+            <a:spLocks noGrp="1"/>
+          </p:cNvSpPr>
           <p:nvPr>
-            <p:ph idx="12" type="sldNum"/>
+            <p:ph type="sldNum" idx="12"/>
           </p:nvPr>
         </p:nvSpPr>
         <p:spPr>
@@ -7512,11 +7746,11 @@
           </a:ln>
         </p:spPr>
         <p:txBody>
-          <a:bodyPr anchorCtr="0" anchor="ctr" bIns="91425" lIns="91425" spcFirstLastPara="1" rIns="91425" wrap="square" tIns="91425">
+          <a:bodyPr spcFirstLastPara="1" wrap="square" lIns="91425" tIns="91425" rIns="91425" bIns="91425" anchor="ctr" anchorCtr="0">
             <a:noAutofit/>
           </a:bodyPr>
           <a:lstStyle>
-            <a:lvl1pPr indent="0" lvl="0" marL="0" marR="0" algn="r">
+            <a:lvl1pPr marL="0" marR="0" lvl="0" indent="0" algn="r">
               <a:lnSpc>
                 <a:spcPct val="100000"/>
               </a:lnSpc>
@@ -7532,7 +7766,7 @@
               <a:buSzPts val="1000"/>
               <a:buFont typeface="Arial"/>
               <a:buNone/>
-              <a:defRPr b="0" i="0" sz="1000" u="none" cap="none" strike="noStrike">
+              <a:defRPr sz="1000" b="0" i="0" u="none" strike="noStrike" cap="none">
                 <a:solidFill>
                   <a:schemeClr val="dk2"/>
                 </a:solidFill>
@@ -7542,7 +7776,7 @@
                 <a:sym typeface="Arial"/>
               </a:defRPr>
             </a:lvl1pPr>
-            <a:lvl2pPr indent="0" lvl="1" marL="0" marR="0" algn="r">
+            <a:lvl2pPr marL="0" marR="0" lvl="1" indent="0" algn="r">
               <a:lnSpc>
                 <a:spcPct val="100000"/>
               </a:lnSpc>
@@ -7558,7 +7792,7 @@
               <a:buSzPts val="1000"/>
               <a:buFont typeface="Arial"/>
               <a:buNone/>
-              <a:defRPr b="0" i="0" sz="1000" u="none" cap="none" strike="noStrike">
+              <a:defRPr sz="1000" b="0" i="0" u="none" strike="noStrike" cap="none">
                 <a:solidFill>
                   <a:schemeClr val="dk2"/>
                 </a:solidFill>
@@ -7568,7 +7802,7 @@
                 <a:sym typeface="Arial"/>
               </a:defRPr>
             </a:lvl2pPr>
-            <a:lvl3pPr indent="0" lvl="2" marL="0" marR="0" algn="r">
+            <a:lvl3pPr marL="0" marR="0" lvl="2" indent="0" algn="r">
               <a:lnSpc>
                 <a:spcPct val="100000"/>
               </a:lnSpc>
@@ -7584,7 +7818,7 @@
               <a:buSzPts val="1000"/>
               <a:buFont typeface="Arial"/>
               <a:buNone/>
-              <a:defRPr b="0" i="0" sz="1000" u="none" cap="none" strike="noStrike">
+              <a:defRPr sz="1000" b="0" i="0" u="none" strike="noStrike" cap="none">
                 <a:solidFill>
                   <a:schemeClr val="dk2"/>
                 </a:solidFill>
@@ -7594,7 +7828,7 @@
                 <a:sym typeface="Arial"/>
               </a:defRPr>
             </a:lvl3pPr>
-            <a:lvl4pPr indent="0" lvl="3" marL="0" marR="0" algn="r">
+            <a:lvl4pPr marL="0" marR="0" lvl="3" indent="0" algn="r">
               <a:lnSpc>
                 <a:spcPct val="100000"/>
               </a:lnSpc>
@@ -7610,7 +7844,7 @@
               <a:buSzPts val="1000"/>
               <a:buFont typeface="Arial"/>
               <a:buNone/>
-              <a:defRPr b="0" i="0" sz="1000" u="none" cap="none" strike="noStrike">
+              <a:defRPr sz="1000" b="0" i="0" u="none" strike="noStrike" cap="none">
                 <a:solidFill>
                   <a:schemeClr val="dk2"/>
                 </a:solidFill>
@@ -7620,7 +7854,7 @@
                 <a:sym typeface="Arial"/>
               </a:defRPr>
             </a:lvl4pPr>
-            <a:lvl5pPr indent="0" lvl="4" marL="0" marR="0" algn="r">
+            <a:lvl5pPr marL="0" marR="0" lvl="4" indent="0" algn="r">
               <a:lnSpc>
                 <a:spcPct val="100000"/>
               </a:lnSpc>
@@ -7636,7 +7870,7 @@
               <a:buSzPts val="1000"/>
               <a:buFont typeface="Arial"/>
               <a:buNone/>
-              <a:defRPr b="0" i="0" sz="1000" u="none" cap="none" strike="noStrike">
+              <a:defRPr sz="1000" b="0" i="0" u="none" strike="noStrike" cap="none">
                 <a:solidFill>
                   <a:schemeClr val="dk2"/>
                 </a:solidFill>
@@ -7646,7 +7880,7 @@
                 <a:sym typeface="Arial"/>
               </a:defRPr>
             </a:lvl5pPr>
-            <a:lvl6pPr indent="0" lvl="5" marL="0" marR="0" algn="r">
+            <a:lvl6pPr marL="0" marR="0" lvl="5" indent="0" algn="r">
               <a:lnSpc>
                 <a:spcPct val="100000"/>
               </a:lnSpc>
@@ -7662,7 +7896,7 @@
               <a:buSzPts val="1000"/>
               <a:buFont typeface="Arial"/>
               <a:buNone/>
-              <a:defRPr b="0" i="0" sz="1000" u="none" cap="none" strike="noStrike">
+              <a:defRPr sz="1000" b="0" i="0" u="none" strike="noStrike" cap="none">
                 <a:solidFill>
                   <a:schemeClr val="dk2"/>
                 </a:solidFill>
@@ -7672,7 +7906,7 @@
                 <a:sym typeface="Arial"/>
               </a:defRPr>
             </a:lvl6pPr>
-            <a:lvl7pPr indent="0" lvl="6" marL="0" marR="0" algn="r">
+            <a:lvl7pPr marL="0" marR="0" lvl="6" indent="0" algn="r">
               <a:lnSpc>
                 <a:spcPct val="100000"/>
               </a:lnSpc>
@@ -7688,7 +7922,7 @@
               <a:buSzPts val="1000"/>
               <a:buFont typeface="Arial"/>
               <a:buNone/>
-              <a:defRPr b="0" i="0" sz="1000" u="none" cap="none" strike="noStrike">
+              <a:defRPr sz="1000" b="0" i="0" u="none" strike="noStrike" cap="none">
                 <a:solidFill>
                   <a:schemeClr val="dk2"/>
                 </a:solidFill>
@@ -7698,7 +7932,7 @@
                 <a:sym typeface="Arial"/>
               </a:defRPr>
             </a:lvl7pPr>
-            <a:lvl8pPr indent="0" lvl="7" marL="0" marR="0" algn="r">
+            <a:lvl8pPr marL="0" marR="0" lvl="7" indent="0" algn="r">
               <a:lnSpc>
                 <a:spcPct val="100000"/>
               </a:lnSpc>
@@ -7714,7 +7948,7 @@
               <a:buSzPts val="1000"/>
               <a:buFont typeface="Arial"/>
               <a:buNone/>
-              <a:defRPr b="0" i="0" sz="1000" u="none" cap="none" strike="noStrike">
+              <a:defRPr sz="1000" b="0" i="0" u="none" strike="noStrike" cap="none">
                 <a:solidFill>
                   <a:schemeClr val="dk2"/>
                 </a:solidFill>
@@ -7724,7 +7958,7 @@
                 <a:sym typeface="Arial"/>
               </a:defRPr>
             </a:lvl8pPr>
-            <a:lvl9pPr indent="0" lvl="8" marL="0" marR="0" algn="r">
+            <a:lvl9pPr marL="0" marR="0" lvl="8" indent="0" algn="r">
               <a:lnSpc>
                 <a:spcPct val="100000"/>
               </a:lnSpc>
@@ -7740,7 +7974,7 @@
               <a:buSzPts val="1000"/>
               <a:buFont typeface="Arial"/>
               <a:buNone/>
-              <a:defRPr b="0" i="0" sz="1000" u="none" cap="none" strike="noStrike">
+              <a:defRPr sz="1000" b="0" i="0" u="none" strike="noStrike" cap="none">
                 <a:solidFill>
                   <a:schemeClr val="dk2"/>
                 </a:solidFill>
@@ -7752,7 +7986,7 @@
             </a:lvl9pPr>
           </a:lstStyle>
           <a:p>
-            <a:pPr indent="0" lvl="0" marL="0" rtl="0" algn="r">
+            <a:pPr marL="0" lvl="0" indent="0" algn="r" rtl="0">
               <a:spcBef>
                 <a:spcPts val="0"/>
               </a:spcBef>
@@ -7763,6 +7997,15 @@
             </a:pPr>
             <a:fld id="{00000000-1234-1234-1234-123412341234}" type="slidenum">
               <a:rPr lang="en"/>
+              <a:pPr marL="0" lvl="0" indent="0" algn="r" rtl="0">
+                <a:spcBef>
+                  <a:spcPts val="0"/>
+                </a:spcBef>
+                <a:spcAft>
+                  <a:spcPts val="0"/>
+                </a:spcAft>
+                <a:buNone/>
+              </a:pPr>
               <a:t>‹#›</a:t>
             </a:fld>
             <a:endParaRPr/>
@@ -7778,18 +8021,19 @@
 </file>
 
 <file path=ppt/slideMasters/slideMaster1.xml><?xml version="1.0" encoding="utf-8"?>
-<p:sldMaster xmlns:a="http://schemas.openxmlformats.org/drawingml/2006/main" xmlns:r="http://schemas.openxmlformats.org/officeDocument/2006/relationships" xmlns:mc="http://schemas.openxmlformats.org/markup-compatibility/2006" xmlns:mv="urn:schemas-microsoft-com:mac:vml" xmlns:p="http://schemas.openxmlformats.org/presentationml/2006/main" xmlns:c="http://schemas.openxmlformats.org/drawingml/2006/chart" xmlns:dgm="http://schemas.openxmlformats.org/drawingml/2006/diagram" xmlns:o="urn:schemas-microsoft-com:office:office" xmlns:v="urn:schemas-microsoft-com:vml" xmlns:pvml="urn:schemas-microsoft-com:office:powerpoint" xmlns:com="http://schemas.openxmlformats.org/drawingml/2006/compatibility" xmlns:p14="http://schemas.microsoft.com/office/powerpoint/2010/main" xmlns:p15="http://schemas.microsoft.com/office/powerpoint/2012/main" xmlns:ahyp="http://schemas.microsoft.com/office/drawing/2018/hyperlinkcolor">
+<p:sldMaster xmlns:a="http://schemas.openxmlformats.org/drawingml/2006/main" xmlns:r="http://schemas.openxmlformats.org/officeDocument/2006/relationships" xmlns:p="http://schemas.openxmlformats.org/presentationml/2006/main">
   <p:cSld name="simple-light-2">
     <p:bg>
       <p:bgPr>
         <a:solidFill>
           <a:schemeClr val="lt1"/>
         </a:solidFill>
+        <a:effectLst/>
       </p:bgPr>
     </p:bg>
     <p:spTree>
       <p:nvGrpSpPr>
-        <p:cNvPr id="5" name="Shape 5"/>
+        <p:cNvPr id="1" name="Shape 5"/>
         <p:cNvGrpSpPr/>
         <p:nvPr/>
       </p:nvGrpSpPr>
@@ -7804,7 +8048,9 @@
       <p:sp>
         <p:nvSpPr>
           <p:cNvPr id="6" name="Google Shape;6;p1"/>
-          <p:cNvSpPr txBox="1"/>
+          <p:cNvSpPr txBox="1">
+            <a:spLocks noGrp="1"/>
+          </p:cNvSpPr>
           <p:nvPr>
             <p:ph type="title"/>
           </p:nvPr>
@@ -7823,11 +8069,11 @@
           </a:ln>
         </p:spPr>
         <p:txBody>
-          <a:bodyPr anchorCtr="0" anchor="t" bIns="91425" lIns="91425" spcFirstLastPara="1" rIns="91425" wrap="square" tIns="91425">
+          <a:bodyPr spcFirstLastPara="1" wrap="square" lIns="91425" tIns="91425" rIns="91425" bIns="91425" anchor="t" anchorCtr="0">
             <a:noAutofit/>
           </a:bodyPr>
           <a:lstStyle>
-            <a:lvl1pPr lvl="0" marR="0" rtl="0" algn="l">
+            <a:lvl1pPr marR="0" lvl="0" algn="l" rtl="0">
               <a:lnSpc>
                 <a:spcPct val="100000"/>
               </a:lnSpc>
@@ -7843,7 +8089,7 @@
               <a:buSzPts val="2800"/>
               <a:buFont typeface="Arial"/>
               <a:buNone/>
-              <a:defRPr b="0" i="0" sz="2800" u="none" cap="none" strike="noStrike">
+              <a:defRPr sz="2800" b="0" i="0" u="none" strike="noStrike" cap="none">
                 <a:solidFill>
                   <a:schemeClr val="dk1"/>
                 </a:solidFill>
@@ -7853,7 +8099,7 @@
                 <a:sym typeface="Arial"/>
               </a:defRPr>
             </a:lvl1pPr>
-            <a:lvl2pPr lvl="1" marR="0" rtl="0" algn="l">
+            <a:lvl2pPr marR="0" lvl="1" algn="l" rtl="0">
               <a:lnSpc>
                 <a:spcPct val="100000"/>
               </a:lnSpc>
@@ -7869,7 +8115,7 @@
               <a:buSzPts val="2800"/>
               <a:buFont typeface="Arial"/>
               <a:buNone/>
-              <a:defRPr b="0" i="0" sz="2800" u="none" cap="none" strike="noStrike">
+              <a:defRPr sz="2800" b="0" i="0" u="none" strike="noStrike" cap="none">
                 <a:solidFill>
                   <a:schemeClr val="dk1"/>
                 </a:solidFill>
@@ -7879,7 +8125,7 @@
                 <a:sym typeface="Arial"/>
               </a:defRPr>
             </a:lvl2pPr>
-            <a:lvl3pPr lvl="2" marR="0" rtl="0" algn="l">
+            <a:lvl3pPr marR="0" lvl="2" algn="l" rtl="0">
               <a:lnSpc>
                 <a:spcPct val="100000"/>
               </a:lnSpc>
@@ -7895,7 +8141,7 @@
               <a:buSzPts val="2800"/>
               <a:buFont typeface="Arial"/>
               <a:buNone/>
-              <a:defRPr b="0" i="0" sz="2800" u="none" cap="none" strike="noStrike">
+              <a:defRPr sz="2800" b="0" i="0" u="none" strike="noStrike" cap="none">
                 <a:solidFill>
                   <a:schemeClr val="dk1"/>
                 </a:solidFill>
@@ -7905,7 +8151,7 @@
                 <a:sym typeface="Arial"/>
               </a:defRPr>
             </a:lvl3pPr>
-            <a:lvl4pPr lvl="3" marR="0" rtl="0" algn="l">
+            <a:lvl4pPr marR="0" lvl="3" algn="l" rtl="0">
               <a:lnSpc>
                 <a:spcPct val="100000"/>
               </a:lnSpc>
@@ -7921,7 +8167,7 @@
               <a:buSzPts val="2800"/>
               <a:buFont typeface="Arial"/>
               <a:buNone/>
-              <a:defRPr b="0" i="0" sz="2800" u="none" cap="none" strike="noStrike">
+              <a:defRPr sz="2800" b="0" i="0" u="none" strike="noStrike" cap="none">
                 <a:solidFill>
                   <a:schemeClr val="dk1"/>
                 </a:solidFill>
@@ -7931,7 +8177,7 @@
                 <a:sym typeface="Arial"/>
               </a:defRPr>
             </a:lvl4pPr>
-            <a:lvl5pPr lvl="4" marR="0" rtl="0" algn="l">
+            <a:lvl5pPr marR="0" lvl="4" algn="l" rtl="0">
               <a:lnSpc>
                 <a:spcPct val="100000"/>
               </a:lnSpc>
@@ -7947,7 +8193,7 @@
               <a:buSzPts val="2800"/>
               <a:buFont typeface="Arial"/>
               <a:buNone/>
-              <a:defRPr b="0" i="0" sz="2800" u="none" cap="none" strike="noStrike">
+              <a:defRPr sz="2800" b="0" i="0" u="none" strike="noStrike" cap="none">
                 <a:solidFill>
                   <a:schemeClr val="dk1"/>
                 </a:solidFill>
@@ -7957,7 +8203,7 @@
                 <a:sym typeface="Arial"/>
               </a:defRPr>
             </a:lvl5pPr>
-            <a:lvl6pPr lvl="5" marR="0" rtl="0" algn="l">
+            <a:lvl6pPr marR="0" lvl="5" algn="l" rtl="0">
               <a:lnSpc>
                 <a:spcPct val="100000"/>
               </a:lnSpc>
@@ -7973,7 +8219,7 @@
               <a:buSzPts val="2800"/>
               <a:buFont typeface="Arial"/>
               <a:buNone/>
-              <a:defRPr b="0" i="0" sz="2800" u="none" cap="none" strike="noStrike">
+              <a:defRPr sz="2800" b="0" i="0" u="none" strike="noStrike" cap="none">
                 <a:solidFill>
                   <a:schemeClr val="dk1"/>
                 </a:solidFill>
@@ -7983,7 +8229,7 @@
                 <a:sym typeface="Arial"/>
               </a:defRPr>
             </a:lvl6pPr>
-            <a:lvl7pPr lvl="6" marR="0" rtl="0" algn="l">
+            <a:lvl7pPr marR="0" lvl="6" algn="l" rtl="0">
               <a:lnSpc>
                 <a:spcPct val="100000"/>
               </a:lnSpc>
@@ -7999,7 +8245,7 @@
               <a:buSzPts val="2800"/>
               <a:buFont typeface="Arial"/>
               <a:buNone/>
-              <a:defRPr b="0" i="0" sz="2800" u="none" cap="none" strike="noStrike">
+              <a:defRPr sz="2800" b="0" i="0" u="none" strike="noStrike" cap="none">
                 <a:solidFill>
                   <a:schemeClr val="dk1"/>
                 </a:solidFill>
@@ -8009,7 +8255,7 @@
                 <a:sym typeface="Arial"/>
               </a:defRPr>
             </a:lvl7pPr>
-            <a:lvl8pPr lvl="7" marR="0" rtl="0" algn="l">
+            <a:lvl8pPr marR="0" lvl="7" algn="l" rtl="0">
               <a:lnSpc>
                 <a:spcPct val="100000"/>
               </a:lnSpc>
@@ -8025,7 +8271,7 @@
               <a:buSzPts val="2800"/>
               <a:buFont typeface="Arial"/>
               <a:buNone/>
-              <a:defRPr b="0" i="0" sz="2800" u="none" cap="none" strike="noStrike">
+              <a:defRPr sz="2800" b="0" i="0" u="none" strike="noStrike" cap="none">
                 <a:solidFill>
                   <a:schemeClr val="dk1"/>
                 </a:solidFill>
@@ -8035,7 +8281,7 @@
                 <a:sym typeface="Arial"/>
               </a:defRPr>
             </a:lvl8pPr>
-            <a:lvl9pPr lvl="8" marR="0" rtl="0" algn="l">
+            <a:lvl9pPr marR="0" lvl="8" algn="l" rtl="0">
               <a:lnSpc>
                 <a:spcPct val="100000"/>
               </a:lnSpc>
@@ -8051,7 +8297,7 @@
               <a:buSzPts val="2800"/>
               <a:buFont typeface="Arial"/>
               <a:buNone/>
-              <a:defRPr b="0" i="0" sz="2800" u="none" cap="none" strike="noStrike">
+              <a:defRPr sz="2800" b="0" i="0" u="none" strike="noStrike" cap="none">
                 <a:solidFill>
                   <a:schemeClr val="dk1"/>
                 </a:solidFill>
@@ -8062,15 +8308,19 @@
               </a:defRPr>
             </a:lvl9pPr>
           </a:lstStyle>
-          <a:p/>
+          <a:p>
+            <a:endParaRPr/>
+          </a:p>
         </p:txBody>
       </p:sp>
       <p:sp>
         <p:nvSpPr>
           <p:cNvPr id="7" name="Google Shape;7;p1"/>
-          <p:cNvSpPr txBox="1"/>
+          <p:cNvSpPr txBox="1">
+            <a:spLocks noGrp="1"/>
+          </p:cNvSpPr>
           <p:nvPr>
-            <p:ph idx="1" type="body"/>
+            <p:ph type="body" idx="1"/>
           </p:nvPr>
         </p:nvSpPr>
         <p:spPr>
@@ -8087,11 +8337,11 @@
           </a:ln>
         </p:spPr>
         <p:txBody>
-          <a:bodyPr anchorCtr="0" anchor="t" bIns="91425" lIns="91425" spcFirstLastPara="1" rIns="91425" wrap="square" tIns="91425">
+          <a:bodyPr spcFirstLastPara="1" wrap="square" lIns="91425" tIns="91425" rIns="91425" bIns="91425" anchor="t" anchorCtr="0">
             <a:noAutofit/>
           </a:bodyPr>
           <a:lstStyle>
-            <a:lvl1pPr indent="-342900" lvl="0" marL="457200" marR="0" rtl="0" algn="l">
+            <a:lvl1pPr marL="457200" marR="0" lvl="0" indent="-342900" algn="l" rtl="0">
               <a:lnSpc>
                 <a:spcPct val="115000"/>
               </a:lnSpc>
@@ -8107,7 +8357,7 @@
               <a:buSzPts val="1800"/>
               <a:buFont typeface="Arial"/>
               <a:buChar char="●"/>
-              <a:defRPr b="0" i="0" sz="1800" u="none" cap="none" strike="noStrike">
+              <a:defRPr sz="1800" b="0" i="0" u="none" strike="noStrike" cap="none">
                 <a:solidFill>
                   <a:schemeClr val="dk2"/>
                 </a:solidFill>
@@ -8117,7 +8367,7 @@
                 <a:sym typeface="Arial"/>
               </a:defRPr>
             </a:lvl1pPr>
-            <a:lvl2pPr indent="-317500" lvl="1" marL="914400" marR="0" rtl="0" algn="l">
+            <a:lvl2pPr marL="914400" marR="0" lvl="1" indent="-317500" algn="l" rtl="0">
               <a:lnSpc>
                 <a:spcPct val="115000"/>
               </a:lnSpc>
@@ -8133,7 +8383,7 @@
               <a:buSzPts val="1400"/>
               <a:buFont typeface="Arial"/>
               <a:buChar char="○"/>
-              <a:defRPr b="0" i="0" sz="1400" u="none" cap="none" strike="noStrike">
+              <a:defRPr sz="1400" b="0" i="0" u="none" strike="noStrike" cap="none">
                 <a:solidFill>
                   <a:schemeClr val="dk2"/>
                 </a:solidFill>
@@ -8143,7 +8393,7 @@
                 <a:sym typeface="Arial"/>
               </a:defRPr>
             </a:lvl2pPr>
-            <a:lvl3pPr indent="-317500" lvl="2" marL="1371600" marR="0" rtl="0" algn="l">
+            <a:lvl3pPr marL="1371600" marR="0" lvl="2" indent="-317500" algn="l" rtl="0">
               <a:lnSpc>
                 <a:spcPct val="115000"/>
               </a:lnSpc>
@@ -8159,7 +8409,7 @@
               <a:buSzPts val="1400"/>
               <a:buFont typeface="Arial"/>
               <a:buChar char="■"/>
-              <a:defRPr b="0" i="0" sz="1400" u="none" cap="none" strike="noStrike">
+              <a:defRPr sz="1400" b="0" i="0" u="none" strike="noStrike" cap="none">
                 <a:solidFill>
                   <a:schemeClr val="dk2"/>
                 </a:solidFill>
@@ -8169,7 +8419,7 @@
                 <a:sym typeface="Arial"/>
               </a:defRPr>
             </a:lvl3pPr>
-            <a:lvl4pPr indent="-317500" lvl="3" marL="1828800" marR="0" rtl="0" algn="l">
+            <a:lvl4pPr marL="1828800" marR="0" lvl="3" indent="-317500" algn="l" rtl="0">
               <a:lnSpc>
                 <a:spcPct val="115000"/>
               </a:lnSpc>
@@ -8185,7 +8435,7 @@
               <a:buSzPts val="1400"/>
               <a:buFont typeface="Arial"/>
               <a:buChar char="●"/>
-              <a:defRPr b="0" i="0" sz="1400" u="none" cap="none" strike="noStrike">
+              <a:defRPr sz="1400" b="0" i="0" u="none" strike="noStrike" cap="none">
                 <a:solidFill>
                   <a:schemeClr val="dk2"/>
                 </a:solidFill>
@@ -8195,7 +8445,7 @@
                 <a:sym typeface="Arial"/>
               </a:defRPr>
             </a:lvl4pPr>
-            <a:lvl5pPr indent="-317500" lvl="4" marL="2286000" marR="0" rtl="0" algn="l">
+            <a:lvl5pPr marL="2286000" marR="0" lvl="4" indent="-317500" algn="l" rtl="0">
               <a:lnSpc>
                 <a:spcPct val="115000"/>
               </a:lnSpc>
@@ -8211,7 +8461,7 @@
               <a:buSzPts val="1400"/>
               <a:buFont typeface="Arial"/>
               <a:buChar char="○"/>
-              <a:defRPr b="0" i="0" sz="1400" u="none" cap="none" strike="noStrike">
+              <a:defRPr sz="1400" b="0" i="0" u="none" strike="noStrike" cap="none">
                 <a:solidFill>
                   <a:schemeClr val="dk2"/>
                 </a:solidFill>
@@ -8221,7 +8471,7 @@
                 <a:sym typeface="Arial"/>
               </a:defRPr>
             </a:lvl5pPr>
-            <a:lvl6pPr indent="-317500" lvl="5" marL="2743200" marR="0" rtl="0" algn="l">
+            <a:lvl6pPr marL="2743200" marR="0" lvl="5" indent="-317500" algn="l" rtl="0">
               <a:lnSpc>
                 <a:spcPct val="115000"/>
               </a:lnSpc>
@@ -8237,7 +8487,7 @@
               <a:buSzPts val="1400"/>
               <a:buFont typeface="Arial"/>
               <a:buChar char="■"/>
-              <a:defRPr b="0" i="0" sz="1400" u="none" cap="none" strike="noStrike">
+              <a:defRPr sz="1400" b="0" i="0" u="none" strike="noStrike" cap="none">
                 <a:solidFill>
                   <a:schemeClr val="dk2"/>
                 </a:solidFill>
@@ -8247,7 +8497,7 @@
                 <a:sym typeface="Arial"/>
               </a:defRPr>
             </a:lvl6pPr>
-            <a:lvl7pPr indent="-317500" lvl="6" marL="3200400" marR="0" rtl="0" algn="l">
+            <a:lvl7pPr marL="3200400" marR="0" lvl="6" indent="-317500" algn="l" rtl="0">
               <a:lnSpc>
                 <a:spcPct val="115000"/>
               </a:lnSpc>
@@ -8263,7 +8513,7 @@
               <a:buSzPts val="1400"/>
               <a:buFont typeface="Arial"/>
               <a:buChar char="●"/>
-              <a:defRPr b="0" i="0" sz="1400" u="none" cap="none" strike="noStrike">
+              <a:defRPr sz="1400" b="0" i="0" u="none" strike="noStrike" cap="none">
                 <a:solidFill>
                   <a:schemeClr val="dk2"/>
                 </a:solidFill>
@@ -8273,7 +8523,7 @@
                 <a:sym typeface="Arial"/>
               </a:defRPr>
             </a:lvl7pPr>
-            <a:lvl8pPr indent="-317500" lvl="7" marL="3657600" marR="0" rtl="0" algn="l">
+            <a:lvl8pPr marL="3657600" marR="0" lvl="7" indent="-317500" algn="l" rtl="0">
               <a:lnSpc>
                 <a:spcPct val="115000"/>
               </a:lnSpc>
@@ -8289,7 +8539,7 @@
               <a:buSzPts val="1400"/>
               <a:buFont typeface="Arial"/>
               <a:buChar char="○"/>
-              <a:defRPr b="0" i="0" sz="1400" u="none" cap="none" strike="noStrike">
+              <a:defRPr sz="1400" b="0" i="0" u="none" strike="noStrike" cap="none">
                 <a:solidFill>
                   <a:schemeClr val="dk2"/>
                 </a:solidFill>
@@ -8299,7 +8549,7 @@
                 <a:sym typeface="Arial"/>
               </a:defRPr>
             </a:lvl8pPr>
-            <a:lvl9pPr indent="-317500" lvl="8" marL="4114800" marR="0" rtl="0" algn="l">
+            <a:lvl9pPr marL="4114800" marR="0" lvl="8" indent="-317500" algn="l" rtl="0">
               <a:lnSpc>
                 <a:spcPct val="115000"/>
               </a:lnSpc>
@@ -8315,7 +8565,7 @@
               <a:buSzPts val="1400"/>
               <a:buFont typeface="Arial"/>
               <a:buChar char="■"/>
-              <a:defRPr b="0" i="0" sz="1400" u="none" cap="none" strike="noStrike">
+              <a:defRPr sz="1400" b="0" i="0" u="none" strike="noStrike" cap="none">
                 <a:solidFill>
                   <a:schemeClr val="dk2"/>
                 </a:solidFill>
@@ -8326,15 +8576,19 @@
               </a:defRPr>
             </a:lvl9pPr>
           </a:lstStyle>
-          <a:p/>
+          <a:p>
+            <a:endParaRPr/>
+          </a:p>
         </p:txBody>
       </p:sp>
       <p:sp>
         <p:nvSpPr>
           <p:cNvPr id="8" name="Google Shape;8;p1"/>
-          <p:cNvSpPr txBox="1"/>
+          <p:cNvSpPr txBox="1">
+            <a:spLocks noGrp="1"/>
+          </p:cNvSpPr>
           <p:nvPr>
-            <p:ph idx="12" type="sldNum"/>
+            <p:ph type="sldNum" idx="12"/>
           </p:nvPr>
         </p:nvSpPr>
         <p:spPr>
@@ -8351,11 +8605,11 @@
           </a:ln>
         </p:spPr>
         <p:txBody>
-          <a:bodyPr anchorCtr="0" anchor="ctr" bIns="91425" lIns="91425" spcFirstLastPara="1" rIns="91425" wrap="square" tIns="91425">
+          <a:bodyPr spcFirstLastPara="1" wrap="square" lIns="91425" tIns="91425" rIns="91425" bIns="91425" anchor="ctr" anchorCtr="0">
             <a:noAutofit/>
           </a:bodyPr>
           <a:lstStyle>
-            <a:lvl1pPr indent="0" lvl="0" marL="0" marR="0" rtl="0" algn="r">
+            <a:lvl1pPr marL="0" marR="0" lvl="0" indent="0" algn="r" rtl="0">
               <a:lnSpc>
                 <a:spcPct val="100000"/>
               </a:lnSpc>
@@ -8371,7 +8625,7 @@
               <a:buSzPts val="1000"/>
               <a:buFont typeface="Arial"/>
               <a:buNone/>
-              <a:defRPr b="0" i="0" sz="1000" u="none" cap="none" strike="noStrike">
+              <a:defRPr sz="1000" b="0" i="0" u="none" strike="noStrike" cap="none">
                 <a:solidFill>
                   <a:schemeClr val="dk2"/>
                 </a:solidFill>
@@ -8381,7 +8635,7 @@
                 <a:sym typeface="Arial"/>
               </a:defRPr>
             </a:lvl1pPr>
-            <a:lvl2pPr indent="0" lvl="1" marL="0" marR="0" rtl="0" algn="r">
+            <a:lvl2pPr marL="0" marR="0" lvl="1" indent="0" algn="r" rtl="0">
               <a:lnSpc>
                 <a:spcPct val="100000"/>
               </a:lnSpc>
@@ -8397,7 +8651,7 @@
               <a:buSzPts val="1000"/>
               <a:buFont typeface="Arial"/>
               <a:buNone/>
-              <a:defRPr b="0" i="0" sz="1000" u="none" cap="none" strike="noStrike">
+              <a:defRPr sz="1000" b="0" i="0" u="none" strike="noStrike" cap="none">
                 <a:solidFill>
                   <a:schemeClr val="dk2"/>
                 </a:solidFill>
@@ -8407,7 +8661,7 @@
                 <a:sym typeface="Arial"/>
               </a:defRPr>
             </a:lvl2pPr>
-            <a:lvl3pPr indent="0" lvl="2" marL="0" marR="0" rtl="0" algn="r">
+            <a:lvl3pPr marL="0" marR="0" lvl="2" indent="0" algn="r" rtl="0">
               <a:lnSpc>
                 <a:spcPct val="100000"/>
               </a:lnSpc>
@@ -8423,7 +8677,7 @@
               <a:buSzPts val="1000"/>
               <a:buFont typeface="Arial"/>
               <a:buNone/>
-              <a:defRPr b="0" i="0" sz="1000" u="none" cap="none" strike="noStrike">
+              <a:defRPr sz="1000" b="0" i="0" u="none" strike="noStrike" cap="none">
                 <a:solidFill>
                   <a:schemeClr val="dk2"/>
                 </a:solidFill>
@@ -8433,7 +8687,7 @@
                 <a:sym typeface="Arial"/>
               </a:defRPr>
             </a:lvl3pPr>
-            <a:lvl4pPr indent="0" lvl="3" marL="0" marR="0" rtl="0" algn="r">
+            <a:lvl4pPr marL="0" marR="0" lvl="3" indent="0" algn="r" rtl="0">
               <a:lnSpc>
                 <a:spcPct val="100000"/>
               </a:lnSpc>
@@ -8449,7 +8703,7 @@
               <a:buSzPts val="1000"/>
               <a:buFont typeface="Arial"/>
               <a:buNone/>
-              <a:defRPr b="0" i="0" sz="1000" u="none" cap="none" strike="noStrike">
+              <a:defRPr sz="1000" b="0" i="0" u="none" strike="noStrike" cap="none">
                 <a:solidFill>
                   <a:schemeClr val="dk2"/>
                 </a:solidFill>
@@ -8459,7 +8713,7 @@
                 <a:sym typeface="Arial"/>
               </a:defRPr>
             </a:lvl4pPr>
-            <a:lvl5pPr indent="0" lvl="4" marL="0" marR="0" rtl="0" algn="r">
+            <a:lvl5pPr marL="0" marR="0" lvl="4" indent="0" algn="r" rtl="0">
               <a:lnSpc>
                 <a:spcPct val="100000"/>
               </a:lnSpc>
@@ -8475,7 +8729,7 @@
               <a:buSzPts val="1000"/>
               <a:buFont typeface="Arial"/>
               <a:buNone/>
-              <a:defRPr b="0" i="0" sz="1000" u="none" cap="none" strike="noStrike">
+              <a:defRPr sz="1000" b="0" i="0" u="none" strike="noStrike" cap="none">
                 <a:solidFill>
                   <a:schemeClr val="dk2"/>
                 </a:solidFill>
@@ -8485,7 +8739,7 @@
                 <a:sym typeface="Arial"/>
               </a:defRPr>
             </a:lvl5pPr>
-            <a:lvl6pPr indent="0" lvl="5" marL="0" marR="0" rtl="0" algn="r">
+            <a:lvl6pPr marL="0" marR="0" lvl="5" indent="0" algn="r" rtl="0">
               <a:lnSpc>
                 <a:spcPct val="100000"/>
               </a:lnSpc>
@@ -8501,7 +8755,7 @@
               <a:buSzPts val="1000"/>
               <a:buFont typeface="Arial"/>
               <a:buNone/>
-              <a:defRPr b="0" i="0" sz="1000" u="none" cap="none" strike="noStrike">
+              <a:defRPr sz="1000" b="0" i="0" u="none" strike="noStrike" cap="none">
                 <a:solidFill>
                   <a:schemeClr val="dk2"/>
                 </a:solidFill>
@@ -8511,7 +8765,7 @@
                 <a:sym typeface="Arial"/>
               </a:defRPr>
             </a:lvl6pPr>
-            <a:lvl7pPr indent="0" lvl="6" marL="0" marR="0" rtl="0" algn="r">
+            <a:lvl7pPr marL="0" marR="0" lvl="6" indent="0" algn="r" rtl="0">
               <a:lnSpc>
                 <a:spcPct val="100000"/>
               </a:lnSpc>
@@ -8527,7 +8781,7 @@
               <a:buSzPts val="1000"/>
               <a:buFont typeface="Arial"/>
               <a:buNone/>
-              <a:defRPr b="0" i="0" sz="1000" u="none" cap="none" strike="noStrike">
+              <a:defRPr sz="1000" b="0" i="0" u="none" strike="noStrike" cap="none">
                 <a:solidFill>
                   <a:schemeClr val="dk2"/>
                 </a:solidFill>
@@ -8537,7 +8791,7 @@
                 <a:sym typeface="Arial"/>
               </a:defRPr>
             </a:lvl7pPr>
-            <a:lvl8pPr indent="0" lvl="7" marL="0" marR="0" rtl="0" algn="r">
+            <a:lvl8pPr marL="0" marR="0" lvl="7" indent="0" algn="r" rtl="0">
               <a:lnSpc>
                 <a:spcPct val="100000"/>
               </a:lnSpc>
@@ -8553,7 +8807,7 @@
               <a:buSzPts val="1000"/>
               <a:buFont typeface="Arial"/>
               <a:buNone/>
-              <a:defRPr b="0" i="0" sz="1000" u="none" cap="none" strike="noStrike">
+              <a:defRPr sz="1000" b="0" i="0" u="none" strike="noStrike" cap="none">
                 <a:solidFill>
                   <a:schemeClr val="dk2"/>
                 </a:solidFill>
@@ -8563,7 +8817,7 @@
                 <a:sym typeface="Arial"/>
               </a:defRPr>
             </a:lvl8pPr>
-            <a:lvl9pPr indent="0" lvl="8" marL="0" marR="0" rtl="0" algn="r">
+            <a:lvl9pPr marL="0" marR="0" lvl="8" indent="0" algn="r" rtl="0">
               <a:lnSpc>
                 <a:spcPct val="100000"/>
               </a:lnSpc>
@@ -8579,7 +8833,7 @@
               <a:buSzPts val="1000"/>
               <a:buFont typeface="Arial"/>
               <a:buNone/>
-              <a:defRPr b="0" i="0" sz="1000" u="none" cap="none" strike="noStrike">
+              <a:defRPr sz="1000" b="0" i="0" u="none" strike="noStrike" cap="none">
                 <a:solidFill>
                   <a:schemeClr val="dk2"/>
                 </a:solidFill>
@@ -8591,7 +8845,7 @@
             </a:lvl9pPr>
           </a:lstStyle>
           <a:p>
-            <a:pPr indent="0" lvl="0" marL="0" rtl="0" algn="r">
+            <a:pPr marL="0" lvl="0" indent="0" algn="r" rtl="0">
               <a:spcBef>
                 <a:spcPts val="0"/>
               </a:spcBef>
@@ -8602,6 +8856,15 @@
             </a:pPr>
             <a:fld id="{00000000-1234-1234-1234-123412341234}" type="slidenum">
               <a:rPr lang="en"/>
+              <a:pPr marL="0" lvl="0" indent="0" algn="r" rtl="0">
+                <a:spcBef>
+                  <a:spcPts val="0"/>
+                </a:spcBef>
+                <a:spcAft>
+                  <a:spcPts val="0"/>
+                </a:spcAft>
+                <a:buNone/>
+              </a:pPr>
               <a:t>‹#›</a:t>
             </a:fld>
             <a:endParaRPr/>
@@ -8610,7 +8873,7 @@
       </p:sp>
     </p:spTree>
   </p:cSld>
-  <p:clrMap accent1="accent1" accent2="accent2" accent3="accent3" accent4="accent4" accent5="accent5" accent6="accent6" bg1="lt1" bg2="dk2" tx1="dk1" tx2="lt2" folHlink="folHlink" hlink="hlink"/>
+  <p:clrMap bg1="lt1" tx1="dk1" bg2="dk2" tx2="lt2" accent1="accent1" accent2="accent2" accent3="accent3" accent4="accent4" accent5="accent5" accent6="accent6" hlink="hlink" folHlink="folHlink"/>
   <p:sldLayoutIdLst>
     <p:sldLayoutId id="2147483648" r:id="rId1"/>
     <p:sldLayoutId id="2147483649" r:id="rId2"/>
@@ -8624,10 +8887,10 @@
     <p:sldLayoutId id="2147483657" r:id="rId10"/>
     <p:sldLayoutId id="2147483658" r:id="rId11"/>
   </p:sldLayoutIdLst>
-  <p:hf dt="0" ftr="0" hdr="0" sldNum="0"/>
+  <p:hf sldNum="0" hdr="0" ftr="0" dt="0"/>
   <p:txStyles>
     <p:titleStyle>
-      <a:defPPr lvl="0" marR="0" rtl="0" algn="l">
+      <a:defPPr marR="0" lvl="0" algn="l" rtl="0">
         <a:lnSpc>
           <a:spcPct val="100000"/>
         </a:lnSpc>
@@ -8638,7 +8901,7 @@
           <a:spcPts val="0"/>
         </a:spcAft>
       </a:defPPr>
-      <a:lvl1pPr lvl="0" marR="0" rtl="0" algn="l">
+      <a:lvl1pPr marR="0" lvl="0" algn="l" rtl="0">
         <a:lnSpc>
           <a:spcPct val="100000"/>
         </a:lnSpc>
@@ -8652,7 +8915,7 @@
           <a:srgbClr val="000000"/>
         </a:buClr>
         <a:buFont typeface="Arial"/>
-        <a:defRPr b="0" i="0" sz="1400" u="none" cap="none" strike="noStrike">
+        <a:defRPr sz="1400" b="0" i="0" u="none" strike="noStrike" cap="none">
           <a:solidFill>
             <a:srgbClr val="000000"/>
           </a:solidFill>
@@ -8662,7 +8925,7 @@
           <a:sym typeface="Arial"/>
         </a:defRPr>
       </a:lvl1pPr>
-      <a:lvl2pPr lvl="1" marR="0" rtl="0" algn="l">
+      <a:lvl2pPr marR="0" lvl="1" algn="l" rtl="0">
         <a:lnSpc>
           <a:spcPct val="100000"/>
         </a:lnSpc>
@@ -8676,7 +8939,7 @@
           <a:srgbClr val="000000"/>
         </a:buClr>
         <a:buFont typeface="Arial"/>
-        <a:defRPr b="0" i="0" sz="1400" u="none" cap="none" strike="noStrike">
+        <a:defRPr sz="1400" b="0" i="0" u="none" strike="noStrike" cap="none">
           <a:solidFill>
             <a:srgbClr val="000000"/>
           </a:solidFill>
@@ -8686,7 +8949,7 @@
           <a:sym typeface="Arial"/>
         </a:defRPr>
       </a:lvl2pPr>
-      <a:lvl3pPr lvl="2" marR="0" rtl="0" algn="l">
+      <a:lvl3pPr marR="0" lvl="2" algn="l" rtl="0">
         <a:lnSpc>
           <a:spcPct val="100000"/>
         </a:lnSpc>
@@ -8700,7 +8963,7 @@
           <a:srgbClr val="000000"/>
         </a:buClr>
         <a:buFont typeface="Arial"/>
-        <a:defRPr b="0" i="0" sz="1400" u="none" cap="none" strike="noStrike">
+        <a:defRPr sz="1400" b="0" i="0" u="none" strike="noStrike" cap="none">
           <a:solidFill>
             <a:srgbClr val="000000"/>
           </a:solidFill>
@@ -8710,7 +8973,7 @@
           <a:sym typeface="Arial"/>
         </a:defRPr>
       </a:lvl3pPr>
-      <a:lvl4pPr lvl="3" marR="0" rtl="0" algn="l">
+      <a:lvl4pPr marR="0" lvl="3" algn="l" rtl="0">
         <a:lnSpc>
           <a:spcPct val="100000"/>
         </a:lnSpc>
@@ -8724,7 +8987,7 @@
           <a:srgbClr val="000000"/>
         </a:buClr>
         <a:buFont typeface="Arial"/>
-        <a:defRPr b="0" i="0" sz="1400" u="none" cap="none" strike="noStrike">
+        <a:defRPr sz="1400" b="0" i="0" u="none" strike="noStrike" cap="none">
           <a:solidFill>
             <a:srgbClr val="000000"/>
           </a:solidFill>
@@ -8734,7 +8997,7 @@
           <a:sym typeface="Arial"/>
         </a:defRPr>
       </a:lvl4pPr>
-      <a:lvl5pPr lvl="4" marR="0" rtl="0" algn="l">
+      <a:lvl5pPr marR="0" lvl="4" algn="l" rtl="0">
         <a:lnSpc>
           <a:spcPct val="100000"/>
         </a:lnSpc>
@@ -8748,7 +9011,7 @@
           <a:srgbClr val="000000"/>
         </a:buClr>
         <a:buFont typeface="Arial"/>
-        <a:defRPr b="0" i="0" sz="1400" u="none" cap="none" strike="noStrike">
+        <a:defRPr sz="1400" b="0" i="0" u="none" strike="noStrike" cap="none">
           <a:solidFill>
             <a:srgbClr val="000000"/>
           </a:solidFill>
@@ -8758,7 +9021,7 @@
           <a:sym typeface="Arial"/>
         </a:defRPr>
       </a:lvl5pPr>
-      <a:lvl6pPr lvl="5" marR="0" rtl="0" algn="l">
+      <a:lvl6pPr marR="0" lvl="5" algn="l" rtl="0">
         <a:lnSpc>
           <a:spcPct val="100000"/>
         </a:lnSpc>
@@ -8772,7 +9035,7 @@
           <a:srgbClr val="000000"/>
         </a:buClr>
         <a:buFont typeface="Arial"/>
-        <a:defRPr b="0" i="0" sz="1400" u="none" cap="none" strike="noStrike">
+        <a:defRPr sz="1400" b="0" i="0" u="none" strike="noStrike" cap="none">
           <a:solidFill>
             <a:srgbClr val="000000"/>
           </a:solidFill>
@@ -8782,7 +9045,7 @@
           <a:sym typeface="Arial"/>
         </a:defRPr>
       </a:lvl6pPr>
-      <a:lvl7pPr lvl="6" marR="0" rtl="0" algn="l">
+      <a:lvl7pPr marR="0" lvl="6" algn="l" rtl="0">
         <a:lnSpc>
           <a:spcPct val="100000"/>
         </a:lnSpc>
@@ -8796,7 +9059,7 @@
           <a:srgbClr val="000000"/>
         </a:buClr>
         <a:buFont typeface="Arial"/>
-        <a:defRPr b="0" i="0" sz="1400" u="none" cap="none" strike="noStrike">
+        <a:defRPr sz="1400" b="0" i="0" u="none" strike="noStrike" cap="none">
           <a:solidFill>
             <a:srgbClr val="000000"/>
           </a:solidFill>
@@ -8806,7 +9069,7 @@
           <a:sym typeface="Arial"/>
         </a:defRPr>
       </a:lvl7pPr>
-      <a:lvl8pPr lvl="7" marR="0" rtl="0" algn="l">
+      <a:lvl8pPr marR="0" lvl="7" algn="l" rtl="0">
         <a:lnSpc>
           <a:spcPct val="100000"/>
         </a:lnSpc>
@@ -8820,7 +9083,7 @@
           <a:srgbClr val="000000"/>
         </a:buClr>
         <a:buFont typeface="Arial"/>
-        <a:defRPr b="0" i="0" sz="1400" u="none" cap="none" strike="noStrike">
+        <a:defRPr sz="1400" b="0" i="0" u="none" strike="noStrike" cap="none">
           <a:solidFill>
             <a:srgbClr val="000000"/>
           </a:solidFill>
@@ -8830,7 +9093,7 @@
           <a:sym typeface="Arial"/>
         </a:defRPr>
       </a:lvl8pPr>
-      <a:lvl9pPr lvl="8" marR="0" rtl="0" algn="l">
+      <a:lvl9pPr marR="0" lvl="8" algn="l" rtl="0">
         <a:lnSpc>
           <a:spcPct val="100000"/>
         </a:lnSpc>
@@ -8844,7 +9107,7 @@
           <a:srgbClr val="000000"/>
         </a:buClr>
         <a:buFont typeface="Arial"/>
-        <a:defRPr b="0" i="0" sz="1400" u="none" cap="none" strike="noStrike">
+        <a:defRPr sz="1400" b="0" i="0" u="none" strike="noStrike" cap="none">
           <a:solidFill>
             <a:srgbClr val="000000"/>
           </a:solidFill>
@@ -8856,7 +9119,7 @@
       </a:lvl9pPr>
     </p:titleStyle>
     <p:bodyStyle>
-      <a:defPPr lvl="0" marR="0" rtl="0" algn="l">
+      <a:defPPr marR="0" lvl="0" algn="l" rtl="0">
         <a:lnSpc>
           <a:spcPct val="100000"/>
         </a:lnSpc>
@@ -8867,7 +9130,7 @@
           <a:spcPts val="0"/>
         </a:spcAft>
       </a:defPPr>
-      <a:lvl1pPr lvl="0" marR="0" rtl="0" algn="l">
+      <a:lvl1pPr marR="0" lvl="0" algn="l" rtl="0">
         <a:lnSpc>
           <a:spcPct val="100000"/>
         </a:lnSpc>
@@ -8881,7 +9144,7 @@
           <a:srgbClr val="000000"/>
         </a:buClr>
         <a:buFont typeface="Arial"/>
-        <a:defRPr b="0" i="0" sz="1400" u="none" cap="none" strike="noStrike">
+        <a:defRPr sz="1400" b="0" i="0" u="none" strike="noStrike" cap="none">
           <a:solidFill>
             <a:srgbClr val="000000"/>
           </a:solidFill>
@@ -8891,7 +9154,7 @@
           <a:sym typeface="Arial"/>
         </a:defRPr>
       </a:lvl1pPr>
-      <a:lvl2pPr lvl="1" marR="0" rtl="0" algn="l">
+      <a:lvl2pPr marR="0" lvl="1" algn="l" rtl="0">
         <a:lnSpc>
           <a:spcPct val="100000"/>
         </a:lnSpc>
@@ -8905,7 +9168,7 @@
           <a:srgbClr val="000000"/>
         </a:buClr>
         <a:buFont typeface="Arial"/>
-        <a:defRPr b="0" i="0" sz="1400" u="none" cap="none" strike="noStrike">
+        <a:defRPr sz="1400" b="0" i="0" u="none" strike="noStrike" cap="none">
           <a:solidFill>
             <a:srgbClr val="000000"/>
           </a:solidFill>
@@ -8915,7 +9178,7 @@
           <a:sym typeface="Arial"/>
         </a:defRPr>
       </a:lvl2pPr>
-      <a:lvl3pPr lvl="2" marR="0" rtl="0" algn="l">
+      <a:lvl3pPr marR="0" lvl="2" algn="l" rtl="0">
         <a:lnSpc>
           <a:spcPct val="100000"/>
         </a:lnSpc>
@@ -8929,7 +9192,7 @@
           <a:srgbClr val="000000"/>
         </a:buClr>
         <a:buFont typeface="Arial"/>
-        <a:defRPr b="0" i="0" sz="1400" u="none" cap="none" strike="noStrike">
+        <a:defRPr sz="1400" b="0" i="0" u="none" strike="noStrike" cap="none">
           <a:solidFill>
             <a:srgbClr val="000000"/>
           </a:solidFill>
@@ -8939,7 +9202,7 @@
           <a:sym typeface="Arial"/>
         </a:defRPr>
       </a:lvl3pPr>
-      <a:lvl4pPr lvl="3" marR="0" rtl="0" algn="l">
+      <a:lvl4pPr marR="0" lvl="3" algn="l" rtl="0">
         <a:lnSpc>
           <a:spcPct val="100000"/>
         </a:lnSpc>
@@ -8953,7 +9216,7 @@
           <a:srgbClr val="000000"/>
         </a:buClr>
         <a:buFont typeface="Arial"/>
-        <a:defRPr b="0" i="0" sz="1400" u="none" cap="none" strike="noStrike">
+        <a:defRPr sz="1400" b="0" i="0" u="none" strike="noStrike" cap="none">
           <a:solidFill>
             <a:srgbClr val="000000"/>
           </a:solidFill>
@@ -8963,7 +9226,7 @@
           <a:sym typeface="Arial"/>
         </a:defRPr>
       </a:lvl4pPr>
-      <a:lvl5pPr lvl="4" marR="0" rtl="0" algn="l">
+      <a:lvl5pPr marR="0" lvl="4" algn="l" rtl="0">
         <a:lnSpc>
           <a:spcPct val="100000"/>
         </a:lnSpc>
@@ -8977,7 +9240,7 @@
           <a:srgbClr val="000000"/>
         </a:buClr>
         <a:buFont typeface="Arial"/>
-        <a:defRPr b="0" i="0" sz="1400" u="none" cap="none" strike="noStrike">
+        <a:defRPr sz="1400" b="0" i="0" u="none" strike="noStrike" cap="none">
           <a:solidFill>
             <a:srgbClr val="000000"/>
           </a:solidFill>
@@ -8987,7 +9250,7 @@
           <a:sym typeface="Arial"/>
         </a:defRPr>
       </a:lvl5pPr>
-      <a:lvl6pPr lvl="5" marR="0" rtl="0" algn="l">
+      <a:lvl6pPr marR="0" lvl="5" algn="l" rtl="0">
         <a:lnSpc>
           <a:spcPct val="100000"/>
         </a:lnSpc>
@@ -9001,7 +9264,7 @@
           <a:srgbClr val="000000"/>
         </a:buClr>
         <a:buFont typeface="Arial"/>
-        <a:defRPr b="0" i="0" sz="1400" u="none" cap="none" strike="noStrike">
+        <a:defRPr sz="1400" b="0" i="0" u="none" strike="noStrike" cap="none">
           <a:solidFill>
             <a:srgbClr val="000000"/>
           </a:solidFill>
@@ -9011,7 +9274,7 @@
           <a:sym typeface="Arial"/>
         </a:defRPr>
       </a:lvl6pPr>
-      <a:lvl7pPr lvl="6" marR="0" rtl="0" algn="l">
+      <a:lvl7pPr marR="0" lvl="6" algn="l" rtl="0">
         <a:lnSpc>
           <a:spcPct val="100000"/>
         </a:lnSpc>
@@ -9025,7 +9288,7 @@
           <a:srgbClr val="000000"/>
         </a:buClr>
         <a:buFont typeface="Arial"/>
-        <a:defRPr b="0" i="0" sz="1400" u="none" cap="none" strike="noStrike">
+        <a:defRPr sz="1400" b="0" i="0" u="none" strike="noStrike" cap="none">
           <a:solidFill>
             <a:srgbClr val="000000"/>
           </a:solidFill>
@@ -9035,7 +9298,7 @@
           <a:sym typeface="Arial"/>
         </a:defRPr>
       </a:lvl7pPr>
-      <a:lvl8pPr lvl="7" marR="0" rtl="0" algn="l">
+      <a:lvl8pPr marR="0" lvl="7" algn="l" rtl="0">
         <a:lnSpc>
           <a:spcPct val="100000"/>
         </a:lnSpc>
@@ -9049,7 +9312,7 @@
           <a:srgbClr val="000000"/>
         </a:buClr>
         <a:buFont typeface="Arial"/>
-        <a:defRPr b="0" i="0" sz="1400" u="none" cap="none" strike="noStrike">
+        <a:defRPr sz="1400" b="0" i="0" u="none" strike="noStrike" cap="none">
           <a:solidFill>
             <a:srgbClr val="000000"/>
           </a:solidFill>
@@ -9059,7 +9322,7 @@
           <a:sym typeface="Arial"/>
         </a:defRPr>
       </a:lvl8pPr>
-      <a:lvl9pPr lvl="8" marR="0" rtl="0" algn="l">
+      <a:lvl9pPr marR="0" lvl="8" algn="l" rtl="0">
         <a:lnSpc>
           <a:spcPct val="100000"/>
         </a:lnSpc>
@@ -9073,7 +9336,7 @@
           <a:srgbClr val="000000"/>
         </a:buClr>
         <a:buFont typeface="Arial"/>
-        <a:defRPr b="0" i="0" sz="1400" u="none" cap="none" strike="noStrike">
+        <a:defRPr sz="1400" b="0" i="0" u="none" strike="noStrike" cap="none">
           <a:solidFill>
             <a:srgbClr val="000000"/>
           </a:solidFill>
@@ -9085,7 +9348,7 @@
       </a:lvl9pPr>
     </p:bodyStyle>
     <p:otherStyle>
-      <a:defPPr lvl="0" marR="0" rtl="0" algn="l">
+      <a:defPPr marR="0" lvl="0" algn="l" rtl="0">
         <a:lnSpc>
           <a:spcPct val="100000"/>
         </a:lnSpc>
@@ -9096,7 +9359,7 @@
           <a:spcPts val="0"/>
         </a:spcAft>
       </a:defPPr>
-      <a:lvl1pPr lvl="0" marR="0" rtl="0" algn="l">
+      <a:lvl1pPr marR="0" lvl="0" algn="l" rtl="0">
         <a:lnSpc>
           <a:spcPct val="100000"/>
         </a:lnSpc>
@@ -9110,7 +9373,7 @@
           <a:srgbClr val="000000"/>
         </a:buClr>
         <a:buFont typeface="Arial"/>
-        <a:defRPr b="0" i="0" sz="1400" u="none" cap="none" strike="noStrike">
+        <a:defRPr sz="1400" b="0" i="0" u="none" strike="noStrike" cap="none">
           <a:solidFill>
             <a:srgbClr val="000000"/>
           </a:solidFill>
@@ -9120,7 +9383,7 @@
           <a:sym typeface="Arial"/>
         </a:defRPr>
       </a:lvl1pPr>
-      <a:lvl2pPr lvl="1" marR="0" rtl="0" algn="l">
+      <a:lvl2pPr marR="0" lvl="1" algn="l" rtl="0">
         <a:lnSpc>
           <a:spcPct val="100000"/>
         </a:lnSpc>
@@ -9134,7 +9397,7 @@
           <a:srgbClr val="000000"/>
         </a:buClr>
         <a:buFont typeface="Arial"/>
-        <a:defRPr b="0" i="0" sz="1400" u="none" cap="none" strike="noStrike">
+        <a:defRPr sz="1400" b="0" i="0" u="none" strike="noStrike" cap="none">
           <a:solidFill>
             <a:srgbClr val="000000"/>
           </a:solidFill>
@@ -9144,7 +9407,7 @@
           <a:sym typeface="Arial"/>
         </a:defRPr>
       </a:lvl2pPr>
-      <a:lvl3pPr lvl="2" marR="0" rtl="0" algn="l">
+      <a:lvl3pPr marR="0" lvl="2" algn="l" rtl="0">
         <a:lnSpc>
           <a:spcPct val="100000"/>
         </a:lnSpc>
@@ -9158,7 +9421,7 @@
           <a:srgbClr val="000000"/>
         </a:buClr>
         <a:buFont typeface="Arial"/>
-        <a:defRPr b="0" i="0" sz="1400" u="none" cap="none" strike="noStrike">
+        <a:defRPr sz="1400" b="0" i="0" u="none" strike="noStrike" cap="none">
           <a:solidFill>
             <a:srgbClr val="000000"/>
           </a:solidFill>
@@ -9168,7 +9431,7 @@
           <a:sym typeface="Arial"/>
         </a:defRPr>
       </a:lvl3pPr>
-      <a:lvl4pPr lvl="3" marR="0" rtl="0" algn="l">
+      <a:lvl4pPr marR="0" lvl="3" algn="l" rtl="0">
         <a:lnSpc>
           <a:spcPct val="100000"/>
         </a:lnSpc>
@@ -9182,7 +9445,7 @@
           <a:srgbClr val="000000"/>
         </a:buClr>
         <a:buFont typeface="Arial"/>
-        <a:defRPr b="0" i="0" sz="1400" u="none" cap="none" strike="noStrike">
+        <a:defRPr sz="1400" b="0" i="0" u="none" strike="noStrike" cap="none">
           <a:solidFill>
             <a:srgbClr val="000000"/>
           </a:solidFill>
@@ -9192,7 +9455,7 @@
           <a:sym typeface="Arial"/>
         </a:defRPr>
       </a:lvl4pPr>
-      <a:lvl5pPr lvl="4" marR="0" rtl="0" algn="l">
+      <a:lvl5pPr marR="0" lvl="4" algn="l" rtl="0">
         <a:lnSpc>
           <a:spcPct val="100000"/>
         </a:lnSpc>
@@ -9206,7 +9469,7 @@
           <a:srgbClr val="000000"/>
         </a:buClr>
         <a:buFont typeface="Arial"/>
-        <a:defRPr b="0" i="0" sz="1400" u="none" cap="none" strike="noStrike">
+        <a:defRPr sz="1400" b="0" i="0" u="none" strike="noStrike" cap="none">
           <a:solidFill>
             <a:srgbClr val="000000"/>
           </a:solidFill>
@@ -9216,7 +9479,7 @@
           <a:sym typeface="Arial"/>
         </a:defRPr>
       </a:lvl5pPr>
-      <a:lvl6pPr lvl="5" marR="0" rtl="0" algn="l">
+      <a:lvl6pPr marR="0" lvl="5" algn="l" rtl="0">
         <a:lnSpc>
           <a:spcPct val="100000"/>
         </a:lnSpc>
@@ -9230,7 +9493,7 @@
           <a:srgbClr val="000000"/>
         </a:buClr>
         <a:buFont typeface="Arial"/>
-        <a:defRPr b="0" i="0" sz="1400" u="none" cap="none" strike="noStrike">
+        <a:defRPr sz="1400" b="0" i="0" u="none" strike="noStrike" cap="none">
           <a:solidFill>
             <a:srgbClr val="000000"/>
           </a:solidFill>
@@ -9240,7 +9503,7 @@
           <a:sym typeface="Arial"/>
         </a:defRPr>
       </a:lvl6pPr>
-      <a:lvl7pPr lvl="6" marR="0" rtl="0" algn="l">
+      <a:lvl7pPr marR="0" lvl="6" algn="l" rtl="0">
         <a:lnSpc>
           <a:spcPct val="100000"/>
         </a:lnSpc>
@@ -9254,7 +9517,7 @@
           <a:srgbClr val="000000"/>
         </a:buClr>
         <a:buFont typeface="Arial"/>
-        <a:defRPr b="0" i="0" sz="1400" u="none" cap="none" strike="noStrike">
+        <a:defRPr sz="1400" b="0" i="0" u="none" strike="noStrike" cap="none">
           <a:solidFill>
             <a:srgbClr val="000000"/>
           </a:solidFill>
@@ -9264,7 +9527,7 @@
           <a:sym typeface="Arial"/>
         </a:defRPr>
       </a:lvl7pPr>
-      <a:lvl8pPr lvl="7" marR="0" rtl="0" algn="l">
+      <a:lvl8pPr marR="0" lvl="7" algn="l" rtl="0">
         <a:lnSpc>
           <a:spcPct val="100000"/>
         </a:lnSpc>
@@ -9278,7 +9541,7 @@
           <a:srgbClr val="000000"/>
         </a:buClr>
         <a:buFont typeface="Arial"/>
-        <a:defRPr b="0" i="0" sz="1400" u="none" cap="none" strike="noStrike">
+        <a:defRPr sz="1400" b="0" i="0" u="none" strike="noStrike" cap="none">
           <a:solidFill>
             <a:srgbClr val="000000"/>
           </a:solidFill>
@@ -9288,7 +9551,7 @@
           <a:sym typeface="Arial"/>
         </a:defRPr>
       </a:lvl8pPr>
-      <a:lvl9pPr lvl="8" marR="0" rtl="0" algn="l">
+      <a:lvl9pPr marR="0" lvl="8" algn="l" rtl="0">
         <a:lnSpc>
           <a:spcPct val="100000"/>
         </a:lnSpc>
@@ -9302,7 +9565,7 @@
           <a:srgbClr val="000000"/>
         </a:buClr>
         <a:buFont typeface="Arial"/>
-        <a:defRPr b="0" i="0" sz="1400" u="none" cap="none" strike="noStrike">
+        <a:defRPr sz="1400" b="0" i="0" u="none" strike="noStrike" cap="none">
           <a:solidFill>
             <a:srgbClr val="000000"/>
           </a:solidFill>
@@ -9318,11 +9581,11 @@
 </file>
 
 <file path=ppt/slides/slide1.xml><?xml version="1.0" encoding="utf-8"?>
-<p:sld xmlns:a="http://schemas.openxmlformats.org/drawingml/2006/main" xmlns:r="http://schemas.openxmlformats.org/officeDocument/2006/relationships" xmlns:mc="http://schemas.openxmlformats.org/markup-compatibility/2006" xmlns:mv="urn:schemas-microsoft-com:mac:vml" xmlns:p="http://schemas.openxmlformats.org/presentationml/2006/main" xmlns:c="http://schemas.openxmlformats.org/drawingml/2006/chart" xmlns:dgm="http://schemas.openxmlformats.org/drawingml/2006/diagram" xmlns:o="urn:schemas-microsoft-com:office:office" xmlns:v="urn:schemas-microsoft-com:vml" xmlns:pvml="urn:schemas-microsoft-com:office:powerpoint" xmlns:com="http://schemas.openxmlformats.org/drawingml/2006/compatibility" xmlns:p14="http://schemas.microsoft.com/office/powerpoint/2010/main" xmlns:p15="http://schemas.microsoft.com/office/powerpoint/2012/main" xmlns:ahyp="http://schemas.microsoft.com/office/drawing/2018/hyperlinkcolor">
+<p:sld xmlns:a="http://schemas.openxmlformats.org/drawingml/2006/main" xmlns:r="http://schemas.openxmlformats.org/officeDocument/2006/relationships" xmlns:p="http://schemas.openxmlformats.org/presentationml/2006/main">
   <p:cSld>
     <p:spTree>
       <p:nvGrpSpPr>
-        <p:cNvPr id="53" name="Shape 53"/>
+        <p:cNvPr id="1" name="Shape 53"/>
         <p:cNvGrpSpPr/>
         <p:nvPr/>
       </p:nvGrpSpPr>
@@ -9337,7 +9600,9 @@
       <p:sp>
         <p:nvSpPr>
           <p:cNvPr id="54" name="Google Shape;54;p13"/>
-          <p:cNvSpPr txBox="1"/>
+          <p:cNvSpPr txBox="1">
+            <a:spLocks noGrp="1"/>
+          </p:cNvSpPr>
           <p:nvPr>
             <p:ph type="ctrTitle"/>
           </p:nvPr>
@@ -9356,12 +9621,12 @@
           </a:ln>
         </p:spPr>
         <p:txBody>
-          <a:bodyPr anchorCtr="0" anchor="b" bIns="91425" lIns="91425" spcFirstLastPara="1" rIns="91425" wrap="square" tIns="91425">
+          <a:bodyPr spcFirstLastPara="1" wrap="square" lIns="91425" tIns="91425" rIns="91425" bIns="91425" anchor="b" anchorCtr="0">
             <a:noAutofit/>
           </a:bodyPr>
           <a:lstStyle/>
           <a:p>
-            <a:pPr indent="0" lvl="0" marL="0" rtl="0" algn="ctr">
+            <a:pPr marL="0" lvl="0" indent="0" algn="ctr" rtl="0">
               <a:lnSpc>
                 <a:spcPct val="100000"/>
               </a:lnSpc>
@@ -9391,11 +9656,11 @@
 </file>
 
 <file path=ppt/slides/slide2.xml><?xml version="1.0" encoding="utf-8"?>
-<p:sld xmlns:a="http://schemas.openxmlformats.org/drawingml/2006/main" xmlns:r="http://schemas.openxmlformats.org/officeDocument/2006/relationships" xmlns:mc="http://schemas.openxmlformats.org/markup-compatibility/2006" xmlns:mv="urn:schemas-microsoft-com:mac:vml" xmlns:p="http://schemas.openxmlformats.org/presentationml/2006/main" xmlns:c="http://schemas.openxmlformats.org/drawingml/2006/chart" xmlns:dgm="http://schemas.openxmlformats.org/drawingml/2006/diagram" xmlns:o="urn:schemas-microsoft-com:office:office" xmlns:v="urn:schemas-microsoft-com:vml" xmlns:pvml="urn:schemas-microsoft-com:office:powerpoint" xmlns:com="http://schemas.openxmlformats.org/drawingml/2006/compatibility" xmlns:p14="http://schemas.microsoft.com/office/powerpoint/2010/main" xmlns:p15="http://schemas.microsoft.com/office/powerpoint/2012/main" xmlns:ahyp="http://schemas.microsoft.com/office/drawing/2018/hyperlinkcolor">
+<p:sld xmlns:a="http://schemas.openxmlformats.org/drawingml/2006/main" xmlns:r="http://schemas.openxmlformats.org/officeDocument/2006/relationships" xmlns:p="http://schemas.openxmlformats.org/presentationml/2006/main">
   <p:cSld>
     <p:spTree>
       <p:nvGrpSpPr>
-        <p:cNvPr id="58" name="Shape 58"/>
+        <p:cNvPr id="1" name="Shape 58"/>
         <p:cNvGrpSpPr/>
         <p:nvPr/>
       </p:nvGrpSpPr>
@@ -9415,34 +9680,34 @@
         </p:nvSpPr>
         <p:spPr>
           <a:xfrm>
-            <a:off x="2969925" y="188875"/>
-            <a:ext cx="2511300" cy="1396800"/>
+            <a:off x="3144096" y="957943"/>
+            <a:ext cx="2511300" cy="685800"/>
           </a:xfrm>
           <a:prstGeom prst="roundRect">
             <a:avLst>
-              <a:gd fmla="val 16667" name="adj"/>
+              <a:gd name="adj" fmla="val 16667"/>
             </a:avLst>
           </a:prstGeom>
           <a:solidFill>
             <a:srgbClr val="6AA84F"/>
           </a:solidFill>
-          <a:ln cap="flat" cmpd="sng" w="9525">
+          <a:ln w="9525" cap="flat" cmpd="sng">
             <a:solidFill>
               <a:schemeClr val="dk2"/>
             </a:solidFill>
             <a:prstDash val="solid"/>
             <a:round/>
-            <a:headEnd len="sm" w="sm" type="none"/>
-            <a:tailEnd len="sm" w="sm" type="none"/>
+            <a:headEnd type="none" w="sm" len="sm"/>
+            <a:tailEnd type="none" w="sm" len="sm"/>
           </a:ln>
         </p:spPr>
         <p:txBody>
-          <a:bodyPr anchorCtr="0" anchor="ctr" bIns="91425" lIns="91425" spcFirstLastPara="1" rIns="91425" wrap="square" tIns="91425">
+          <a:bodyPr spcFirstLastPara="1" wrap="square" lIns="91425" tIns="91425" rIns="91425" bIns="91425" anchor="ctr" anchorCtr="0">
             <a:noAutofit/>
           </a:bodyPr>
           <a:lstStyle/>
           <a:p>
-            <a:pPr indent="0" lvl="0" marL="0" marR="0" rtl="0" algn="l">
+            <a:pPr marL="0" marR="0" lvl="0" indent="0" algn="l" rtl="0">
               <a:lnSpc>
                 <a:spcPct val="100000"/>
               </a:lnSpc>
@@ -9460,10 +9725,10 @@
               <a:buNone/>
             </a:pPr>
             <a:r>
-              <a:rPr lang="en"/>
+              <a:rPr lang="en" dirty="0"/>
               <a:t>Select the required path</a:t>
             </a:r>
-            <a:endParaRPr b="0" i="0" sz="1400" u="none" cap="none" strike="noStrike">
+            <a:endParaRPr sz="1400" b="0" i="0" u="none" strike="noStrike" cap="none" dirty="0">
               <a:latin typeface="Arial"/>
               <a:ea typeface="Arial"/>
               <a:cs typeface="Arial"/>
@@ -9480,34 +9745,34 @@
         </p:nvSpPr>
         <p:spPr>
           <a:xfrm>
-            <a:off x="6051225" y="88225"/>
-            <a:ext cx="2121900" cy="1598100"/>
+            <a:off x="1382485" y="3668484"/>
+            <a:ext cx="1219201" cy="1284515"/>
           </a:xfrm>
           <a:prstGeom prst="roundRect">
             <a:avLst>
-              <a:gd fmla="val 16667" name="adj"/>
+              <a:gd name="adj" fmla="val 16667"/>
             </a:avLst>
           </a:prstGeom>
           <a:solidFill>
             <a:srgbClr val="6AA84F"/>
           </a:solidFill>
-          <a:ln cap="flat" cmpd="sng" w="9525">
+          <a:ln w="9525" cap="flat" cmpd="sng">
             <a:solidFill>
               <a:schemeClr val="dk2"/>
             </a:solidFill>
             <a:prstDash val="solid"/>
             <a:round/>
-            <a:headEnd len="sm" w="sm" type="none"/>
-            <a:tailEnd len="sm" w="sm" type="none"/>
+            <a:headEnd type="none" w="sm" len="sm"/>
+            <a:tailEnd type="none" w="sm" len="sm"/>
           </a:ln>
         </p:spPr>
         <p:txBody>
-          <a:bodyPr anchorCtr="0" anchor="ctr" bIns="91425" lIns="91425" spcFirstLastPara="1" rIns="91425" wrap="square" tIns="91425">
+          <a:bodyPr spcFirstLastPara="1" wrap="square" lIns="91425" tIns="91425" rIns="91425" bIns="91425" anchor="ctr" anchorCtr="0">
             <a:noAutofit/>
           </a:bodyPr>
           <a:lstStyle/>
           <a:p>
-            <a:pPr indent="0" lvl="0" marL="0" marR="0" rtl="0" algn="l">
+            <a:pPr marL="0" marR="0" lvl="0" indent="0" algn="l" rtl="0">
               <a:lnSpc>
                 <a:spcPct val="100000"/>
               </a:lnSpc>
@@ -9525,14 +9790,14 @@
               <a:buNone/>
             </a:pPr>
             <a:r>
-              <a:rPr lang="en">
+              <a:rPr lang="en" dirty="0">
                 <a:solidFill>
                   <a:schemeClr val="dk1"/>
                 </a:solidFill>
               </a:rPr>
               <a:t>If stockpiles are involved, select a stockpile.</a:t>
             </a:r>
-            <a:endParaRPr b="0" i="0" sz="1400" u="none" cap="none" strike="noStrike">
+            <a:endParaRPr sz="1400" b="0" i="0" u="none" strike="noStrike" cap="none" dirty="0">
               <a:solidFill>
                 <a:srgbClr val="000000"/>
               </a:solidFill>
@@ -9544,35 +9809,6 @@
           </a:p>
         </p:txBody>
       </p:sp>
-      <p:cxnSp>
-        <p:nvCxnSpPr>
-          <p:cNvPr id="61" name="Google Shape;61;p14"/>
-          <p:cNvCxnSpPr>
-            <a:stCxn id="59" idx="3"/>
-            <a:endCxn id="60" idx="1"/>
-          </p:cNvCxnSpPr>
-          <p:nvPr/>
-        </p:nvCxnSpPr>
-        <p:spPr>
-          <a:xfrm>
-            <a:off x="5481225" y="887275"/>
-            <a:ext cx="570000" cy="0"/>
-          </a:xfrm>
-          <a:prstGeom prst="straightConnector1">
-            <a:avLst/>
-          </a:prstGeom>
-          <a:noFill/>
-          <a:ln cap="flat" cmpd="sng" w="9525">
-            <a:solidFill>
-              <a:schemeClr val="dk2"/>
-            </a:solidFill>
-            <a:prstDash val="solid"/>
-            <a:round/>
-            <a:headEnd len="sm" w="sm" type="none"/>
-            <a:tailEnd len="med" w="med" type="triangle"/>
-          </a:ln>
-        </p:spPr>
-      </p:cxnSp>
       <p:sp>
         <p:nvSpPr>
           <p:cNvPr id="62" name="Google Shape;62;p14"/>
@@ -9593,12 +9829,12 @@
           </a:ln>
         </p:spPr>
         <p:txBody>
-          <a:bodyPr anchorCtr="0" anchor="t" bIns="91425" lIns="91425" spcFirstLastPara="1" rIns="91425" wrap="square" tIns="91425">
+          <a:bodyPr spcFirstLastPara="1" wrap="square" lIns="91425" tIns="91425" rIns="91425" bIns="91425" anchor="t" anchorCtr="0">
             <a:noAutofit/>
           </a:bodyPr>
           <a:lstStyle/>
           <a:p>
-            <a:pPr indent="0" lvl="0" marL="0" rtl="0" algn="l">
+            <a:pPr marL="0" lvl="0" indent="0" algn="l" rtl="0">
               <a:spcBef>
                 <a:spcPts val="0"/>
               </a:spcBef>
@@ -9623,34 +9859,34 @@
         </p:nvSpPr>
         <p:spPr>
           <a:xfrm>
-            <a:off x="6130150" y="1979925"/>
-            <a:ext cx="2121900" cy="1598100"/>
+            <a:off x="4627921" y="3493040"/>
+            <a:ext cx="1838193" cy="1416418"/>
           </a:xfrm>
           <a:prstGeom prst="roundRect">
             <a:avLst>
-              <a:gd fmla="val 16667" name="adj"/>
+              <a:gd name="adj" fmla="val 16667"/>
             </a:avLst>
           </a:prstGeom>
           <a:solidFill>
             <a:srgbClr val="6AA84F"/>
           </a:solidFill>
-          <a:ln cap="flat" cmpd="sng" w="9525">
+          <a:ln w="9525" cap="flat" cmpd="sng">
             <a:solidFill>
               <a:schemeClr val="dk2"/>
             </a:solidFill>
             <a:prstDash val="solid"/>
             <a:round/>
-            <a:headEnd len="sm" w="sm" type="none"/>
-            <a:tailEnd len="sm" w="sm" type="none"/>
+            <a:headEnd type="none" w="sm" len="sm"/>
+            <a:tailEnd type="none" w="sm" len="sm"/>
           </a:ln>
         </p:spPr>
         <p:txBody>
-          <a:bodyPr anchorCtr="0" anchor="ctr" bIns="91425" lIns="91425" spcFirstLastPara="1" rIns="91425" wrap="square" tIns="91425">
+          <a:bodyPr spcFirstLastPara="1" wrap="square" lIns="91425" tIns="91425" rIns="91425" bIns="91425" anchor="ctr" anchorCtr="0">
             <a:noAutofit/>
           </a:bodyPr>
           <a:lstStyle/>
           <a:p>
-            <a:pPr indent="0" lvl="0" marL="0" rtl="0" algn="l">
+            <a:pPr marL="0" lvl="0" indent="0" algn="l" rtl="0">
               <a:spcBef>
                 <a:spcPts val="0"/>
               </a:spcBef>
@@ -9660,10 +9896,10 @@
               <a:buNone/>
             </a:pPr>
             <a:r>
-              <a:rPr lang="en"/>
+              <a:rPr lang="en" dirty="0"/>
               <a:t>If rakes are involved, select the rake from the drop down and specify the wagon numbers</a:t>
             </a:r>
-            <a:endParaRPr/>
+            <a:endParaRPr dirty="0"/>
           </a:p>
         </p:txBody>
       </p:sp>
@@ -9675,34 +9911,34 @@
         </p:nvSpPr>
         <p:spPr>
           <a:xfrm>
-            <a:off x="9608550" y="710000"/>
-            <a:ext cx="1893300" cy="2540100"/>
+            <a:off x="7115502" y="1450428"/>
+            <a:ext cx="693683" cy="1145626"/>
           </a:xfrm>
           <a:prstGeom prst="can">
             <a:avLst>
-              <a:gd fmla="val 25000" name="adj"/>
+              <a:gd name="adj" fmla="val 25000"/>
             </a:avLst>
           </a:prstGeom>
           <a:solidFill>
             <a:srgbClr val="6D9EEB"/>
           </a:solidFill>
-          <a:ln cap="flat" cmpd="sng" w="9525">
+          <a:ln w="9525" cap="flat" cmpd="sng">
             <a:solidFill>
               <a:schemeClr val="dk2"/>
             </a:solidFill>
             <a:prstDash val="solid"/>
             <a:round/>
-            <a:headEnd len="sm" w="sm" type="none"/>
-            <a:tailEnd len="sm" w="sm" type="none"/>
+            <a:headEnd type="none" w="sm" len="sm"/>
+            <a:tailEnd type="none" w="sm" len="sm"/>
           </a:ln>
         </p:spPr>
         <p:txBody>
-          <a:bodyPr anchorCtr="0" anchor="ctr" bIns="91425" lIns="91425" spcFirstLastPara="1" rIns="91425" wrap="square" tIns="91425">
+          <a:bodyPr spcFirstLastPara="1" wrap="square" lIns="91425" tIns="91425" rIns="91425" bIns="91425" anchor="ctr" anchorCtr="0">
             <a:noAutofit/>
           </a:bodyPr>
           <a:lstStyle/>
           <a:p>
-            <a:pPr indent="0" lvl="0" marL="0" rtl="0" algn="ctr">
+            <a:pPr marL="0" lvl="0" indent="0" algn="ctr" rtl="0">
               <a:spcBef>
                 <a:spcPts val="0"/>
               </a:spcBef>
@@ -9712,42 +9948,13 @@
               <a:buNone/>
             </a:pPr>
             <a:r>
-              <a:rPr lang="en"/>
+              <a:rPr lang="en" dirty="0"/>
               <a:t>DB</a:t>
             </a:r>
-            <a:endParaRPr/>
+            <a:endParaRPr dirty="0"/>
           </a:p>
         </p:txBody>
       </p:sp>
-      <p:cxnSp>
-        <p:nvCxnSpPr>
-          <p:cNvPr id="65" name="Google Shape;65;p14"/>
-          <p:cNvCxnSpPr>
-            <a:stCxn id="59" idx="2"/>
-            <a:endCxn id="63" idx="1"/>
-          </p:cNvCxnSpPr>
-          <p:nvPr/>
-        </p:nvCxnSpPr>
-        <p:spPr>
-          <a:xfrm>
-            <a:off x="4225575" y="1585675"/>
-            <a:ext cx="1904700" cy="1193400"/>
-          </a:xfrm>
-          <a:prstGeom prst="straightConnector1">
-            <a:avLst/>
-          </a:prstGeom>
-          <a:noFill/>
-          <a:ln cap="flat" cmpd="sng" w="9525">
-            <a:solidFill>
-              <a:schemeClr val="dk2"/>
-            </a:solidFill>
-            <a:prstDash val="solid"/>
-            <a:round/>
-            <a:headEnd len="med" w="med" type="none"/>
-            <a:tailEnd len="med" w="med" type="triangle"/>
-          </a:ln>
-        </p:spPr>
-      </p:cxnSp>
       <p:cxnSp>
         <p:nvCxnSpPr>
           <p:cNvPr id="66" name="Google Shape;66;p14"/>
@@ -9758,22 +9965,22 @@
           <p:nvPr/>
         </p:nvCxnSpPr>
         <p:spPr>
-          <a:xfrm>
-            <a:off x="8173125" y="887275"/>
-            <a:ext cx="1435500" cy="1092900"/>
+          <a:xfrm flipV="1">
+            <a:off x="2601686" y="2023241"/>
+            <a:ext cx="4513816" cy="2287501"/>
           </a:xfrm>
           <a:prstGeom prst="straightConnector1">
             <a:avLst/>
           </a:prstGeom>
           <a:noFill/>
-          <a:ln cap="flat" cmpd="sng" w="9525">
+          <a:ln w="9525" cap="flat" cmpd="sng">
             <a:solidFill>
               <a:schemeClr val="dk2"/>
             </a:solidFill>
             <a:prstDash val="solid"/>
             <a:round/>
-            <a:headEnd len="med" w="med" type="none"/>
-            <a:tailEnd len="med" w="med" type="triangle"/>
+            <a:headEnd type="none" w="med" len="med"/>
+            <a:tailEnd type="triangle" w="med" len="med"/>
           </a:ln>
         </p:spPr>
       </p:cxnSp>
@@ -9787,22 +9994,22 @@
           <p:nvPr/>
         </p:nvCxnSpPr>
         <p:spPr>
-          <a:xfrm flipH="1" rot="10800000">
-            <a:off x="8252050" y="1980075"/>
-            <a:ext cx="1356600" cy="798900"/>
+          <a:xfrm flipV="1">
+            <a:off x="6466114" y="2023241"/>
+            <a:ext cx="649388" cy="2178008"/>
           </a:xfrm>
           <a:prstGeom prst="straightConnector1">
             <a:avLst/>
           </a:prstGeom>
           <a:noFill/>
-          <a:ln cap="flat" cmpd="sng" w="9525">
+          <a:ln w="9525" cap="flat" cmpd="sng">
             <a:solidFill>
               <a:schemeClr val="dk2"/>
             </a:solidFill>
             <a:prstDash val="solid"/>
             <a:round/>
-            <a:headEnd len="med" w="med" type="none"/>
-            <a:tailEnd len="med" w="med" type="triangle"/>
+            <a:headEnd type="none" w="med" len="med"/>
+            <a:tailEnd type="triangle" w="med" len="med"/>
           </a:ln>
         </p:spPr>
       </p:cxnSp>
@@ -9814,34 +10021,34 @@
         </p:nvSpPr>
         <p:spPr>
           <a:xfrm>
-            <a:off x="-394450" y="2224650"/>
-            <a:ext cx="2808300" cy="1598100"/>
+            <a:off x="247806" y="613566"/>
+            <a:ext cx="2353880" cy="1389406"/>
           </a:xfrm>
           <a:prstGeom prst="roundRect">
             <a:avLst>
-              <a:gd fmla="val 16667" name="adj"/>
+              <a:gd name="adj" fmla="val 16667"/>
             </a:avLst>
           </a:prstGeom>
           <a:solidFill>
             <a:srgbClr val="6AA84F"/>
           </a:solidFill>
-          <a:ln cap="flat" cmpd="sng" w="9525">
+          <a:ln w="9525" cap="flat" cmpd="sng">
             <a:solidFill>
               <a:schemeClr val="dk2"/>
             </a:solidFill>
             <a:prstDash val="solid"/>
             <a:round/>
-            <a:headEnd len="sm" w="sm" type="none"/>
-            <a:tailEnd len="sm" w="sm" type="none"/>
+            <a:headEnd type="none" w="sm" len="sm"/>
+            <a:tailEnd type="none" w="sm" len="sm"/>
           </a:ln>
         </p:spPr>
         <p:txBody>
-          <a:bodyPr anchorCtr="0" anchor="ctr" bIns="91425" lIns="91425" spcFirstLastPara="1" rIns="91425" wrap="square" tIns="91425">
+          <a:bodyPr spcFirstLastPara="1" wrap="square" lIns="91425" tIns="91425" rIns="91425" bIns="91425" anchor="ctr" anchorCtr="0">
             <a:noAutofit/>
           </a:bodyPr>
           <a:lstStyle/>
           <a:p>
-            <a:pPr indent="0" lvl="0" marL="0" rtl="0" algn="l">
+            <a:pPr marL="0" lvl="0" indent="0" algn="l" rtl="0">
               <a:spcBef>
                 <a:spcPts val="0"/>
               </a:spcBef>
@@ -9851,16 +10058,16 @@
               <a:buNone/>
             </a:pPr>
             <a:r>
-              <a:rPr lang="en"/>
+              <a:rPr lang="en" dirty="0"/>
               <a:t>If path tags are being fetched from the ETL, the job is automatically started and will show in the UI. if not fetched, the user shall start the job from the UI.</a:t>
             </a:r>
-            <a:endParaRPr/>
+            <a:endParaRPr dirty="0"/>
           </a:p>
         </p:txBody>
       </p:sp>
       <p:cxnSp>
         <p:nvCxnSpPr>
-          <p:cNvPr id="69" name="Google Shape;69;p14"/>
+          <p:cNvPr id="56" name="Straight Arrow Connector 55"/>
           <p:cNvCxnSpPr>
             <a:stCxn id="68" idx="3"/>
             <a:endCxn id="59" idx="1"/>
@@ -9868,24 +10075,103 @@
           <p:nvPr/>
         </p:nvCxnSpPr>
         <p:spPr>
-          <a:xfrm flipH="1" rot="10800000">
-            <a:off x="2413850" y="887400"/>
-            <a:ext cx="556200" cy="2136300"/>
+          <a:xfrm flipV="1">
+            <a:off x="2601686" y="1300843"/>
+            <a:ext cx="542410" cy="7426"/>
           </a:xfrm>
           <a:prstGeom prst="straightConnector1">
             <a:avLst/>
           </a:prstGeom>
-          <a:noFill/>
-          <a:ln cap="flat" cmpd="sng" w="9525">
-            <a:solidFill>
-              <a:schemeClr val="dk2"/>
-            </a:solidFill>
-            <a:prstDash val="solid"/>
-            <a:round/>
-            <a:headEnd len="med" w="med" type="none"/>
-            <a:tailEnd len="med" w="med" type="triangle"/>
+          <a:ln>
+            <a:tailEnd type="arrow"/>
           </a:ln>
         </p:spPr>
+        <p:style>
+          <a:lnRef idx="1">
+            <a:schemeClr val="accent1"/>
+          </a:lnRef>
+          <a:fillRef idx="0">
+            <a:schemeClr val="accent1"/>
+          </a:fillRef>
+          <a:effectRef idx="0">
+            <a:schemeClr val="accent1"/>
+          </a:effectRef>
+          <a:fontRef idx="minor">
+            <a:schemeClr val="tx1"/>
+          </a:fontRef>
+        </p:style>
+      </p:cxnSp>
+      <p:cxnSp>
+        <p:nvCxnSpPr>
+          <p:cNvPr id="86" name="Straight Arrow Connector 85"/>
+          <p:cNvCxnSpPr>
+            <a:stCxn id="59" idx="2"/>
+            <a:endCxn id="60" idx="0"/>
+          </p:cNvCxnSpPr>
+          <p:nvPr/>
+        </p:nvCxnSpPr>
+        <p:spPr>
+          <a:xfrm flipH="1">
+            <a:off x="1992086" y="1643743"/>
+            <a:ext cx="2407660" cy="2024741"/>
+          </a:xfrm>
+          <a:prstGeom prst="straightConnector1">
+            <a:avLst/>
+          </a:prstGeom>
+          <a:ln>
+            <a:tailEnd type="arrow"/>
+          </a:ln>
+        </p:spPr>
+        <p:style>
+          <a:lnRef idx="1">
+            <a:schemeClr val="accent1"/>
+          </a:lnRef>
+          <a:fillRef idx="0">
+            <a:schemeClr val="accent1"/>
+          </a:fillRef>
+          <a:effectRef idx="0">
+            <a:schemeClr val="accent1"/>
+          </a:effectRef>
+          <a:fontRef idx="minor">
+            <a:schemeClr val="tx1"/>
+          </a:fontRef>
+        </p:style>
+      </p:cxnSp>
+      <p:cxnSp>
+        <p:nvCxnSpPr>
+          <p:cNvPr id="88" name="Straight Arrow Connector 87"/>
+          <p:cNvCxnSpPr>
+            <a:stCxn id="59" idx="2"/>
+            <a:endCxn id="63" idx="0"/>
+          </p:cNvCxnSpPr>
+          <p:nvPr/>
+        </p:nvCxnSpPr>
+        <p:spPr>
+          <a:xfrm>
+            <a:off x="4399746" y="1643743"/>
+            <a:ext cx="1147272" cy="1849297"/>
+          </a:xfrm>
+          <a:prstGeom prst="straightConnector1">
+            <a:avLst/>
+          </a:prstGeom>
+          <a:ln>
+            <a:tailEnd type="arrow"/>
+          </a:ln>
+        </p:spPr>
+        <p:style>
+          <a:lnRef idx="1">
+            <a:schemeClr val="accent1"/>
+          </a:lnRef>
+          <a:fillRef idx="0">
+            <a:schemeClr val="accent1"/>
+          </a:fillRef>
+          <a:effectRef idx="0">
+            <a:schemeClr val="accent1"/>
+          </a:effectRef>
+          <a:fontRef idx="minor">
+            <a:schemeClr val="tx1"/>
+          </a:fontRef>
+        </p:style>
       </p:cxnSp>
     </p:spTree>
   </p:cSld>
@@ -9896,11 +10182,11 @@
 </file>
 
 <file path=ppt/slides/slide3.xml><?xml version="1.0" encoding="utf-8"?>
-<p:sld xmlns:a="http://schemas.openxmlformats.org/drawingml/2006/main" xmlns:r="http://schemas.openxmlformats.org/officeDocument/2006/relationships" xmlns:mc="http://schemas.openxmlformats.org/markup-compatibility/2006" xmlns:mv="urn:schemas-microsoft-com:mac:vml" xmlns:p="http://schemas.openxmlformats.org/presentationml/2006/main" xmlns:c="http://schemas.openxmlformats.org/drawingml/2006/chart" xmlns:dgm="http://schemas.openxmlformats.org/drawingml/2006/diagram" xmlns:o="urn:schemas-microsoft-com:office:office" xmlns:v="urn:schemas-microsoft-com:vml" xmlns:pvml="urn:schemas-microsoft-com:office:powerpoint" xmlns:com="http://schemas.openxmlformats.org/drawingml/2006/compatibility" xmlns:p14="http://schemas.microsoft.com/office/powerpoint/2010/main" xmlns:p15="http://schemas.microsoft.com/office/powerpoint/2012/main" xmlns:ahyp="http://schemas.microsoft.com/office/drawing/2018/hyperlinkcolor">
+<p:sld xmlns:a="http://schemas.openxmlformats.org/drawingml/2006/main" xmlns:r="http://schemas.openxmlformats.org/officeDocument/2006/relationships" xmlns:p="http://schemas.openxmlformats.org/presentationml/2006/main">
   <p:cSld>
     <p:spTree>
       <p:nvGrpSpPr>
-        <p:cNvPr id="73" name="Shape 73"/>
+        <p:cNvPr id="1" name="Shape 73"/>
         <p:cNvGrpSpPr/>
         <p:nvPr/>
       </p:nvGrpSpPr>
@@ -9920,34 +10206,34 @@
         </p:nvSpPr>
         <p:spPr>
           <a:xfrm>
-            <a:off x="489100" y="410225"/>
-            <a:ext cx="2761200" cy="1877400"/>
+            <a:off x="489100" y="1166647"/>
+            <a:ext cx="2306652" cy="1120977"/>
           </a:xfrm>
           <a:prstGeom prst="roundRect">
             <a:avLst>
-              <a:gd fmla="val 16667" name="adj"/>
+              <a:gd name="adj" fmla="val 16667"/>
             </a:avLst>
           </a:prstGeom>
           <a:solidFill>
             <a:srgbClr val="6AA84F"/>
           </a:solidFill>
-          <a:ln cap="flat" cmpd="sng" w="9525">
+          <a:ln w="9525" cap="flat" cmpd="sng">
             <a:solidFill>
               <a:schemeClr val="dk2"/>
             </a:solidFill>
             <a:prstDash val="solid"/>
             <a:round/>
-            <a:headEnd len="sm" w="sm" type="none"/>
-            <a:tailEnd len="sm" w="sm" type="none"/>
+            <a:headEnd type="none" w="sm" len="sm"/>
+            <a:tailEnd type="none" w="sm" len="sm"/>
           </a:ln>
         </p:spPr>
         <p:txBody>
-          <a:bodyPr anchorCtr="0" anchor="ctr" bIns="91425" lIns="91425" spcFirstLastPara="1" rIns="91425" wrap="square" tIns="91425">
+          <a:bodyPr spcFirstLastPara="1" wrap="square" lIns="91425" tIns="91425" rIns="91425" bIns="91425" anchor="ctr" anchorCtr="0">
             <a:noAutofit/>
           </a:bodyPr>
           <a:lstStyle/>
           <a:p>
-            <a:pPr indent="0" lvl="0" marL="0" rtl="0" algn="l">
+            <a:pPr marL="0" lvl="0" indent="0" algn="l" rtl="0">
               <a:spcBef>
                 <a:spcPts val="0"/>
               </a:spcBef>
@@ -9972,34 +10258,34 @@
         </p:nvSpPr>
         <p:spPr>
           <a:xfrm>
-            <a:off x="4181075" y="568000"/>
-            <a:ext cx="2492700" cy="1845900"/>
+            <a:off x="4181075" y="819806"/>
+            <a:ext cx="2198704" cy="1594093"/>
           </a:xfrm>
           <a:prstGeom prst="roundRect">
             <a:avLst>
-              <a:gd fmla="val 16667" name="adj"/>
+              <a:gd name="adj" fmla="val 16667"/>
             </a:avLst>
           </a:prstGeom>
           <a:solidFill>
             <a:srgbClr val="6AA84F"/>
           </a:solidFill>
-          <a:ln cap="flat" cmpd="sng" w="9525">
+          <a:ln w="9525" cap="flat" cmpd="sng">
             <a:solidFill>
               <a:schemeClr val="dk2"/>
             </a:solidFill>
             <a:prstDash val="solid"/>
             <a:round/>
-            <a:headEnd len="sm" w="sm" type="none"/>
-            <a:tailEnd len="sm" w="sm" type="none"/>
+            <a:headEnd type="none" w="sm" len="sm"/>
+            <a:tailEnd type="none" w="sm" len="sm"/>
           </a:ln>
         </p:spPr>
         <p:txBody>
-          <a:bodyPr anchorCtr="0" anchor="ctr" bIns="91425" lIns="91425" spcFirstLastPara="1" rIns="91425" wrap="square" tIns="91425">
+          <a:bodyPr spcFirstLastPara="1" wrap="square" lIns="91425" tIns="91425" rIns="91425" bIns="91425" anchor="ctr" anchorCtr="0">
             <a:noAutofit/>
           </a:bodyPr>
           <a:lstStyle/>
           <a:p>
-            <a:pPr indent="0" lvl="0" marL="0" rtl="0" algn="l">
+            <a:pPr marL="0" lvl="0" indent="0" algn="l" rtl="0">
               <a:spcBef>
                 <a:spcPts val="0"/>
               </a:spcBef>
@@ -10009,10 +10295,10 @@
               <a:buNone/>
             </a:pPr>
             <a:r>
-              <a:rPr lang="en"/>
+              <a:rPr lang="en" dirty="0"/>
               <a:t>If the SR tags, are being fetched through ETL, then the stockpiles(‘FROM’ and ‘TO’) will have to be confirmed by the user.</a:t>
             </a:r>
-            <a:endParaRPr/>
+            <a:endParaRPr dirty="0"/>
           </a:p>
         </p:txBody>
       </p:sp>
@@ -10024,34 +10310,34 @@
         </p:nvSpPr>
         <p:spPr>
           <a:xfrm>
-            <a:off x="4338850" y="2950425"/>
-            <a:ext cx="2334900" cy="2035200"/>
+            <a:off x="4338850" y="3090041"/>
+            <a:ext cx="1841233" cy="1818290"/>
           </a:xfrm>
           <a:prstGeom prst="roundRect">
             <a:avLst>
-              <a:gd fmla="val 16667" name="adj"/>
+              <a:gd name="adj" fmla="val 16667"/>
             </a:avLst>
           </a:prstGeom>
           <a:solidFill>
             <a:srgbClr val="6AA84F"/>
           </a:solidFill>
-          <a:ln cap="flat" cmpd="sng" w="9525">
+          <a:ln w="9525" cap="flat" cmpd="sng">
             <a:solidFill>
               <a:schemeClr val="dk2"/>
             </a:solidFill>
             <a:prstDash val="solid"/>
             <a:round/>
-            <a:headEnd len="sm" w="sm" type="none"/>
-            <a:tailEnd len="sm" w="sm" type="none"/>
+            <a:headEnd type="none" w="sm" len="sm"/>
+            <a:tailEnd type="none" w="sm" len="sm"/>
           </a:ln>
         </p:spPr>
         <p:txBody>
-          <a:bodyPr anchorCtr="0" anchor="ctr" bIns="91425" lIns="91425" spcFirstLastPara="1" rIns="91425" wrap="square" tIns="91425">
+          <a:bodyPr spcFirstLastPara="1" wrap="square" lIns="91425" tIns="91425" rIns="91425" bIns="91425" anchor="ctr" anchorCtr="0">
             <a:noAutofit/>
           </a:bodyPr>
           <a:lstStyle/>
           <a:p>
-            <a:pPr indent="0" lvl="0" marL="0" rtl="0" algn="l">
+            <a:pPr marL="0" lvl="0" indent="0" algn="l" rtl="0">
               <a:spcBef>
                 <a:spcPts val="0"/>
               </a:spcBef>
@@ -10078,22 +10364,22 @@
           <p:nvPr/>
         </p:nvCxnSpPr>
         <p:spPr>
-          <a:xfrm>
-            <a:off x="3250300" y="1348925"/>
-            <a:ext cx="930900" cy="141900"/>
+          <a:xfrm flipV="1">
+            <a:off x="2795752" y="1616853"/>
+            <a:ext cx="1385323" cy="110283"/>
           </a:xfrm>
           <a:prstGeom prst="straightConnector1">
             <a:avLst/>
           </a:prstGeom>
           <a:noFill/>
-          <a:ln cap="flat" cmpd="sng" w="9525">
+          <a:ln w="9525" cap="flat" cmpd="sng">
             <a:solidFill>
               <a:schemeClr val="dk2"/>
             </a:solidFill>
             <a:prstDash val="solid"/>
             <a:round/>
-            <a:headEnd len="med" w="med" type="none"/>
-            <a:tailEnd len="med" w="med" type="triangle"/>
+            <a:headEnd type="none" w="med" len="med"/>
+            <a:tailEnd type="triangle" w="med" len="med"/>
           </a:ln>
         </p:spPr>
       </p:cxnSp>
@@ -10108,21 +10394,21 @@
         </p:nvCxnSpPr>
         <p:spPr>
           <a:xfrm>
-            <a:off x="3250300" y="1348925"/>
-            <a:ext cx="1088700" cy="2619000"/>
+            <a:off x="2795752" y="1727136"/>
+            <a:ext cx="1543098" cy="2272050"/>
           </a:xfrm>
           <a:prstGeom prst="straightConnector1">
             <a:avLst/>
           </a:prstGeom>
           <a:noFill/>
-          <a:ln cap="flat" cmpd="sng" w="9525">
+          <a:ln w="9525" cap="flat" cmpd="sng">
             <a:solidFill>
               <a:schemeClr val="dk2"/>
             </a:solidFill>
             <a:prstDash val="solid"/>
             <a:round/>
-            <a:headEnd len="med" w="med" type="none"/>
-            <a:tailEnd len="med" w="med" type="triangle"/>
+            <a:headEnd type="none" w="med" len="med"/>
+            <a:tailEnd type="triangle" w="med" len="med"/>
           </a:ln>
         </p:spPr>
       </p:cxnSp>
@@ -10137,21 +10423,21 @@
         </p:nvCxnSpPr>
         <p:spPr>
           <a:xfrm>
-            <a:off x="6673775" y="1490950"/>
-            <a:ext cx="1420200" cy="828300"/>
+            <a:off x="6379779" y="1616853"/>
+            <a:ext cx="1714146" cy="700678"/>
           </a:xfrm>
           <a:prstGeom prst="straightConnector1">
             <a:avLst/>
           </a:prstGeom>
           <a:noFill/>
-          <a:ln cap="flat" cmpd="sng" w="9525">
+          <a:ln w="9525" cap="flat" cmpd="sng">
             <a:solidFill>
               <a:schemeClr val="dk2"/>
             </a:solidFill>
             <a:prstDash val="solid"/>
             <a:round/>
-            <a:headEnd len="med" w="med" type="none"/>
-            <a:tailEnd len="med" w="med" type="triangle"/>
+            <a:headEnd type="none" w="med" len="med"/>
+            <a:tailEnd type="triangle" w="med" len="med"/>
           </a:ln>
         </p:spPr>
       </p:cxnSp>
@@ -10165,22 +10451,22 @@
           <p:nvPr/>
         </p:nvCxnSpPr>
         <p:spPr>
-          <a:xfrm flipH="1" rot="10800000">
-            <a:off x="6673750" y="2319225"/>
-            <a:ext cx="1420200" cy="1648800"/>
+          <a:xfrm flipV="1">
+            <a:off x="6180083" y="2317531"/>
+            <a:ext cx="1913842" cy="1681655"/>
           </a:xfrm>
           <a:prstGeom prst="straightConnector1">
             <a:avLst/>
           </a:prstGeom>
           <a:noFill/>
-          <a:ln cap="flat" cmpd="sng" w="9525">
+          <a:ln w="9525" cap="flat" cmpd="sng">
             <a:solidFill>
               <a:schemeClr val="dk2"/>
             </a:solidFill>
             <a:prstDash val="solid"/>
             <a:round/>
-            <a:headEnd len="med" w="med" type="none"/>
-            <a:tailEnd len="med" w="med" type="triangle"/>
+            <a:headEnd type="none" w="med" len="med"/>
+            <a:tailEnd type="triangle" w="med" len="med"/>
           </a:ln>
         </p:spPr>
       </p:cxnSp>
@@ -10192,34 +10478,34 @@
         </p:nvSpPr>
         <p:spPr>
           <a:xfrm>
-            <a:off x="8093925" y="741550"/>
-            <a:ext cx="1656600" cy="3155400"/>
+            <a:off x="8093925" y="1397876"/>
+            <a:ext cx="713744" cy="1839310"/>
           </a:xfrm>
           <a:prstGeom prst="can">
             <a:avLst>
-              <a:gd fmla="val 25000" name="adj"/>
+              <a:gd name="adj" fmla="val 25000"/>
             </a:avLst>
           </a:prstGeom>
           <a:solidFill>
             <a:srgbClr val="6D9EEB"/>
           </a:solidFill>
-          <a:ln cap="flat" cmpd="sng" w="9525">
+          <a:ln w="9525" cap="flat" cmpd="sng">
             <a:solidFill>
               <a:schemeClr val="dk2"/>
             </a:solidFill>
             <a:prstDash val="solid"/>
             <a:round/>
-            <a:headEnd len="sm" w="sm" type="none"/>
-            <a:tailEnd len="sm" w="sm" type="none"/>
+            <a:headEnd type="none" w="sm" len="sm"/>
+            <a:tailEnd type="none" w="sm" len="sm"/>
           </a:ln>
         </p:spPr>
         <p:txBody>
-          <a:bodyPr anchorCtr="0" anchor="ctr" bIns="91425" lIns="91425" spcFirstLastPara="1" rIns="91425" wrap="square" tIns="91425">
+          <a:bodyPr spcFirstLastPara="1" wrap="square" lIns="91425" tIns="91425" rIns="91425" bIns="91425" anchor="ctr" anchorCtr="0">
             <a:noAutofit/>
           </a:bodyPr>
           <a:lstStyle/>
           <a:p>
-            <a:pPr indent="0" lvl="0" marL="0" rtl="0" algn="ctr">
+            <a:pPr marL="0" lvl="0" indent="0" algn="ctr" rtl="0">
               <a:spcBef>
                 <a:spcPts val="0"/>
               </a:spcBef>
@@ -10245,11 +10531,11 @@
 </file>
 
 <file path=ppt/slides/slide4.xml><?xml version="1.0" encoding="utf-8"?>
-<p:sld xmlns:a="http://schemas.openxmlformats.org/drawingml/2006/main" xmlns:r="http://schemas.openxmlformats.org/officeDocument/2006/relationships" xmlns:mc="http://schemas.openxmlformats.org/markup-compatibility/2006" xmlns:mv="urn:schemas-microsoft-com:mac:vml" xmlns:p="http://schemas.openxmlformats.org/presentationml/2006/main" xmlns:c="http://schemas.openxmlformats.org/drawingml/2006/chart" xmlns:dgm="http://schemas.openxmlformats.org/drawingml/2006/diagram" xmlns:o="urn:schemas-microsoft-com:office:office" xmlns:v="urn:schemas-microsoft-com:vml" xmlns:pvml="urn:schemas-microsoft-com:office:powerpoint" xmlns:com="http://schemas.openxmlformats.org/drawingml/2006/compatibility" xmlns:p14="http://schemas.microsoft.com/office/powerpoint/2010/main" xmlns:p15="http://schemas.microsoft.com/office/powerpoint/2012/main" xmlns:ahyp="http://schemas.microsoft.com/office/drawing/2018/hyperlinkcolor">
+<p:sld xmlns:a="http://schemas.openxmlformats.org/drawingml/2006/main" xmlns:r="http://schemas.openxmlformats.org/officeDocument/2006/relationships" xmlns:p="http://schemas.openxmlformats.org/presentationml/2006/main">
   <p:cSld>
     <p:spTree>
       <p:nvGrpSpPr>
-        <p:cNvPr id="85" name="Shape 85"/>
+        <p:cNvPr id="1" name="Shape 85"/>
         <p:cNvGrpSpPr/>
         <p:nvPr/>
       </p:nvGrpSpPr>
@@ -10269,7 +10555,7 @@
         </p:nvSpPr>
         <p:spPr>
           <a:xfrm>
-            <a:off x="284000" y="205100"/>
+            <a:off x="2270455" y="657045"/>
             <a:ext cx="1419900" cy="710100"/>
           </a:xfrm>
           <a:prstGeom prst="rect">
@@ -10281,12 +10567,12 @@
           </a:ln>
         </p:spPr>
         <p:txBody>
-          <a:bodyPr anchorCtr="0" anchor="t" bIns="91425" lIns="91425" spcFirstLastPara="1" rIns="91425" wrap="square" tIns="91425">
+          <a:bodyPr spcFirstLastPara="1" wrap="square" lIns="91425" tIns="91425" rIns="91425" bIns="91425" anchor="t" anchorCtr="0">
             <a:noAutofit/>
           </a:bodyPr>
           <a:lstStyle/>
           <a:p>
-            <a:pPr indent="0" lvl="0" marL="0" rtl="0" algn="l">
+            <a:pPr marL="0" lvl="0" indent="0" algn="l" rtl="0">
               <a:spcBef>
                 <a:spcPts val="0"/>
               </a:spcBef>
@@ -10296,10 +10582,10 @@
               <a:buNone/>
             </a:pPr>
             <a:r>
-              <a:rPr lang="en"/>
+              <a:rPr lang="en" dirty="0"/>
               <a:t>Running job</a:t>
             </a:r>
-            <a:endParaRPr/>
+            <a:endParaRPr dirty="0"/>
           </a:p>
         </p:txBody>
       </p:sp>
@@ -10311,34 +10597,34 @@
         </p:nvSpPr>
         <p:spPr>
           <a:xfrm>
-            <a:off x="457550" y="1120200"/>
-            <a:ext cx="2477100" cy="1924800"/>
+            <a:off x="457550" y="1439916"/>
+            <a:ext cx="1686560" cy="1345325"/>
           </a:xfrm>
           <a:prstGeom prst="roundRect">
             <a:avLst>
-              <a:gd fmla="val 16667" name="adj"/>
+              <a:gd name="adj" fmla="val 16667"/>
             </a:avLst>
           </a:prstGeom>
           <a:solidFill>
             <a:srgbClr val="6AA84F"/>
           </a:solidFill>
-          <a:ln cap="flat" cmpd="sng" w="9525">
+          <a:ln w="9525" cap="flat" cmpd="sng">
             <a:solidFill>
               <a:schemeClr val="dk2"/>
             </a:solidFill>
             <a:prstDash val="solid"/>
             <a:round/>
-            <a:headEnd len="sm" w="sm" type="none"/>
-            <a:tailEnd len="sm" w="sm" type="none"/>
+            <a:headEnd type="none" w="sm" len="sm"/>
+            <a:tailEnd type="none" w="sm" len="sm"/>
           </a:ln>
         </p:spPr>
         <p:txBody>
-          <a:bodyPr anchorCtr="0" anchor="ctr" bIns="91425" lIns="91425" spcFirstLastPara="1" rIns="91425" wrap="square" tIns="91425">
+          <a:bodyPr spcFirstLastPara="1" wrap="square" lIns="91425" tIns="91425" rIns="91425" bIns="91425" anchor="ctr" anchorCtr="0">
             <a:noAutofit/>
           </a:bodyPr>
           <a:lstStyle/>
           <a:p>
-            <a:pPr indent="0" lvl="0" marL="0" rtl="0" algn="l">
+            <a:pPr marL="0" lvl="0" indent="0" algn="l" rtl="0">
               <a:spcBef>
                 <a:spcPts val="0"/>
               </a:spcBef>
@@ -10364,33 +10650,33 @@
         <p:spPr>
           <a:xfrm>
             <a:off x="3960050" y="1341000"/>
-            <a:ext cx="2493000" cy="1483200"/>
+            <a:ext cx="2272584" cy="1349648"/>
           </a:xfrm>
           <a:prstGeom prst="roundRect">
             <a:avLst>
-              <a:gd fmla="val 16667" name="adj"/>
+              <a:gd name="adj" fmla="val 16667"/>
             </a:avLst>
           </a:prstGeom>
           <a:solidFill>
             <a:srgbClr val="6AA84F"/>
           </a:solidFill>
-          <a:ln cap="flat" cmpd="sng" w="9525">
+          <a:ln w="9525" cap="flat" cmpd="sng">
             <a:solidFill>
               <a:schemeClr val="dk2"/>
             </a:solidFill>
             <a:prstDash val="solid"/>
             <a:round/>
-            <a:headEnd len="sm" w="sm" type="none"/>
-            <a:tailEnd len="sm" w="sm" type="none"/>
+            <a:headEnd type="none" w="sm" len="sm"/>
+            <a:tailEnd type="none" w="sm" len="sm"/>
           </a:ln>
         </p:spPr>
         <p:txBody>
-          <a:bodyPr anchorCtr="0" anchor="ctr" bIns="91425" lIns="91425" spcFirstLastPara="1" rIns="91425" wrap="square" tIns="91425">
+          <a:bodyPr spcFirstLastPara="1" wrap="square" lIns="91425" tIns="91425" rIns="91425" bIns="91425" anchor="ctr" anchorCtr="0">
             <a:noAutofit/>
           </a:bodyPr>
           <a:lstStyle/>
           <a:p>
-            <a:pPr indent="0" lvl="0" marL="0" rtl="0" algn="l">
+            <a:pPr marL="0" lvl="0" indent="0" algn="l" rtl="0">
               <a:spcBef>
                 <a:spcPts val="0"/>
               </a:spcBef>
@@ -10415,34 +10701,34 @@
         </p:nvSpPr>
         <p:spPr>
           <a:xfrm>
-            <a:off x="7999400" y="1017600"/>
-            <a:ext cx="1609200" cy="2130000"/>
+            <a:off x="7609491" y="1261241"/>
+            <a:ext cx="1093076" cy="1587062"/>
           </a:xfrm>
           <a:prstGeom prst="can">
             <a:avLst>
-              <a:gd fmla="val 25000" name="adj"/>
+              <a:gd name="adj" fmla="val 25000"/>
             </a:avLst>
           </a:prstGeom>
           <a:solidFill>
             <a:srgbClr val="3C78D8"/>
           </a:solidFill>
-          <a:ln cap="flat" cmpd="sng" w="9525">
+          <a:ln w="9525" cap="flat" cmpd="sng">
             <a:solidFill>
               <a:schemeClr val="dk2"/>
             </a:solidFill>
             <a:prstDash val="solid"/>
             <a:round/>
-            <a:headEnd len="sm" w="sm" type="none"/>
-            <a:tailEnd len="sm" w="sm" type="none"/>
+            <a:headEnd type="none" w="sm" len="sm"/>
+            <a:tailEnd type="none" w="sm" len="sm"/>
           </a:ln>
         </p:spPr>
         <p:txBody>
-          <a:bodyPr anchorCtr="0" anchor="ctr" bIns="91425" lIns="91425" spcFirstLastPara="1" rIns="91425" wrap="square" tIns="91425">
+          <a:bodyPr spcFirstLastPara="1" wrap="square" lIns="91425" tIns="91425" rIns="91425" bIns="91425" anchor="ctr" anchorCtr="0">
             <a:noAutofit/>
           </a:bodyPr>
           <a:lstStyle/>
           <a:p>
-            <a:pPr indent="0" lvl="0" marL="0" rtl="0" algn="ctr">
+            <a:pPr marL="0" lvl="0" indent="0" algn="ctr" rtl="0">
               <a:spcBef>
                 <a:spcPts val="0"/>
               </a:spcBef>
@@ -10469,22 +10755,22 @@
           <p:nvPr/>
         </p:nvCxnSpPr>
         <p:spPr>
-          <a:xfrm>
-            <a:off x="2934650" y="2082600"/>
-            <a:ext cx="1025400" cy="0"/>
+          <a:xfrm flipV="1">
+            <a:off x="2144110" y="2015824"/>
+            <a:ext cx="1815940" cy="96755"/>
           </a:xfrm>
           <a:prstGeom prst="straightConnector1">
             <a:avLst/>
           </a:prstGeom>
           <a:noFill/>
-          <a:ln cap="flat" cmpd="sng" w="9525">
+          <a:ln w="9525" cap="flat" cmpd="sng">
             <a:solidFill>
               <a:schemeClr val="dk2"/>
             </a:solidFill>
             <a:prstDash val="solid"/>
             <a:round/>
-            <a:headEnd len="med" w="med" type="none"/>
-            <a:tailEnd len="med" w="med" type="triangle"/>
+            <a:headEnd type="none" w="med" len="med"/>
+            <a:tailEnd type="triangle" w="med" len="med"/>
           </a:ln>
         </p:spPr>
       </p:cxnSp>
@@ -10499,21 +10785,21 @@
         </p:nvCxnSpPr>
         <p:spPr>
           <a:xfrm>
-            <a:off x="6453050" y="2082600"/>
-            <a:ext cx="1546500" cy="0"/>
+            <a:off x="6232634" y="2015824"/>
+            <a:ext cx="1376857" cy="38948"/>
           </a:xfrm>
           <a:prstGeom prst="straightConnector1">
             <a:avLst/>
           </a:prstGeom>
           <a:noFill/>
-          <a:ln cap="flat" cmpd="sng" w="9525">
+          <a:ln w="9525" cap="flat" cmpd="sng">
             <a:solidFill>
               <a:schemeClr val="dk2"/>
             </a:solidFill>
             <a:prstDash val="solid"/>
             <a:round/>
-            <a:headEnd len="med" w="med" type="none"/>
-            <a:tailEnd len="med" w="med" type="triangle"/>
+            <a:headEnd type="none" w="med" len="med"/>
+            <a:tailEnd type="triangle" w="med" len="med"/>
           </a:ln>
         </p:spPr>
       </p:cxnSp>
@@ -10525,34 +10811,34 @@
         </p:nvSpPr>
         <p:spPr>
           <a:xfrm>
-            <a:off x="457550" y="3328950"/>
-            <a:ext cx="2524500" cy="1641000"/>
+            <a:off x="993577" y="3373819"/>
+            <a:ext cx="2401264" cy="1406943"/>
           </a:xfrm>
           <a:prstGeom prst="roundRect">
             <a:avLst>
-              <a:gd fmla="val 16667" name="adj"/>
+              <a:gd name="adj" fmla="val 16667"/>
             </a:avLst>
           </a:prstGeom>
           <a:solidFill>
             <a:srgbClr val="6AA84F"/>
           </a:solidFill>
-          <a:ln cap="flat" cmpd="sng" w="9525">
+          <a:ln w="9525" cap="flat" cmpd="sng">
             <a:solidFill>
               <a:schemeClr val="dk2"/>
             </a:solidFill>
             <a:prstDash val="solid"/>
             <a:round/>
-            <a:headEnd len="sm" w="sm" type="none"/>
-            <a:tailEnd len="sm" w="sm" type="none"/>
+            <a:headEnd type="none" w="sm" len="sm"/>
+            <a:tailEnd type="none" w="sm" len="sm"/>
           </a:ln>
         </p:spPr>
         <p:txBody>
-          <a:bodyPr anchorCtr="0" anchor="ctr" bIns="91425" lIns="91425" spcFirstLastPara="1" rIns="91425" wrap="square" tIns="91425">
+          <a:bodyPr spcFirstLastPara="1" wrap="square" lIns="91425" tIns="91425" rIns="91425" bIns="91425" anchor="ctr" anchorCtr="0">
             <a:noAutofit/>
           </a:bodyPr>
           <a:lstStyle/>
           <a:p>
-            <a:pPr indent="0" lvl="0" marL="0" rtl="0" algn="l">
+            <a:pPr marL="0" lvl="0" indent="0" algn="l" rtl="0">
               <a:spcBef>
                 <a:spcPts val="0"/>
               </a:spcBef>
@@ -10562,10 +10848,10 @@
               <a:buNone/>
             </a:pPr>
             <a:r>
-              <a:rPr lang="en"/>
+              <a:rPr lang="en" dirty="0"/>
               <a:t>The bunker level information (fill percentage) will be shown in the top half of the screen.</a:t>
             </a:r>
-            <a:endParaRPr/>
+            <a:endParaRPr dirty="0"/>
           </a:p>
         </p:txBody>
       </p:sp>
@@ -10578,11 +10864,11 @@
 </file>
 
 <file path=ppt/slides/slide5.xml><?xml version="1.0" encoding="utf-8"?>
-<p:sld xmlns:a="http://schemas.openxmlformats.org/drawingml/2006/main" xmlns:r="http://schemas.openxmlformats.org/officeDocument/2006/relationships" xmlns:mc="http://schemas.openxmlformats.org/markup-compatibility/2006" xmlns:mv="urn:schemas-microsoft-com:mac:vml" xmlns:p="http://schemas.openxmlformats.org/presentationml/2006/main" xmlns:c="http://schemas.openxmlformats.org/drawingml/2006/chart" xmlns:dgm="http://schemas.openxmlformats.org/drawingml/2006/diagram" xmlns:o="urn:schemas-microsoft-com:office:office" xmlns:v="urn:schemas-microsoft-com:vml" xmlns:pvml="urn:schemas-microsoft-com:office:powerpoint" xmlns:com="http://schemas.openxmlformats.org/drawingml/2006/compatibility" xmlns:p14="http://schemas.microsoft.com/office/powerpoint/2010/main" xmlns:p15="http://schemas.microsoft.com/office/powerpoint/2012/main" xmlns:ahyp="http://schemas.microsoft.com/office/drawing/2018/hyperlinkcolor">
+<p:sld xmlns:a="http://schemas.openxmlformats.org/drawingml/2006/main" xmlns:r="http://schemas.openxmlformats.org/officeDocument/2006/relationships" xmlns:p="http://schemas.openxmlformats.org/presentationml/2006/main">
   <p:cSld>
     <p:spTree>
       <p:nvGrpSpPr>
-        <p:cNvPr id="96" name="Shape 96"/>
+        <p:cNvPr id="1" name="Shape 96"/>
         <p:cNvGrpSpPr/>
         <p:nvPr/>
       </p:nvGrpSpPr>
@@ -10602,8 +10888,8 @@
         </p:nvSpPr>
         <p:spPr>
           <a:xfrm>
-            <a:off x="362875" y="220875"/>
-            <a:ext cx="1814400" cy="820500"/>
+            <a:off x="1088089" y="641290"/>
+            <a:ext cx="1329291" cy="430766"/>
           </a:xfrm>
           <a:prstGeom prst="rect">
             <a:avLst/>
@@ -10614,12 +10900,12 @@
           </a:ln>
         </p:spPr>
         <p:txBody>
-          <a:bodyPr anchorCtr="0" anchor="t" bIns="91425" lIns="91425" spcFirstLastPara="1" rIns="91425" wrap="square" tIns="91425">
+          <a:bodyPr spcFirstLastPara="1" wrap="square" lIns="91425" tIns="91425" rIns="91425" bIns="91425" anchor="t" anchorCtr="0">
             <a:noAutofit/>
           </a:bodyPr>
           <a:lstStyle/>
           <a:p>
-            <a:pPr indent="0" lvl="0" marL="0" rtl="0" algn="l">
+            <a:pPr marL="0" lvl="0" indent="0" algn="l" rtl="0">
               <a:spcBef>
                 <a:spcPts val="0"/>
               </a:spcBef>
@@ -10629,10 +10915,10 @@
               <a:buNone/>
             </a:pPr>
             <a:r>
-              <a:rPr lang="en"/>
+              <a:rPr lang="en" dirty="0"/>
               <a:t>Closed jobs</a:t>
             </a:r>
-            <a:endParaRPr/>
+            <a:endParaRPr dirty="0"/>
           </a:p>
         </p:txBody>
       </p:sp>
@@ -10645,33 +10931,33 @@
         <p:spPr>
           <a:xfrm>
             <a:off x="362875" y="1688200"/>
-            <a:ext cx="2287800" cy="1641000"/>
+            <a:ext cx="2159608" cy="1506945"/>
           </a:xfrm>
           <a:prstGeom prst="roundRect">
             <a:avLst>
-              <a:gd fmla="val 16667" name="adj"/>
+              <a:gd name="adj" fmla="val 16667"/>
             </a:avLst>
           </a:prstGeom>
           <a:solidFill>
             <a:srgbClr val="6AA84F"/>
           </a:solidFill>
-          <a:ln cap="flat" cmpd="sng" w="9525">
+          <a:ln w="9525" cap="flat" cmpd="sng">
             <a:solidFill>
               <a:schemeClr val="dk2"/>
             </a:solidFill>
             <a:prstDash val="solid"/>
             <a:round/>
-            <a:headEnd len="sm" w="sm" type="none"/>
-            <a:tailEnd len="sm" w="sm" type="none"/>
+            <a:headEnd type="none" w="sm" len="sm"/>
+            <a:tailEnd type="none" w="sm" len="sm"/>
           </a:ln>
         </p:spPr>
         <p:txBody>
-          <a:bodyPr anchorCtr="0" anchor="ctr" bIns="91425" lIns="91425" spcFirstLastPara="1" rIns="91425" wrap="square" tIns="91425">
+          <a:bodyPr spcFirstLastPara="1" wrap="square" lIns="91425" tIns="91425" rIns="91425" bIns="91425" anchor="ctr" anchorCtr="0">
             <a:noAutofit/>
           </a:bodyPr>
           <a:lstStyle/>
           <a:p>
-            <a:pPr indent="0" lvl="0" marL="0" rtl="0" algn="l">
+            <a:pPr marL="0" lvl="0" indent="0" algn="l" rtl="0">
               <a:spcBef>
                 <a:spcPts val="0"/>
               </a:spcBef>
@@ -10681,10 +10967,10 @@
               <a:buNone/>
             </a:pPr>
             <a:r>
-              <a:rPr lang="en"/>
+              <a:rPr lang="en" dirty="0"/>
               <a:t>If the path tags are being fetched through ETL, the jobs are automatically closed and will appear in the historical jobs section</a:t>
             </a:r>
-            <a:endParaRPr/>
+            <a:endParaRPr dirty="0"/>
           </a:p>
         </p:txBody>
       </p:sp>
@@ -10696,34 +10982,34 @@
         </p:nvSpPr>
         <p:spPr>
           <a:xfrm>
-            <a:off x="3549950" y="694225"/>
-            <a:ext cx="2524500" cy="1483200"/>
+            <a:off x="3528929" y="756745"/>
+            <a:ext cx="2251760" cy="1250731"/>
           </a:xfrm>
           <a:prstGeom prst="roundRect">
             <a:avLst>
-              <a:gd fmla="val 16667" name="adj"/>
+              <a:gd name="adj" fmla="val 16667"/>
             </a:avLst>
           </a:prstGeom>
           <a:solidFill>
             <a:srgbClr val="6AA84F"/>
           </a:solidFill>
-          <a:ln cap="flat" cmpd="sng" w="9525">
+          <a:ln w="9525" cap="flat" cmpd="sng">
             <a:solidFill>
               <a:schemeClr val="dk2"/>
             </a:solidFill>
             <a:prstDash val="solid"/>
             <a:round/>
-            <a:headEnd len="sm" w="sm" type="none"/>
-            <a:tailEnd len="sm" w="sm" type="none"/>
+            <a:headEnd type="none" w="sm" len="sm"/>
+            <a:tailEnd type="none" w="sm" len="sm"/>
           </a:ln>
         </p:spPr>
         <p:txBody>
-          <a:bodyPr anchorCtr="0" anchor="ctr" bIns="91425" lIns="91425" spcFirstLastPara="1" rIns="91425" wrap="square" tIns="91425">
+          <a:bodyPr spcFirstLastPara="1" wrap="square" lIns="91425" tIns="91425" rIns="91425" bIns="91425" anchor="ctr" anchorCtr="0">
             <a:noAutofit/>
           </a:bodyPr>
           <a:lstStyle/>
           <a:p>
-            <a:pPr indent="0" lvl="0" marL="0" rtl="0" algn="l">
+            <a:pPr marL="0" lvl="0" indent="0" algn="l" rtl="0">
               <a:spcBef>
                 <a:spcPts val="0"/>
               </a:spcBef>
@@ -10748,34 +11034,34 @@
         </p:nvSpPr>
         <p:spPr>
           <a:xfrm>
-            <a:off x="7257650" y="1285950"/>
-            <a:ext cx="2177400" cy="2571600"/>
+            <a:off x="7357240" y="1513490"/>
+            <a:ext cx="756745" cy="1460938"/>
           </a:xfrm>
           <a:prstGeom prst="can">
             <a:avLst>
-              <a:gd fmla="val 25000" name="adj"/>
+              <a:gd name="adj" fmla="val 25000"/>
             </a:avLst>
           </a:prstGeom>
           <a:solidFill>
             <a:srgbClr val="6D9EEB"/>
           </a:solidFill>
-          <a:ln cap="flat" cmpd="sng" w="9525">
+          <a:ln w="9525" cap="flat" cmpd="sng">
             <a:solidFill>
               <a:schemeClr val="dk2"/>
             </a:solidFill>
             <a:prstDash val="solid"/>
             <a:round/>
-            <a:headEnd len="sm" w="sm" type="none"/>
-            <a:tailEnd len="sm" w="sm" type="none"/>
+            <a:headEnd type="none" w="sm" len="sm"/>
+            <a:tailEnd type="none" w="sm" len="sm"/>
           </a:ln>
         </p:spPr>
         <p:txBody>
-          <a:bodyPr anchorCtr="0" anchor="ctr" bIns="91425" lIns="91425" spcFirstLastPara="1" rIns="91425" wrap="square" tIns="91425">
+          <a:bodyPr spcFirstLastPara="1" wrap="square" lIns="91425" tIns="91425" rIns="91425" bIns="91425" anchor="ctr" anchorCtr="0">
             <a:noAutofit/>
           </a:bodyPr>
           <a:lstStyle/>
           <a:p>
-            <a:pPr indent="0" lvl="0" marL="0" rtl="0" algn="ctr">
+            <a:pPr marL="0" lvl="0" indent="0" algn="ctr" rtl="0">
               <a:spcBef>
                 <a:spcPts val="0"/>
               </a:spcBef>
@@ -10802,22 +11088,22 @@
           <p:nvPr/>
         </p:nvCxnSpPr>
         <p:spPr>
-          <a:xfrm flipH="1" rot="10800000">
-            <a:off x="2650675" y="1435900"/>
-            <a:ext cx="899400" cy="1072800"/>
+          <a:xfrm flipV="1">
+            <a:off x="2522483" y="1382111"/>
+            <a:ext cx="1006446" cy="1059562"/>
           </a:xfrm>
           <a:prstGeom prst="straightConnector1">
             <a:avLst/>
           </a:prstGeom>
           <a:noFill/>
-          <a:ln cap="flat" cmpd="sng" w="9525">
+          <a:ln w="9525" cap="flat" cmpd="sng">
             <a:solidFill>
               <a:schemeClr val="dk2"/>
             </a:solidFill>
             <a:prstDash val="solid"/>
             <a:round/>
-            <a:headEnd len="med" w="med" type="none"/>
-            <a:tailEnd len="med" w="med" type="triangle"/>
+            <a:headEnd type="none" w="med" len="med"/>
+            <a:tailEnd type="triangle" w="med" len="med"/>
           </a:ln>
         </p:spPr>
       </p:cxnSp>
@@ -10832,21 +11118,21 @@
         </p:nvCxnSpPr>
         <p:spPr>
           <a:xfrm>
-            <a:off x="6074450" y="1435825"/>
-            <a:ext cx="1183200" cy="1135800"/>
+            <a:off x="5780689" y="1382111"/>
+            <a:ext cx="1576551" cy="861848"/>
           </a:xfrm>
           <a:prstGeom prst="straightConnector1">
             <a:avLst/>
           </a:prstGeom>
           <a:noFill/>
-          <a:ln cap="flat" cmpd="sng" w="9525">
+          <a:ln w="9525" cap="flat" cmpd="sng">
             <a:solidFill>
               <a:schemeClr val="dk2"/>
             </a:solidFill>
             <a:prstDash val="solid"/>
             <a:round/>
-            <a:headEnd len="med" w="med" type="none"/>
-            <a:tailEnd len="med" w="med" type="triangle"/>
+            <a:headEnd type="none" w="med" len="med"/>
+            <a:tailEnd type="triangle" w="med" len="med"/>
           </a:ln>
         </p:spPr>
       </p:cxnSp>
@@ -10860,22 +11146,22 @@
           <p:nvPr/>
         </p:nvCxnSpPr>
         <p:spPr>
-          <a:xfrm>
-            <a:off x="2650675" y="2508700"/>
-            <a:ext cx="4607100" cy="63000"/>
+          <a:xfrm flipV="1">
+            <a:off x="2522483" y="2243959"/>
+            <a:ext cx="4834757" cy="197714"/>
           </a:xfrm>
           <a:prstGeom prst="straightConnector1">
             <a:avLst/>
           </a:prstGeom>
           <a:noFill/>
-          <a:ln cap="flat" cmpd="sng" w="9525">
+          <a:ln w="9525" cap="flat" cmpd="sng">
             <a:solidFill>
               <a:schemeClr val="dk2"/>
             </a:solidFill>
             <a:prstDash val="solid"/>
             <a:round/>
-            <a:headEnd len="med" w="med" type="none"/>
-            <a:tailEnd len="med" w="med" type="triangle"/>
+            <a:headEnd type="none" w="med" len="med"/>
+            <a:tailEnd type="triangle" w="med" len="med"/>
           </a:ln>
         </p:spPr>
       </p:cxnSp>
@@ -10887,34 +11173,34 @@
         </p:nvSpPr>
         <p:spPr>
           <a:xfrm>
-            <a:off x="3676175" y="3549950"/>
-            <a:ext cx="2382300" cy="1467300"/>
+            <a:off x="3550051" y="2953405"/>
+            <a:ext cx="2115025" cy="1145629"/>
           </a:xfrm>
           <a:prstGeom prst="roundRect">
             <a:avLst>
-              <a:gd fmla="val 16667" name="adj"/>
+              <a:gd name="adj" fmla="val 16667"/>
             </a:avLst>
           </a:prstGeom>
           <a:solidFill>
             <a:srgbClr val="6AA84F"/>
           </a:solidFill>
-          <a:ln cap="flat" cmpd="sng" w="9525">
+          <a:ln w="9525" cap="flat" cmpd="sng">
             <a:solidFill>
               <a:schemeClr val="dk2"/>
             </a:solidFill>
             <a:prstDash val="solid"/>
             <a:round/>
-            <a:headEnd len="sm" w="sm" type="none"/>
-            <a:tailEnd len="sm" w="sm" type="none"/>
+            <a:headEnd type="none" w="sm" len="sm"/>
+            <a:tailEnd type="none" w="sm" len="sm"/>
           </a:ln>
         </p:spPr>
         <p:txBody>
-          <a:bodyPr anchorCtr="0" anchor="ctr" bIns="91425" lIns="91425" spcFirstLastPara="1" rIns="91425" wrap="square" tIns="91425">
+          <a:bodyPr spcFirstLastPara="1" wrap="square" lIns="91425" tIns="91425" rIns="91425" bIns="91425" anchor="ctr" anchorCtr="0">
             <a:noAutofit/>
           </a:bodyPr>
           <a:lstStyle/>
           <a:p>
-            <a:pPr indent="0" lvl="0" marL="0" rtl="0" algn="l">
+            <a:pPr marL="0" lvl="0" indent="0" algn="l" rtl="0">
               <a:spcBef>
                 <a:spcPts val="0"/>
               </a:spcBef>
@@ -10940,11 +11226,11 @@
 </file>
 
 <file path=ppt/slides/slide6.xml><?xml version="1.0" encoding="utf-8"?>
-<p:sld xmlns:a="http://schemas.openxmlformats.org/drawingml/2006/main" xmlns:r="http://schemas.openxmlformats.org/officeDocument/2006/relationships" xmlns:mc="http://schemas.openxmlformats.org/markup-compatibility/2006" xmlns:mv="urn:schemas-microsoft-com:mac:vml" xmlns:p="http://schemas.openxmlformats.org/presentationml/2006/main" xmlns:c="http://schemas.openxmlformats.org/drawingml/2006/chart" xmlns:dgm="http://schemas.openxmlformats.org/drawingml/2006/diagram" xmlns:o="urn:schemas-microsoft-com:office:office" xmlns:v="urn:schemas-microsoft-com:vml" xmlns:pvml="urn:schemas-microsoft-com:office:powerpoint" xmlns:com="http://schemas.openxmlformats.org/drawingml/2006/compatibility" xmlns:p14="http://schemas.microsoft.com/office/powerpoint/2010/main" xmlns:p15="http://schemas.microsoft.com/office/powerpoint/2012/main" xmlns:ahyp="http://schemas.microsoft.com/office/drawing/2018/hyperlinkcolor">
+<p:sld xmlns:a="http://schemas.openxmlformats.org/drawingml/2006/main" xmlns:r="http://schemas.openxmlformats.org/officeDocument/2006/relationships" xmlns:p="http://schemas.openxmlformats.org/presentationml/2006/main">
   <p:cSld>
     <p:spTree>
       <p:nvGrpSpPr>
-        <p:cNvPr id="108" name="Shape 108"/>
+        <p:cNvPr id="1" name="Shape 108"/>
         <p:cNvGrpSpPr/>
         <p:nvPr/>
       </p:nvGrpSpPr>
@@ -10976,12 +11262,12 @@
           </a:ln>
         </p:spPr>
         <p:txBody>
-          <a:bodyPr anchorCtr="0" anchor="t" bIns="91425" lIns="91425" spcFirstLastPara="1" rIns="91425" wrap="square" tIns="91425">
+          <a:bodyPr spcFirstLastPara="1" wrap="square" lIns="91425" tIns="91425" rIns="91425" bIns="91425" anchor="t" anchorCtr="0">
             <a:noAutofit/>
           </a:bodyPr>
           <a:lstStyle/>
           <a:p>
-            <a:pPr indent="0" lvl="0" marL="0" rtl="0" algn="l">
+            <a:pPr marL="0" lvl="0" indent="0" algn="l" rtl="0">
               <a:spcBef>
                 <a:spcPts val="0"/>
               </a:spcBef>
@@ -11011,29 +11297,29 @@
           </a:xfrm>
           <a:prstGeom prst="roundRect">
             <a:avLst>
-              <a:gd fmla="val 16667" name="adj"/>
+              <a:gd name="adj" fmla="val 16667"/>
             </a:avLst>
           </a:prstGeom>
           <a:solidFill>
             <a:srgbClr val="6AA84F"/>
           </a:solidFill>
-          <a:ln cap="flat" cmpd="sng" w="9525">
+          <a:ln w="9525" cap="flat" cmpd="sng">
             <a:solidFill>
               <a:schemeClr val="dk2"/>
             </a:solidFill>
             <a:prstDash val="solid"/>
             <a:round/>
-            <a:headEnd len="sm" w="sm" type="none"/>
-            <a:tailEnd len="sm" w="sm" type="none"/>
+            <a:headEnd type="none" w="sm" len="sm"/>
+            <a:tailEnd type="none" w="sm" len="sm"/>
           </a:ln>
         </p:spPr>
         <p:txBody>
-          <a:bodyPr anchorCtr="0" anchor="ctr" bIns="91425" lIns="91425" spcFirstLastPara="1" rIns="91425" wrap="square" tIns="91425">
+          <a:bodyPr spcFirstLastPara="1" wrap="square" lIns="91425" tIns="91425" rIns="91425" bIns="91425" anchor="ctr" anchorCtr="0">
             <a:noAutofit/>
           </a:bodyPr>
           <a:lstStyle/>
           <a:p>
-            <a:pPr indent="0" lvl="0" marL="0" rtl="0" algn="l">
+            <a:pPr marL="0" lvl="0" indent="0" algn="l" rtl="0">
               <a:spcBef>
                 <a:spcPts val="0"/>
               </a:spcBef>
@@ -11063,29 +11349,29 @@
           </a:xfrm>
           <a:prstGeom prst="roundRect">
             <a:avLst>
-              <a:gd fmla="val 16667" name="adj"/>
+              <a:gd name="adj" fmla="val 16667"/>
             </a:avLst>
           </a:prstGeom>
           <a:solidFill>
             <a:srgbClr val="6AA84F"/>
           </a:solidFill>
-          <a:ln cap="flat" cmpd="sng" w="9525">
+          <a:ln w="9525" cap="flat" cmpd="sng">
             <a:solidFill>
               <a:schemeClr val="dk2"/>
             </a:solidFill>
             <a:prstDash val="solid"/>
             <a:round/>
-            <a:headEnd len="sm" w="sm" type="none"/>
-            <a:tailEnd len="sm" w="sm" type="none"/>
+            <a:headEnd type="none" w="sm" len="sm"/>
+            <a:tailEnd type="none" w="sm" len="sm"/>
           </a:ln>
         </p:spPr>
         <p:txBody>
-          <a:bodyPr anchorCtr="0" anchor="ctr" bIns="91425" lIns="91425" spcFirstLastPara="1" rIns="91425" wrap="square" tIns="91425">
+          <a:bodyPr spcFirstLastPara="1" wrap="square" lIns="91425" tIns="91425" rIns="91425" bIns="91425" anchor="ctr" anchorCtr="0">
             <a:noAutofit/>
           </a:bodyPr>
           <a:lstStyle/>
           <a:p>
-            <a:pPr indent="0" lvl="0" marL="0" rtl="0" algn="l">
+            <a:pPr marL="0" lvl="0" indent="0" algn="l" rtl="0">
               <a:spcBef>
                 <a:spcPts val="0"/>
               </a:spcBef>
@@ -11115,29 +11401,29 @@
           </a:xfrm>
           <a:prstGeom prst="can">
             <a:avLst>
-              <a:gd fmla="val 25000" name="adj"/>
+              <a:gd name="adj" fmla="val 25000"/>
             </a:avLst>
           </a:prstGeom>
           <a:solidFill>
             <a:srgbClr val="3C78D8"/>
           </a:solidFill>
-          <a:ln cap="flat" cmpd="sng" w="9525">
+          <a:ln w="9525" cap="flat" cmpd="sng">
             <a:solidFill>
               <a:schemeClr val="dk2"/>
             </a:solidFill>
             <a:prstDash val="solid"/>
             <a:round/>
-            <a:headEnd len="sm" w="sm" type="none"/>
-            <a:tailEnd len="sm" w="sm" type="none"/>
+            <a:headEnd type="none" w="sm" len="sm"/>
+            <a:tailEnd type="none" w="sm" len="sm"/>
           </a:ln>
         </p:spPr>
         <p:txBody>
-          <a:bodyPr anchorCtr="0" anchor="ctr" bIns="91425" lIns="91425" spcFirstLastPara="1" rIns="91425" wrap="square" tIns="91425">
+          <a:bodyPr spcFirstLastPara="1" wrap="square" lIns="91425" tIns="91425" rIns="91425" bIns="91425" anchor="ctr" anchorCtr="0">
             <a:noAutofit/>
           </a:bodyPr>
           <a:lstStyle/>
           <a:p>
-            <a:pPr indent="0" lvl="0" marL="0" rtl="0" algn="ctr">
+            <a:pPr marL="0" lvl="0" indent="0" algn="ctr" rtl="0">
               <a:spcBef>
                 <a:spcPts val="0"/>
               </a:spcBef>
@@ -11172,14 +11458,14 @@
             <a:avLst/>
           </a:prstGeom>
           <a:noFill/>
-          <a:ln cap="flat" cmpd="sng" w="9525">
+          <a:ln w="9525" cap="flat" cmpd="sng">
             <a:solidFill>
               <a:schemeClr val="dk2"/>
             </a:solidFill>
             <a:prstDash val="solid"/>
             <a:round/>
-            <a:headEnd len="med" w="med" type="none"/>
-            <a:tailEnd len="med" w="med" type="triangle"/>
+            <a:headEnd type="none" w="med" len="med"/>
+            <a:tailEnd type="triangle" w="med" len="med"/>
           </a:ln>
         </p:spPr>
       </p:cxnSp>
@@ -11201,14 +11487,14 @@
             <a:avLst/>
           </a:prstGeom>
           <a:noFill/>
-          <a:ln cap="flat" cmpd="sng" w="9525">
+          <a:ln w="9525" cap="flat" cmpd="sng">
             <a:solidFill>
               <a:schemeClr val="dk2"/>
             </a:solidFill>
             <a:prstDash val="solid"/>
             <a:round/>
-            <a:headEnd len="med" w="med" type="none"/>
-            <a:tailEnd len="med" w="med" type="triangle"/>
+            <a:headEnd type="none" w="med" len="med"/>
+            <a:tailEnd type="triangle" w="med" len="med"/>
           </a:ln>
         </p:spPr>
       </p:cxnSp>
@@ -11221,11 +11507,11 @@
 </file>
 
 <file path=ppt/slides/slide7.xml><?xml version="1.0" encoding="utf-8"?>
-<p:sld xmlns:a="http://schemas.openxmlformats.org/drawingml/2006/main" xmlns:r="http://schemas.openxmlformats.org/officeDocument/2006/relationships" xmlns:mc="http://schemas.openxmlformats.org/markup-compatibility/2006" xmlns:mv="urn:schemas-microsoft-com:mac:vml" xmlns:p="http://schemas.openxmlformats.org/presentationml/2006/main" xmlns:c="http://schemas.openxmlformats.org/drawingml/2006/chart" xmlns:dgm="http://schemas.openxmlformats.org/drawingml/2006/diagram" xmlns:o="urn:schemas-microsoft-com:office:office" xmlns:v="urn:schemas-microsoft-com:vml" xmlns:pvml="urn:schemas-microsoft-com:office:powerpoint" xmlns:com="http://schemas.openxmlformats.org/drawingml/2006/compatibility" xmlns:p14="http://schemas.microsoft.com/office/powerpoint/2010/main" xmlns:p15="http://schemas.microsoft.com/office/powerpoint/2012/main" xmlns:ahyp="http://schemas.microsoft.com/office/drawing/2018/hyperlinkcolor">
+<p:sld xmlns:a="http://schemas.openxmlformats.org/drawingml/2006/main" xmlns:r="http://schemas.openxmlformats.org/officeDocument/2006/relationships" xmlns:p="http://schemas.openxmlformats.org/presentationml/2006/main">
   <p:cSld>
     <p:spTree>
       <p:nvGrpSpPr>
-        <p:cNvPr id="118" name="Shape 118"/>
+        <p:cNvPr id="1" name="Shape 118"/>
         <p:cNvGrpSpPr/>
         <p:nvPr/>
       </p:nvGrpSpPr>
@@ -11257,12 +11543,12 @@
           </a:ln>
         </p:spPr>
         <p:txBody>
-          <a:bodyPr anchorCtr="0" anchor="t" bIns="91425" lIns="91425" spcFirstLastPara="1" rIns="91425" wrap="square" tIns="91425">
+          <a:bodyPr spcFirstLastPara="1" wrap="square" lIns="91425" tIns="91425" rIns="91425" bIns="91425" anchor="t" anchorCtr="0">
             <a:noAutofit/>
           </a:bodyPr>
           <a:lstStyle/>
           <a:p>
-            <a:pPr indent="0" lvl="0" marL="0" rtl="0" algn="l">
+            <a:pPr marL="0" lvl="0" indent="0" algn="l" rtl="0">
               <a:spcBef>
                 <a:spcPts val="0"/>
               </a:spcBef>
@@ -11292,29 +11578,29 @@
           </a:xfrm>
           <a:prstGeom prst="roundRect">
             <a:avLst>
-              <a:gd fmla="val 16667" name="adj"/>
+              <a:gd name="adj" fmla="val 16667"/>
             </a:avLst>
           </a:prstGeom>
           <a:solidFill>
             <a:srgbClr val="6AA84F"/>
           </a:solidFill>
-          <a:ln cap="flat" cmpd="sng" w="9525">
+          <a:ln w="9525" cap="flat" cmpd="sng">
             <a:solidFill>
               <a:schemeClr val="dk2"/>
             </a:solidFill>
             <a:prstDash val="solid"/>
             <a:round/>
-            <a:headEnd len="sm" w="sm" type="none"/>
-            <a:tailEnd len="sm" w="sm" type="none"/>
+            <a:headEnd type="none" w="sm" len="sm"/>
+            <a:tailEnd type="none" w="sm" len="sm"/>
           </a:ln>
         </p:spPr>
         <p:txBody>
-          <a:bodyPr anchorCtr="0" anchor="ctr" bIns="91425" lIns="91425" spcFirstLastPara="1" rIns="91425" wrap="square" tIns="91425">
+          <a:bodyPr spcFirstLastPara="1" wrap="square" lIns="91425" tIns="91425" rIns="91425" bIns="91425" anchor="ctr" anchorCtr="0">
             <a:noAutofit/>
           </a:bodyPr>
           <a:lstStyle/>
           <a:p>
-            <a:pPr indent="0" lvl="0" marL="0" rtl="0" algn="l">
+            <a:pPr marL="0" lvl="0" indent="0" algn="l" rtl="0">
               <a:spcBef>
                 <a:spcPts val="0"/>
               </a:spcBef>
@@ -11344,29 +11630,29 @@
           </a:xfrm>
           <a:prstGeom prst="can">
             <a:avLst>
-              <a:gd fmla="val 25000" name="adj"/>
+              <a:gd name="adj" fmla="val 25000"/>
             </a:avLst>
           </a:prstGeom>
           <a:solidFill>
             <a:srgbClr val="6D9EEB"/>
           </a:solidFill>
-          <a:ln cap="flat" cmpd="sng" w="9525">
+          <a:ln w="9525" cap="flat" cmpd="sng">
             <a:solidFill>
               <a:schemeClr val="dk2"/>
             </a:solidFill>
             <a:prstDash val="solid"/>
             <a:round/>
-            <a:headEnd len="sm" w="sm" type="none"/>
-            <a:tailEnd len="sm" w="sm" type="none"/>
+            <a:headEnd type="none" w="sm" len="sm"/>
+            <a:tailEnd type="none" w="sm" len="sm"/>
           </a:ln>
         </p:spPr>
         <p:txBody>
-          <a:bodyPr anchorCtr="0" anchor="ctr" bIns="91425" lIns="91425" spcFirstLastPara="1" rIns="91425" wrap="square" tIns="91425">
+          <a:bodyPr spcFirstLastPara="1" wrap="square" lIns="91425" tIns="91425" rIns="91425" bIns="91425" anchor="ctr" anchorCtr="0">
             <a:noAutofit/>
           </a:bodyPr>
           <a:lstStyle/>
           <a:p>
-            <a:pPr indent="0" lvl="0" marL="0" rtl="0" algn="ctr">
+            <a:pPr marL="0" lvl="0" indent="0" algn="ctr" rtl="0">
               <a:spcBef>
                 <a:spcPts val="0"/>
               </a:spcBef>
@@ -11401,14 +11687,14 @@
             <a:avLst/>
           </a:prstGeom>
           <a:noFill/>
-          <a:ln cap="flat" cmpd="sng" w="9525">
+          <a:ln w="9525" cap="flat" cmpd="sng">
             <a:solidFill>
               <a:schemeClr val="dk2"/>
             </a:solidFill>
             <a:prstDash val="solid"/>
             <a:round/>
-            <a:headEnd len="med" w="med" type="none"/>
-            <a:tailEnd len="med" w="med" type="triangle"/>
+            <a:headEnd type="none" w="med" len="med"/>
+            <a:tailEnd type="triangle" w="med" len="med"/>
           </a:ln>
         </p:spPr>
       </p:cxnSp>
@@ -11430,14 +11716,14 @@
             <a:avLst/>
           </a:prstGeom>
           <a:noFill/>
-          <a:ln cap="flat" cmpd="sng" w="9525">
+          <a:ln w="9525" cap="flat" cmpd="sng">
             <a:solidFill>
               <a:schemeClr val="dk2"/>
             </a:solidFill>
             <a:prstDash val="solid"/>
             <a:round/>
-            <a:headEnd len="med" w="med" type="none"/>
-            <a:tailEnd len="med" w="med" type="triangle"/>
+            <a:headEnd type="none" w="med" len="med"/>
+            <a:tailEnd type="triangle" w="med" len="med"/>
           </a:ln>
         </p:spPr>
       </p:cxnSp>
@@ -11454,29 +11740,29 @@
           </a:xfrm>
           <a:prstGeom prst="roundRect">
             <a:avLst>
-              <a:gd fmla="val 16667" name="adj"/>
+              <a:gd name="adj" fmla="val 16667"/>
             </a:avLst>
           </a:prstGeom>
           <a:solidFill>
             <a:srgbClr val="6AA84F"/>
           </a:solidFill>
-          <a:ln cap="flat" cmpd="sng" w="9525">
+          <a:ln w="9525" cap="flat" cmpd="sng">
             <a:solidFill>
               <a:schemeClr val="dk2"/>
             </a:solidFill>
             <a:prstDash val="solid"/>
             <a:round/>
-            <a:headEnd len="sm" w="sm" type="none"/>
-            <a:tailEnd len="sm" w="sm" type="none"/>
+            <a:headEnd type="none" w="sm" len="sm"/>
+            <a:tailEnd type="none" w="sm" len="sm"/>
           </a:ln>
         </p:spPr>
         <p:txBody>
-          <a:bodyPr anchorCtr="0" anchor="ctr" bIns="91425" lIns="91425" spcFirstLastPara="1" rIns="91425" wrap="square" tIns="91425">
+          <a:bodyPr spcFirstLastPara="1" wrap="square" lIns="91425" tIns="91425" rIns="91425" bIns="91425" anchor="ctr" anchorCtr="0">
             <a:noAutofit/>
           </a:bodyPr>
           <a:lstStyle/>
           <a:p>
-            <a:pPr indent="0" lvl="0" marL="0" rtl="0" algn="l">
+            <a:pPr marL="0" lvl="0" indent="0" algn="l" rtl="0">
               <a:spcBef>
                 <a:spcPts val="0"/>
               </a:spcBef>
@@ -11502,11 +11788,11 @@
 </file>
 
 <file path=ppt/slides/slide8.xml><?xml version="1.0" encoding="utf-8"?>
-<p:sld xmlns:a="http://schemas.openxmlformats.org/drawingml/2006/main" xmlns:r="http://schemas.openxmlformats.org/officeDocument/2006/relationships" xmlns:mc="http://schemas.openxmlformats.org/markup-compatibility/2006" xmlns:mv="urn:schemas-microsoft-com:mac:vml" xmlns:p="http://schemas.openxmlformats.org/presentationml/2006/main" xmlns:c="http://schemas.openxmlformats.org/drawingml/2006/chart" xmlns:dgm="http://schemas.openxmlformats.org/drawingml/2006/diagram" xmlns:o="urn:schemas-microsoft-com:office:office" xmlns:v="urn:schemas-microsoft-com:vml" xmlns:pvml="urn:schemas-microsoft-com:office:powerpoint" xmlns:com="http://schemas.openxmlformats.org/drawingml/2006/compatibility" xmlns:p14="http://schemas.microsoft.com/office/powerpoint/2010/main" xmlns:p15="http://schemas.microsoft.com/office/powerpoint/2012/main" xmlns:ahyp="http://schemas.microsoft.com/office/drawing/2018/hyperlinkcolor">
+<p:sld xmlns:a="http://schemas.openxmlformats.org/drawingml/2006/main" xmlns:r="http://schemas.openxmlformats.org/officeDocument/2006/relationships" xmlns:p="http://schemas.openxmlformats.org/presentationml/2006/main">
   <p:cSld>
     <p:spTree>
       <p:nvGrpSpPr>
-        <p:cNvPr id="128" name="Shape 128"/>
+        <p:cNvPr id="1" name="Shape 128"/>
         <p:cNvGrpSpPr/>
         <p:nvPr/>
       </p:nvGrpSpPr>
@@ -11538,12 +11824,12 @@
           </a:ln>
         </p:spPr>
         <p:txBody>
-          <a:bodyPr anchorCtr="0" anchor="t" bIns="91425" lIns="91425" spcFirstLastPara="1" rIns="91425" wrap="square" tIns="91425">
+          <a:bodyPr spcFirstLastPara="1" wrap="square" lIns="91425" tIns="91425" rIns="91425" bIns="91425" anchor="t" anchorCtr="0">
             <a:noAutofit/>
           </a:bodyPr>
           <a:lstStyle/>
           <a:p>
-            <a:pPr indent="0" lvl="0" marL="0" rtl="0" algn="l">
+            <a:pPr marL="0" lvl="0" indent="0" algn="l" rtl="0">
               <a:spcBef>
                 <a:spcPts val="0"/>
               </a:spcBef>
@@ -11573,29 +11859,29 @@
           </a:xfrm>
           <a:prstGeom prst="roundRect">
             <a:avLst>
-              <a:gd fmla="val 16667" name="adj"/>
+              <a:gd name="adj" fmla="val 16667"/>
             </a:avLst>
           </a:prstGeom>
           <a:solidFill>
             <a:srgbClr val="6AA84F"/>
           </a:solidFill>
-          <a:ln cap="flat" cmpd="sng" w="9525">
+          <a:ln w="9525" cap="flat" cmpd="sng">
             <a:solidFill>
               <a:srgbClr val="6AA84F"/>
             </a:solidFill>
             <a:prstDash val="solid"/>
             <a:round/>
-            <a:headEnd len="sm" w="sm" type="none"/>
-            <a:tailEnd len="sm" w="sm" type="none"/>
+            <a:headEnd type="none" w="sm" len="sm"/>
+            <a:tailEnd type="none" w="sm" len="sm"/>
           </a:ln>
         </p:spPr>
         <p:txBody>
-          <a:bodyPr anchorCtr="0" anchor="ctr" bIns="91425" lIns="91425" spcFirstLastPara="1" rIns="91425" wrap="square" tIns="91425">
+          <a:bodyPr spcFirstLastPara="1" wrap="square" lIns="91425" tIns="91425" rIns="91425" bIns="91425" anchor="ctr" anchorCtr="0">
             <a:noAutofit/>
           </a:bodyPr>
           <a:lstStyle/>
           <a:p>
-            <a:pPr indent="0" lvl="0" marL="0" rtl="0" algn="l">
+            <a:pPr marL="0" lvl="0" indent="0" algn="l" rtl="0">
               <a:spcBef>
                 <a:spcPts val="0"/>
               </a:spcBef>
@@ -11625,29 +11911,29 @@
           </a:xfrm>
           <a:prstGeom prst="roundRect">
             <a:avLst>
-              <a:gd fmla="val 16667" name="adj"/>
+              <a:gd name="adj" fmla="val 16667"/>
             </a:avLst>
           </a:prstGeom>
           <a:solidFill>
             <a:srgbClr val="6AA84F"/>
           </a:solidFill>
-          <a:ln cap="flat" cmpd="sng" w="9525">
+          <a:ln w="9525" cap="flat" cmpd="sng">
             <a:solidFill>
               <a:srgbClr val="6AA84F"/>
             </a:solidFill>
             <a:prstDash val="solid"/>
             <a:round/>
-            <a:headEnd len="sm" w="sm" type="none"/>
-            <a:tailEnd len="sm" w="sm" type="none"/>
+            <a:headEnd type="none" w="sm" len="sm"/>
+            <a:tailEnd type="none" w="sm" len="sm"/>
           </a:ln>
         </p:spPr>
         <p:txBody>
-          <a:bodyPr anchorCtr="0" anchor="ctr" bIns="91425" lIns="91425" spcFirstLastPara="1" rIns="91425" wrap="square" tIns="91425">
+          <a:bodyPr spcFirstLastPara="1" wrap="square" lIns="91425" tIns="91425" rIns="91425" bIns="91425" anchor="ctr" anchorCtr="0">
             <a:noAutofit/>
           </a:bodyPr>
           <a:lstStyle/>
           <a:p>
-            <a:pPr indent="0" lvl="0" marL="0" rtl="0" algn="l">
+            <a:pPr marL="0" lvl="0" indent="0" algn="l" rtl="0">
               <a:spcBef>
                 <a:spcPts val="0"/>
               </a:spcBef>
@@ -11677,29 +11963,29 @@
           </a:xfrm>
           <a:prstGeom prst="can">
             <a:avLst>
-              <a:gd fmla="val 25000" name="adj"/>
+              <a:gd name="adj" fmla="val 25000"/>
             </a:avLst>
           </a:prstGeom>
           <a:solidFill>
             <a:srgbClr val="6D9EEB"/>
           </a:solidFill>
-          <a:ln cap="flat" cmpd="sng" w="9525">
+          <a:ln w="9525" cap="flat" cmpd="sng">
             <a:solidFill>
               <a:srgbClr val="6AA84F"/>
             </a:solidFill>
             <a:prstDash val="solid"/>
             <a:round/>
-            <a:headEnd len="sm" w="sm" type="none"/>
-            <a:tailEnd len="sm" w="sm" type="none"/>
+            <a:headEnd type="none" w="sm" len="sm"/>
+            <a:tailEnd type="none" w="sm" len="sm"/>
           </a:ln>
         </p:spPr>
         <p:txBody>
-          <a:bodyPr anchorCtr="0" anchor="ctr" bIns="91425" lIns="91425" spcFirstLastPara="1" rIns="91425" wrap="square" tIns="91425">
+          <a:bodyPr spcFirstLastPara="1" wrap="square" lIns="91425" tIns="91425" rIns="91425" bIns="91425" anchor="ctr" anchorCtr="0">
             <a:noAutofit/>
           </a:bodyPr>
           <a:lstStyle/>
           <a:p>
-            <a:pPr indent="0" lvl="0" marL="0" rtl="0" algn="ctr">
+            <a:pPr marL="0" lvl="0" indent="0" algn="ctr" rtl="0">
               <a:spcBef>
                 <a:spcPts val="0"/>
               </a:spcBef>
@@ -11726,7 +12012,7 @@
           <p:nvPr/>
         </p:nvCxnSpPr>
         <p:spPr>
-          <a:xfrm flipH="1" rot="10800000">
+          <a:xfrm rot="10800000" flipH="1">
             <a:off x="2918850" y="1341150"/>
             <a:ext cx="1072800" cy="1285800"/>
           </a:xfrm>
@@ -11734,14 +12020,14 @@
             <a:avLst/>
           </a:prstGeom>
           <a:noFill/>
-          <a:ln cap="flat" cmpd="sng" w="9525">
+          <a:ln w="9525" cap="flat" cmpd="sng">
             <a:solidFill>
               <a:schemeClr val="dk2"/>
             </a:solidFill>
             <a:prstDash val="solid"/>
             <a:round/>
-            <a:headEnd len="med" w="med" type="none"/>
-            <a:tailEnd len="med" w="med" type="triangle"/>
+            <a:headEnd type="none" w="med" len="med"/>
+            <a:tailEnd type="triangle" w="med" len="med"/>
           </a:ln>
         </p:spPr>
       </p:cxnSp>
@@ -11763,14 +12049,14 @@
             <a:avLst/>
           </a:prstGeom>
           <a:noFill/>
-          <a:ln cap="flat" cmpd="sng" w="9525">
+          <a:ln w="9525" cap="flat" cmpd="sng">
             <a:solidFill>
               <a:schemeClr val="dk2"/>
             </a:solidFill>
             <a:prstDash val="solid"/>
             <a:round/>
-            <a:headEnd len="med" w="med" type="none"/>
-            <a:tailEnd len="med" w="med" type="triangle"/>
+            <a:headEnd type="none" w="med" len="med"/>
+            <a:tailEnd type="triangle" w="med" len="med"/>
           </a:ln>
         </p:spPr>
       </p:cxnSp>
@@ -11792,14 +12078,14 @@
             <a:avLst/>
           </a:prstGeom>
           <a:noFill/>
-          <a:ln cap="flat" cmpd="sng" w="9525">
+          <a:ln w="9525" cap="flat" cmpd="sng">
             <a:solidFill>
               <a:schemeClr val="dk2"/>
             </a:solidFill>
             <a:prstDash val="solid"/>
             <a:round/>
-            <a:headEnd len="med" w="med" type="none"/>
-            <a:tailEnd len="med" w="med" type="triangle"/>
+            <a:headEnd type="none" w="med" len="med"/>
+            <a:tailEnd type="triangle" w="med" len="med"/>
           </a:ln>
         </p:spPr>
       </p:cxnSp>
@@ -11812,7 +12098,7 @@
 </file>
 
 <file path=ppt/theme/theme1.xml><?xml version="1.0" encoding="utf-8"?>
-<a:theme xmlns:a="http://schemas.openxmlformats.org/drawingml/2006/main" xmlns:r="http://schemas.openxmlformats.org/officeDocument/2006/relationships" name="Simple Light">
+<a:theme xmlns:a="http://schemas.openxmlformats.org/drawingml/2006/main" name="Simple Light">
   <a:themeElements>
     <a:clrScheme name="Simple Light">
       <a:dk1>
@@ -12087,11 +12373,13 @@
       </a:bgFillStyleLst>
     </a:fmtScheme>
   </a:themeElements>
+  <a:objectDefaults/>
+  <a:extraClrSchemeLst/>
 </a:theme>
 </file>
 
 <file path=ppt/theme/theme2.xml><?xml version="1.0" encoding="utf-8"?>
-<a:theme xmlns:a="http://schemas.openxmlformats.org/drawingml/2006/main" xmlns:r="http://schemas.openxmlformats.org/officeDocument/2006/relationships">
+<a:theme xmlns:a="http://schemas.openxmlformats.org/drawingml/2006/main">
   <a:themeElements>
     <a:clrScheme name="Default">
       <a:dk1>
@@ -12366,5 +12654,7 @@
       </a:bgFillStyleLst>
     </a:fmtScheme>
   </a:themeElements>
+  <a:objectDefaults/>
+  <a:extraClrSchemeLst/>
 </a:theme>
 </file>